--- a/DevopsDemo.pptx
+++ b/DevopsDemo.pptx
@@ -5,10 +5,10 @@
     <p:sldMasterId id="2147483685" r:id="rId1"/>
   </p:sldMasterIdLst>
   <p:notesMasterIdLst>
-    <p:notesMasterId r:id="rId13"/>
+    <p:notesMasterId r:id="rId14"/>
   </p:notesMasterIdLst>
   <p:handoutMasterIdLst>
-    <p:handoutMasterId r:id="rId14"/>
+    <p:handoutMasterId r:id="rId15"/>
   </p:handoutMasterIdLst>
   <p:sldIdLst>
     <p:sldId id="464" r:id="rId2"/>
@@ -21,12 +21,13 @@
     <p:sldId id="483" r:id="rId9"/>
     <p:sldId id="484" r:id="rId10"/>
     <p:sldId id="485" r:id="rId11"/>
-    <p:sldId id="482" r:id="rId12"/>
+    <p:sldId id="486" r:id="rId12"/>
+    <p:sldId id="482" r:id="rId13"/>
   </p:sldIdLst>
   <p:sldSz cx="12188825" cy="6858000"/>
   <p:notesSz cx="6858000" cy="9144000"/>
   <p:custDataLst>
-    <p:tags r:id="rId16"/>
+    <p:tags r:id="rId17"/>
   </p:custDataLst>
   <p:defaultTextStyle>
     <a:defPPr>
@@ -27957,6 +27958,211 @@
           <a:bodyPr/>
           <a:lstStyle/>
           <a:p>
+            <a:endParaRPr lang="en-US"/>
+          </a:p>
+        </p:txBody>
+      </p:sp>
+      <p:sp>
+        <p:nvSpPr>
+          <p:cNvPr id="4" name="Footer Placeholder 3"/>
+          <p:cNvSpPr>
+            <a:spLocks noGrp="1"/>
+          </p:cNvSpPr>
+          <p:nvPr>
+            <p:ph type="ftr" sz="quarter" idx="11"/>
+          </p:nvPr>
+        </p:nvSpPr>
+        <p:spPr/>
+        <p:txBody>
+          <a:bodyPr/>
+          <a:lstStyle/>
+          <a:p>
+            <a:r>
+              <a:rPr lang="en-US" smtClean="0"/>
+              <a:t>CONFIDENTIAL</a:t>
+            </a:r>
+            <a:endParaRPr lang="en-US"/>
+          </a:p>
+        </p:txBody>
+      </p:sp>
+      <p:sp>
+        <p:nvSpPr>
+          <p:cNvPr id="5" name="Slide Number Placeholder 4"/>
+          <p:cNvSpPr>
+            <a:spLocks noGrp="1"/>
+          </p:cNvSpPr>
+          <p:nvPr>
+            <p:ph type="sldNum" sz="quarter" idx="12"/>
+          </p:nvPr>
+        </p:nvSpPr>
+        <p:spPr/>
+        <p:txBody>
+          <a:bodyPr/>
+          <a:lstStyle/>
+          <a:p>
+            <a:fld id="{6EA6D8CF-3CDE-4807-BCD2-C9F2B831AAA5}" type="slidenum">
+              <a:rPr lang="en-US" smtClean="0"/>
+              <a:t>11</a:t>
+            </a:fld>
+            <a:endParaRPr lang="en-US"/>
+          </a:p>
+        </p:txBody>
+      </p:sp>
+      <p:grpSp>
+        <p:nvGrpSpPr>
+          <p:cNvPr id="8" name="Group 7"/>
+          <p:cNvGrpSpPr/>
+          <p:nvPr/>
+        </p:nvGrpSpPr>
+        <p:grpSpPr>
+          <a:xfrm>
+            <a:off x="1381031" y="3513761"/>
+            <a:ext cx="1652303" cy="1064917"/>
+            <a:chOff x="2927366" y="2081687"/>
+            <a:chExt cx="4191000" cy="2755900"/>
+          </a:xfrm>
+        </p:grpSpPr>
+        <p:pic>
+          <p:nvPicPr>
+            <p:cNvPr id="6" name="Picture 5"/>
+            <p:cNvPicPr>
+              <a:picLocks noChangeAspect="1"/>
+            </p:cNvPicPr>
+            <p:nvPr/>
+          </p:nvPicPr>
+          <p:blipFill>
+            <a:blip r:embed="rId2"/>
+            <a:stretch>
+              <a:fillRect/>
+            </a:stretch>
+          </p:blipFill>
+          <p:spPr>
+            <a:xfrm>
+              <a:off x="2927366" y="2081687"/>
+              <a:ext cx="4191000" cy="2755900"/>
+            </a:xfrm>
+            <a:prstGeom prst="rect">
+              <a:avLst/>
+            </a:prstGeom>
+          </p:spPr>
+        </p:pic>
+        <p:pic>
+          <p:nvPicPr>
+            <p:cNvPr id="7" name="Picture 6"/>
+            <p:cNvPicPr>
+              <a:picLocks noChangeAspect="1"/>
+            </p:cNvPicPr>
+            <p:nvPr/>
+          </p:nvPicPr>
+          <p:blipFill>
+            <a:blip r:embed="rId3"/>
+            <a:stretch>
+              <a:fillRect/>
+            </a:stretch>
+          </p:blipFill>
+          <p:spPr>
+            <a:xfrm>
+              <a:off x="4019784" y="2958958"/>
+              <a:ext cx="2367481" cy="1442491"/>
+            </a:xfrm>
+            <a:prstGeom prst="rect">
+              <a:avLst/>
+            </a:prstGeom>
+          </p:spPr>
+        </p:pic>
+      </p:grpSp>
+      <p:sp>
+        <p:nvSpPr>
+          <p:cNvPr id="9" name="TextBox 8"/>
+          <p:cNvSpPr txBox="1"/>
+          <p:nvPr/>
+        </p:nvSpPr>
+        <p:spPr>
+          <a:xfrm>
+            <a:off x="3107317" y="3846646"/>
+            <a:ext cx="6078999" cy="567134"/>
+          </a:xfrm>
+          <a:prstGeom prst="rect">
+            <a:avLst/>
+          </a:prstGeom>
+          <a:noFill/>
+        </p:spPr>
+        <p:txBody>
+          <a:bodyPr wrap="square" lIns="0" tIns="0" rIns="0" bIns="0" rtlCol="0">
+            <a:noAutofit/>
+          </a:bodyPr>
+          <a:lstStyle/>
+          <a:p>
+            <a:pPr>
+              <a:lnSpc>
+                <a:spcPct val="90000"/>
+              </a:lnSpc>
+            </a:pPr>
+            <a:r>
+              <a:rPr lang="en-US" sz="4400" dirty="0" smtClean="0">
+                <a:solidFill>
+                  <a:srgbClr val="578BC2"/>
+                </a:solidFill>
+                <a:latin typeface="Arial Rounded MT Bold"/>
+                <a:cs typeface="Arial Rounded MT Bold"/>
+              </a:rPr>
+              <a:t>DevOps Demo</a:t>
+            </a:r>
+            <a:endParaRPr lang="en-US" sz="4400" dirty="0" smtClean="0">
+              <a:solidFill>
+                <a:srgbClr val="578BC2"/>
+              </a:solidFill>
+              <a:latin typeface="Arial Rounded MT Bold"/>
+              <a:cs typeface="Arial Rounded MT Bold"/>
+            </a:endParaRPr>
+          </a:p>
+        </p:txBody>
+      </p:sp>
+    </p:spTree>
+    <p:extLst>
+      <p:ext uri="{BB962C8B-B14F-4D97-AF65-F5344CB8AC3E}">
+        <p14:creationId xmlns:p14="http://schemas.microsoft.com/office/powerpoint/2010/main" val="4293916079"/>
+      </p:ext>
+    </p:extLst>
+  </p:cSld>
+  <p:clrMapOvr>
+    <a:masterClrMapping/>
+  </p:clrMapOvr>
+</p:sld>
+</file>
+
+<file path=ppt/slides/slide12.xml><?xml version="1.0" encoding="utf-8"?>
+<p:sld xmlns:a="http://schemas.openxmlformats.org/drawingml/2006/main" xmlns:r="http://schemas.openxmlformats.org/officeDocument/2006/relationships" xmlns:p="http://schemas.openxmlformats.org/presentationml/2006/main">
+  <p:cSld>
+    <p:spTree>
+      <p:nvGrpSpPr>
+        <p:cNvPr id="1" name=""/>
+        <p:cNvGrpSpPr/>
+        <p:nvPr/>
+      </p:nvGrpSpPr>
+      <p:grpSpPr>
+        <a:xfrm>
+          <a:off x="0" y="0"/>
+          <a:ext cx="0" cy="0"/>
+          <a:chOff x="0" y="0"/>
+          <a:chExt cx="0" cy="0"/>
+        </a:xfrm>
+      </p:grpSpPr>
+      <p:sp>
+        <p:nvSpPr>
+          <p:cNvPr id="2" name="Title 1"/>
+          <p:cNvSpPr>
+            <a:spLocks noGrp="1"/>
+          </p:cNvSpPr>
+          <p:nvPr>
+            <p:ph type="title"/>
+          </p:nvPr>
+        </p:nvSpPr>
+        <p:spPr/>
+        <p:txBody>
+          <a:bodyPr/>
+          <a:lstStyle/>
+          <a:p>
             <a:endParaRPr lang="en-US" dirty="0"/>
           </a:p>
         </p:txBody>
@@ -28020,7 +28226,7 @@
           <a:p>
             <a:fld id="{6EA6D8CF-3CDE-4807-BCD2-C9F2B831AAA5}" type="slidenum">
               <a:rPr lang="en-US" smtClean="0"/>
-              <a:t>11</a:t>
+              <a:t>12</a:t>
             </a:fld>
             <a:endParaRPr lang="en-US" dirty="0"/>
           </a:p>

--- a/DevopsDemo.pptx
+++ b/DevopsDemo.pptx
@@ -12,8 +12,8 @@
   </p:handoutMasterIdLst>
   <p:sldIdLst>
     <p:sldId id="487" r:id="rId2"/>
-    <p:sldId id="488" r:id="rId3"/>
-    <p:sldId id="492" r:id="rId4"/>
+    <p:sldId id="492" r:id="rId3"/>
+    <p:sldId id="488" r:id="rId4"/>
     <p:sldId id="489" r:id="rId5"/>
     <p:sldId id="490" r:id="rId6"/>
     <p:sldId id="491" r:id="rId7"/>
@@ -25470,15 +25470,8 @@
             <a:pPr lvl="1"/>
             <a:r>
               <a:rPr lang="en-US" dirty="0" smtClean="0"/>
-              <a:t>The demo is hosted as the web site at  </a:t>
+              <a:t>The demo is hosted as the web site </a:t>
             </a:r>
-            <a:r>
-              <a:rPr lang="en-US" dirty="0" smtClean="0">
-                <a:hlinkClick r:id="rId3" action="ppaction://hlinkfile"/>
-              </a:rPr>
-              <a:t>vcadevops.vcloudair.io</a:t>
-            </a:r>
-            <a:endParaRPr lang="en-US" dirty="0" smtClean="0"/>
           </a:p>
           <a:p>
             <a:pPr lvl="1"/>
@@ -25562,7 +25555,7 @@
           <p:nvPr/>
         </p:nvPicPr>
         <p:blipFill>
-          <a:blip r:embed="rId4">
+          <a:blip r:embed="rId3">
             <a:extLst>
               <a:ext uri="{28A0092B-C50C-407E-A947-70E740481C1C}">
                 <a14:useLocalDpi xmlns:a14="http://schemas.microsoft.com/office/drawing/2010/main" val="0"/>
@@ -35507,6 +35500,204 @@
           <a:p>
             <a:r>
               <a:rPr lang="en-US" dirty="0" smtClean="0"/>
+              <a:t>Scenarios</a:t>
+            </a:r>
+            <a:endParaRPr lang="en-US" dirty="0"/>
+          </a:p>
+        </p:txBody>
+      </p:sp>
+      <p:sp>
+        <p:nvSpPr>
+          <p:cNvPr id="3" name="Content Placeholder 2"/>
+          <p:cNvSpPr>
+            <a:spLocks noGrp="1"/>
+          </p:cNvSpPr>
+          <p:nvPr>
+            <p:ph idx="1"/>
+          </p:nvPr>
+        </p:nvSpPr>
+        <p:spPr/>
+        <p:txBody>
+          <a:bodyPr/>
+          <a:lstStyle/>
+          <a:p>
+            <a:r>
+              <a:rPr lang="en-US" dirty="0" smtClean="0"/>
+              <a:t>Current Scenarios</a:t>
+            </a:r>
+          </a:p>
+          <a:p>
+            <a:pPr lvl="1"/>
+            <a:r>
+              <a:rPr lang="en-US" dirty="0"/>
+              <a:t>Create </a:t>
+            </a:r>
+            <a:r>
+              <a:rPr lang="en-US" dirty="0" smtClean="0"/>
+              <a:t>an Ubuntu Server </a:t>
+            </a:r>
+            <a:r>
+              <a:rPr lang="en-US" dirty="0"/>
+              <a:t>on vCloud Air using the Chef vCloud Air Knife </a:t>
+            </a:r>
+            <a:r>
+              <a:rPr lang="en-US" dirty="0" smtClean="0"/>
+              <a:t>plugin.</a:t>
+            </a:r>
+          </a:p>
+          <a:p>
+            <a:pPr lvl="1"/>
+            <a:r>
+              <a:rPr lang="en-US" dirty="0"/>
+              <a:t>Create a Photon Server on vCloud Air using vCloud Air CLI</a:t>
+            </a:r>
+            <a:endParaRPr lang="en-US" dirty="0" smtClean="0"/>
+          </a:p>
+          <a:p>
+            <a:pPr lvl="1"/>
+            <a:r>
+              <a:rPr lang="en-US" dirty="0"/>
+              <a:t>Deploy a D</a:t>
+            </a:r>
+            <a:r>
+              <a:rPr lang="en-US" dirty="0" smtClean="0"/>
+              <a:t>ocker </a:t>
+            </a:r>
+            <a:r>
+              <a:rPr lang="en-US" dirty="0"/>
+              <a:t>container on a Photon </a:t>
+            </a:r>
+            <a:r>
+              <a:rPr lang="en-US" dirty="0" smtClean="0"/>
+              <a:t>Server</a:t>
+            </a:r>
+          </a:p>
+          <a:p>
+            <a:pPr lvl="1"/>
+            <a:r>
+              <a:rPr lang="en-US" dirty="0"/>
+              <a:t>Use chef to configure a Server as a standard Web </a:t>
+            </a:r>
+            <a:r>
+              <a:rPr lang="en-US" dirty="0" smtClean="0"/>
+              <a:t>Server</a:t>
+            </a:r>
+          </a:p>
+          <a:p>
+            <a:pPr lvl="1"/>
+            <a:r>
+              <a:rPr lang="en-US" dirty="0" smtClean="0"/>
+              <a:t>Continuous </a:t>
+            </a:r>
+            <a:r>
+              <a:rPr lang="en-US" dirty="0"/>
+              <a:t>Integration of </a:t>
+            </a:r>
+            <a:r>
+              <a:rPr lang="en-US" dirty="0" smtClean="0"/>
+              <a:t>a Spring Boot </a:t>
+            </a:r>
+            <a:r>
+              <a:rPr lang="en-US" dirty="0"/>
+              <a:t>Project</a:t>
+            </a:r>
+            <a:endParaRPr lang="en-US" dirty="0"/>
+          </a:p>
+        </p:txBody>
+      </p:sp>
+      <p:sp>
+        <p:nvSpPr>
+          <p:cNvPr id="4" name="Footer Placeholder 3"/>
+          <p:cNvSpPr>
+            <a:spLocks noGrp="1"/>
+          </p:cNvSpPr>
+          <p:nvPr>
+            <p:ph type="ftr" sz="quarter" idx="11"/>
+          </p:nvPr>
+        </p:nvSpPr>
+        <p:spPr/>
+        <p:txBody>
+          <a:bodyPr/>
+          <a:lstStyle/>
+          <a:p>
+            <a:r>
+              <a:rPr lang="en-US" dirty="0" smtClean="0"/>
+              <a:t>CONFIDENTIAL</a:t>
+            </a:r>
+            <a:endParaRPr lang="en-US" dirty="0"/>
+          </a:p>
+        </p:txBody>
+      </p:sp>
+      <p:sp>
+        <p:nvSpPr>
+          <p:cNvPr id="5" name="Slide Number Placeholder 4"/>
+          <p:cNvSpPr>
+            <a:spLocks noGrp="1"/>
+          </p:cNvSpPr>
+          <p:nvPr>
+            <p:ph type="sldNum" sz="quarter" idx="12"/>
+          </p:nvPr>
+        </p:nvSpPr>
+        <p:spPr/>
+        <p:txBody>
+          <a:bodyPr/>
+          <a:lstStyle/>
+          <a:p>
+            <a:fld id="{6EA6D8CF-3CDE-4807-BCD2-C9F2B831AAA5}" type="slidenum">
+              <a:rPr lang="en-US" smtClean="0"/>
+              <a:t>2</a:t>
+            </a:fld>
+            <a:endParaRPr lang="en-US" dirty="0"/>
+          </a:p>
+        </p:txBody>
+      </p:sp>
+    </p:spTree>
+    <p:extLst>
+      <p:ext uri="{BB962C8B-B14F-4D97-AF65-F5344CB8AC3E}">
+        <p14:creationId xmlns:p14="http://schemas.microsoft.com/office/powerpoint/2010/main" val="1915387472"/>
+      </p:ext>
+    </p:extLst>
+  </p:cSld>
+  <p:clrMapOvr>
+    <a:masterClrMapping/>
+  </p:clrMapOvr>
+</p:sld>
+</file>
+
+<file path=ppt/slides/slide3.xml><?xml version="1.0" encoding="utf-8"?>
+<p:sld xmlns:a="http://schemas.openxmlformats.org/drawingml/2006/main" xmlns:r="http://schemas.openxmlformats.org/officeDocument/2006/relationships" xmlns:p="http://schemas.openxmlformats.org/presentationml/2006/main">
+  <p:cSld>
+    <p:spTree>
+      <p:nvGrpSpPr>
+        <p:cNvPr id="1" name=""/>
+        <p:cNvGrpSpPr/>
+        <p:nvPr/>
+      </p:nvGrpSpPr>
+      <p:grpSpPr>
+        <a:xfrm>
+          <a:off x="0" y="0"/>
+          <a:ext cx="0" cy="0"/>
+          <a:chOff x="0" y="0"/>
+          <a:chExt cx="0" cy="0"/>
+        </a:xfrm>
+      </p:grpSpPr>
+      <p:sp>
+        <p:nvSpPr>
+          <p:cNvPr id="2" name="Title 1"/>
+          <p:cNvSpPr>
+            <a:spLocks noGrp="1"/>
+          </p:cNvSpPr>
+          <p:nvPr>
+            <p:ph type="title"/>
+          </p:nvPr>
+        </p:nvSpPr>
+        <p:spPr/>
+        <p:txBody>
+          <a:bodyPr/>
+          <a:lstStyle/>
+          <a:p>
+            <a:r>
+              <a:rPr lang="en-US" dirty="0" smtClean="0"/>
               <a:t>Demo Details	</a:t>
             </a:r>
             <a:endParaRPr lang="en-US" dirty="0"/>
@@ -35692,7 +35883,7 @@
           <a:p>
             <a:fld id="{6EA6D8CF-3CDE-4807-BCD2-C9F2B831AAA5}" type="slidenum">
               <a:rPr lang="en-US" smtClean="0"/>
-              <a:t>2</a:t>
+              <a:t>3</a:t>
             </a:fld>
             <a:endParaRPr lang="en-US" dirty="0"/>
           </a:p>
@@ -35702,204 +35893,6 @@
     <p:extLst>
       <p:ext uri="{BB962C8B-B14F-4D97-AF65-F5344CB8AC3E}">
         <p14:creationId xmlns:p14="http://schemas.microsoft.com/office/powerpoint/2010/main" val="3822856544"/>
-      </p:ext>
-    </p:extLst>
-  </p:cSld>
-  <p:clrMapOvr>
-    <a:masterClrMapping/>
-  </p:clrMapOvr>
-</p:sld>
-</file>
-
-<file path=ppt/slides/slide3.xml><?xml version="1.0" encoding="utf-8"?>
-<p:sld xmlns:a="http://schemas.openxmlformats.org/drawingml/2006/main" xmlns:r="http://schemas.openxmlformats.org/officeDocument/2006/relationships" xmlns:p="http://schemas.openxmlformats.org/presentationml/2006/main">
-  <p:cSld>
-    <p:spTree>
-      <p:nvGrpSpPr>
-        <p:cNvPr id="1" name=""/>
-        <p:cNvGrpSpPr/>
-        <p:nvPr/>
-      </p:nvGrpSpPr>
-      <p:grpSpPr>
-        <a:xfrm>
-          <a:off x="0" y="0"/>
-          <a:ext cx="0" cy="0"/>
-          <a:chOff x="0" y="0"/>
-          <a:chExt cx="0" cy="0"/>
-        </a:xfrm>
-      </p:grpSpPr>
-      <p:sp>
-        <p:nvSpPr>
-          <p:cNvPr id="2" name="Title 1"/>
-          <p:cNvSpPr>
-            <a:spLocks noGrp="1"/>
-          </p:cNvSpPr>
-          <p:nvPr>
-            <p:ph type="title"/>
-          </p:nvPr>
-        </p:nvSpPr>
-        <p:spPr/>
-        <p:txBody>
-          <a:bodyPr/>
-          <a:lstStyle/>
-          <a:p>
-            <a:r>
-              <a:rPr lang="en-US" dirty="0" smtClean="0"/>
-              <a:t>Scenarios</a:t>
-            </a:r>
-            <a:endParaRPr lang="en-US" dirty="0"/>
-          </a:p>
-        </p:txBody>
-      </p:sp>
-      <p:sp>
-        <p:nvSpPr>
-          <p:cNvPr id="3" name="Content Placeholder 2"/>
-          <p:cNvSpPr>
-            <a:spLocks noGrp="1"/>
-          </p:cNvSpPr>
-          <p:nvPr>
-            <p:ph idx="1"/>
-          </p:nvPr>
-        </p:nvSpPr>
-        <p:spPr/>
-        <p:txBody>
-          <a:bodyPr/>
-          <a:lstStyle/>
-          <a:p>
-            <a:r>
-              <a:rPr lang="en-US" dirty="0" smtClean="0"/>
-              <a:t>Current Scenarios</a:t>
-            </a:r>
-          </a:p>
-          <a:p>
-            <a:pPr lvl="1"/>
-            <a:r>
-              <a:rPr lang="en-US" dirty="0"/>
-              <a:t>Create </a:t>
-            </a:r>
-            <a:r>
-              <a:rPr lang="en-US" dirty="0" smtClean="0"/>
-              <a:t>an Ubuntu Server </a:t>
-            </a:r>
-            <a:r>
-              <a:rPr lang="en-US" dirty="0"/>
-              <a:t>on vCloud Air using the Chef vCloud Air Knife </a:t>
-            </a:r>
-            <a:r>
-              <a:rPr lang="en-US" dirty="0" smtClean="0"/>
-              <a:t>plugin.</a:t>
-            </a:r>
-          </a:p>
-          <a:p>
-            <a:pPr lvl="1"/>
-            <a:r>
-              <a:rPr lang="en-US" dirty="0"/>
-              <a:t>Create a Photon Server on vCloud Air using vCloud Air CLI</a:t>
-            </a:r>
-            <a:endParaRPr lang="en-US" dirty="0" smtClean="0"/>
-          </a:p>
-          <a:p>
-            <a:pPr lvl="1"/>
-            <a:r>
-              <a:rPr lang="en-US" dirty="0"/>
-              <a:t>Deploy a D</a:t>
-            </a:r>
-            <a:r>
-              <a:rPr lang="en-US" dirty="0" smtClean="0"/>
-              <a:t>ocker </a:t>
-            </a:r>
-            <a:r>
-              <a:rPr lang="en-US" dirty="0"/>
-              <a:t>container on a Photon </a:t>
-            </a:r>
-            <a:r>
-              <a:rPr lang="en-US" dirty="0" smtClean="0"/>
-              <a:t>Server</a:t>
-            </a:r>
-          </a:p>
-          <a:p>
-            <a:pPr lvl="1"/>
-            <a:r>
-              <a:rPr lang="en-US" dirty="0"/>
-              <a:t>Use chef to configure a Server as a standard Web </a:t>
-            </a:r>
-            <a:r>
-              <a:rPr lang="en-US" dirty="0" smtClean="0"/>
-              <a:t>Server</a:t>
-            </a:r>
-          </a:p>
-          <a:p>
-            <a:pPr lvl="1"/>
-            <a:r>
-              <a:rPr lang="en-US" dirty="0" smtClean="0"/>
-              <a:t>Continuous </a:t>
-            </a:r>
-            <a:r>
-              <a:rPr lang="en-US" dirty="0"/>
-              <a:t>Integration of </a:t>
-            </a:r>
-            <a:r>
-              <a:rPr lang="en-US" dirty="0" smtClean="0"/>
-              <a:t>a Spring Boot </a:t>
-            </a:r>
-            <a:r>
-              <a:rPr lang="en-US" dirty="0"/>
-              <a:t>Project</a:t>
-            </a:r>
-            <a:endParaRPr lang="en-US" dirty="0"/>
-          </a:p>
-        </p:txBody>
-      </p:sp>
-      <p:sp>
-        <p:nvSpPr>
-          <p:cNvPr id="4" name="Footer Placeholder 3"/>
-          <p:cNvSpPr>
-            <a:spLocks noGrp="1"/>
-          </p:cNvSpPr>
-          <p:nvPr>
-            <p:ph type="ftr" sz="quarter" idx="11"/>
-          </p:nvPr>
-        </p:nvSpPr>
-        <p:spPr/>
-        <p:txBody>
-          <a:bodyPr/>
-          <a:lstStyle/>
-          <a:p>
-            <a:r>
-              <a:rPr lang="en-US" dirty="0" smtClean="0"/>
-              <a:t>CONFIDENTIAL</a:t>
-            </a:r>
-            <a:endParaRPr lang="en-US" dirty="0"/>
-          </a:p>
-        </p:txBody>
-      </p:sp>
-      <p:sp>
-        <p:nvSpPr>
-          <p:cNvPr id="5" name="Slide Number Placeholder 4"/>
-          <p:cNvSpPr>
-            <a:spLocks noGrp="1"/>
-          </p:cNvSpPr>
-          <p:nvPr>
-            <p:ph type="sldNum" sz="quarter" idx="12"/>
-          </p:nvPr>
-        </p:nvSpPr>
-        <p:spPr/>
-        <p:txBody>
-          <a:bodyPr/>
-          <a:lstStyle/>
-          <a:p>
-            <a:fld id="{6EA6D8CF-3CDE-4807-BCD2-C9F2B831AAA5}" type="slidenum">
-              <a:rPr lang="en-US" smtClean="0"/>
-              <a:t>3</a:t>
-            </a:fld>
-            <a:endParaRPr lang="en-US" dirty="0"/>
-          </a:p>
-        </p:txBody>
-      </p:sp>
-    </p:spTree>
-    <p:extLst>
-      <p:ext uri="{BB962C8B-B14F-4D97-AF65-F5344CB8AC3E}">
-        <p14:creationId xmlns:p14="http://schemas.microsoft.com/office/powerpoint/2010/main" val="1915387472"/>
       </p:ext>
     </p:extLst>
   </p:cSld>
@@ -35984,18 +35977,17 @@
           <a:p>
             <a:r>
               <a:rPr lang="en-US" dirty="0" smtClean="0"/>
-              <a:t>Expand Ansible and Artifactory </a:t>
+              <a:t>Expand Ansible and Artifactory scenarios.</a:t>
             </a:r>
-            <a:r>
-              <a:rPr lang="en-US" smtClean="0"/>
-              <a:t>scenarios.</a:t>
-            </a:r>
-            <a:endParaRPr lang="en-US" dirty="0" smtClean="0"/>
           </a:p>
           <a:p>
             <a:r>
               <a:rPr lang="en-US" dirty="0"/>
-              <a:t>Looking for SE volunteers to participate in making the demo even better.</a:t>
+              <a:t>Looking for SE volunteers to participate in making the demo even better</a:t>
+            </a:r>
+            <a:r>
+              <a:rPr lang="en-US" dirty="0" smtClean="0"/>
+              <a:t>.</a:t>
             </a:r>
           </a:p>
           <a:p>

--- a/DevopsDemo.pptx
+++ b/DevopsDemo.pptx
@@ -5,33 +5,35 @@
     <p:sldMasterId id="2147483685" r:id="rId1"/>
   </p:sldMasterIdLst>
   <p:notesMasterIdLst>
-    <p:notesMasterId r:id="rId18"/>
+    <p:notesMasterId r:id="rId20"/>
   </p:notesMasterIdLst>
   <p:handoutMasterIdLst>
-    <p:handoutMasterId r:id="rId19"/>
+    <p:handoutMasterId r:id="rId21"/>
   </p:handoutMasterIdLst>
   <p:sldIdLst>
-    <p:sldId id="487" r:id="rId2"/>
-    <p:sldId id="492" r:id="rId3"/>
-    <p:sldId id="488" r:id="rId4"/>
-    <p:sldId id="489" r:id="rId5"/>
-    <p:sldId id="490" r:id="rId6"/>
-    <p:sldId id="491" r:id="rId7"/>
-    <p:sldId id="477" r:id="rId8"/>
-    <p:sldId id="478" r:id="rId9"/>
-    <p:sldId id="479" r:id="rId10"/>
-    <p:sldId id="480" r:id="rId11"/>
-    <p:sldId id="481" r:id="rId12"/>
-    <p:sldId id="483" r:id="rId13"/>
-    <p:sldId id="484" r:id="rId14"/>
-    <p:sldId id="485" r:id="rId15"/>
-    <p:sldId id="486" r:id="rId16"/>
-    <p:sldId id="482" r:id="rId17"/>
+    <p:sldId id="493" r:id="rId2"/>
+    <p:sldId id="487" r:id="rId3"/>
+    <p:sldId id="492" r:id="rId4"/>
+    <p:sldId id="488" r:id="rId5"/>
+    <p:sldId id="494" r:id="rId6"/>
+    <p:sldId id="489" r:id="rId7"/>
+    <p:sldId id="490" r:id="rId8"/>
+    <p:sldId id="491" r:id="rId9"/>
+    <p:sldId id="477" r:id="rId10"/>
+    <p:sldId id="478" r:id="rId11"/>
+    <p:sldId id="479" r:id="rId12"/>
+    <p:sldId id="480" r:id="rId13"/>
+    <p:sldId id="481" r:id="rId14"/>
+    <p:sldId id="483" r:id="rId15"/>
+    <p:sldId id="484" r:id="rId16"/>
+    <p:sldId id="485" r:id="rId17"/>
+    <p:sldId id="486" r:id="rId18"/>
+    <p:sldId id="482" r:id="rId19"/>
   </p:sldIdLst>
   <p:sldSz cx="12188825" cy="6858000"/>
   <p:notesSz cx="6858000" cy="9144000"/>
   <p:custDataLst>
-    <p:tags r:id="rId21"/>
+    <p:tags r:id="rId23"/>
   </p:custDataLst>
   <p:defaultTextStyle>
     <a:defPPr>
@@ -719,7 +721,7 @@
           <a:p>
             <a:fld id="{9F4FBC3A-A12C-40F9-BB8D-BC30C7901396}" type="slidenum">
               <a:rPr lang="en-US" smtClean="0"/>
-              <a:t>1</a:t>
+              <a:t>2</a:t>
             </a:fld>
             <a:endParaRPr lang="en-US" dirty="0"/>
           </a:p>
@@ -784,7 +786,15 @@
           <a:p>
             <a:r>
               <a:rPr lang="en-US" dirty="0" smtClean="0"/>
-              <a:t>What is Devops?</a:t>
+              <a:t>What is </a:t>
+            </a:r>
+            <a:r>
+              <a:rPr lang="en-US" dirty="0" err="1" smtClean="0"/>
+              <a:t>Devops</a:t>
+            </a:r>
+            <a:r>
+              <a:rPr lang="en-US" dirty="0" smtClean="0"/>
+              <a:t>?</a:t>
             </a:r>
           </a:p>
           <a:p>
@@ -889,7 +899,7 @@
           <a:p>
             <a:fld id="{9F4FBC3A-A12C-40F9-BB8D-BC30C7901396}" type="slidenum">
               <a:rPr lang="en-US" smtClean="0"/>
-              <a:t>5</a:t>
+              <a:t>7</a:t>
             </a:fld>
             <a:endParaRPr lang="en-US"/>
           </a:p>
@@ -1184,7 +1194,7 @@
           <a:p>
             <a:fld id="{9F4FBC3A-A12C-40F9-BB8D-BC30C7901396}" type="slidenum">
               <a:rPr lang="en-US" smtClean="0"/>
-              <a:t>6</a:t>
+              <a:t>8</a:t>
             </a:fld>
             <a:endParaRPr lang="en-US"/>
           </a:p>
@@ -25396,112 +25406,6 @@
       </p:grpSpPr>
       <p:sp>
         <p:nvSpPr>
-          <p:cNvPr id="3" name="Content Placeholder 2"/>
-          <p:cNvSpPr>
-            <a:spLocks noGrp="1"/>
-          </p:cNvSpPr>
-          <p:nvPr>
-            <p:ph idx="1"/>
-          </p:nvPr>
-        </p:nvSpPr>
-        <p:spPr>
-          <a:xfrm>
-            <a:off x="609441" y="1828800"/>
-            <a:ext cx="10969943" cy="4191000"/>
-          </a:xfrm>
-        </p:spPr>
-        <p:txBody>
-          <a:bodyPr/>
-          <a:lstStyle/>
-          <a:p>
-            <a:r>
-              <a:rPr lang="en-US" dirty="0" smtClean="0"/>
-              <a:t>What Is it?</a:t>
-            </a:r>
-          </a:p>
-          <a:p>
-            <a:pPr lvl="1"/>
-            <a:r>
-              <a:rPr lang="en-US" dirty="0" smtClean="0"/>
-              <a:t>A demo of open source </a:t>
-            </a:r>
-            <a:r>
-              <a:rPr lang="en-US" dirty="0" err="1" smtClean="0"/>
-              <a:t>DevOps</a:t>
-            </a:r>
-            <a:r>
-              <a:rPr lang="en-US" dirty="0" smtClean="0"/>
-              <a:t> tools running on vCloud Air</a:t>
-            </a:r>
-          </a:p>
-          <a:p>
-            <a:pPr lvl="1"/>
-            <a:r>
-              <a:rPr lang="en-US" dirty="0" smtClean="0"/>
-              <a:t>An Asset for the SE community to support customer discussions regarding </a:t>
-            </a:r>
-            <a:r>
-              <a:rPr lang="en-US" dirty="0" err="1" smtClean="0"/>
-              <a:t>DevOps</a:t>
-            </a:r>
-            <a:r>
-              <a:rPr lang="en-US" dirty="0" smtClean="0"/>
-              <a:t>.</a:t>
-            </a:r>
-          </a:p>
-          <a:p>
-            <a:pPr lvl="1"/>
-            <a:r>
-              <a:rPr lang="en-US" dirty="0" smtClean="0"/>
-              <a:t>The samples can be shared with customers.</a:t>
-            </a:r>
-          </a:p>
-          <a:p>
-            <a:pPr lvl="1"/>
-            <a:endParaRPr lang="en-US" dirty="0"/>
-          </a:p>
-          <a:p>
-            <a:r>
-              <a:rPr lang="en-US" dirty="0" smtClean="0"/>
-              <a:t>How does it work?</a:t>
-            </a:r>
-          </a:p>
-          <a:p>
-            <a:pPr lvl="1"/>
-            <a:r>
-              <a:rPr lang="en-US" dirty="0" smtClean="0"/>
-              <a:t>The demo is hosted as the web site </a:t>
-            </a:r>
-          </a:p>
-          <a:p>
-            <a:pPr lvl="1"/>
-            <a:r>
-              <a:rPr lang="en-US" dirty="0" smtClean="0"/>
-              <a:t>It contains running servers for Jenkins, Chef, Selenium and Artifactory.</a:t>
-            </a:r>
-          </a:p>
-          <a:p>
-            <a:pPr lvl="1"/>
-            <a:r>
-              <a:rPr lang="en-US" dirty="0" smtClean="0"/>
-              <a:t>Each scenario describes a Continuous Integration workflow or a partial step of a workflow.</a:t>
-            </a:r>
-          </a:p>
-          <a:p>
-            <a:pPr lvl="1"/>
-            <a:r>
-              <a:rPr lang="en-US" dirty="0" smtClean="0"/>
-              <a:t>Each scenario can be run live through the Jenkins console.</a:t>
-            </a:r>
-          </a:p>
-          <a:p>
-            <a:pPr lvl="1"/>
-            <a:endParaRPr lang="en-US" dirty="0"/>
-          </a:p>
-        </p:txBody>
-      </p:sp>
-      <p:sp>
-        <p:nvSpPr>
           <p:cNvPr id="4" name="Footer Placeholder 3"/>
           <p:cNvSpPr>
             <a:spLocks noGrp="1"/>
@@ -25548,14 +25452,14 @@
       </p:sp>
       <p:pic>
         <p:nvPicPr>
-          <p:cNvPr id="7" name="Picture 6" descr="devopsDemoLogo.png"/>
+          <p:cNvPr id="8" name="Picture 7" descr="devopsDemoLogo.png"/>
           <p:cNvPicPr>
             <a:picLocks noChangeAspect="1"/>
           </p:cNvPicPr>
           <p:nvPr/>
         </p:nvPicPr>
         <p:blipFill>
-          <a:blip r:embed="rId3">
+          <a:blip r:embed="rId2">
             <a:extLst>
               <a:ext uri="{28A0092B-C50C-407E-A947-70E740481C1C}">
                 <a14:useLocalDpi xmlns:a14="http://schemas.microsoft.com/office/drawing/2010/main" val="0"/>
@@ -25568,7 +25472,7 @@
         </p:blipFill>
         <p:spPr>
           <a:xfrm>
-            <a:off x="455612" y="228600"/>
+            <a:off x="1827212" y="1981200"/>
             <a:ext cx="5943600" cy="1181100"/>
           </a:xfrm>
           <a:prstGeom prst="rect">
@@ -25579,17 +25483,1153 @@
     </p:spTree>
     <p:extLst>
       <p:ext uri="{BB962C8B-B14F-4D97-AF65-F5344CB8AC3E}">
-        <p14:creationId xmlns:p14="http://schemas.microsoft.com/office/powerpoint/2010/main" val="4116046444"/>
+        <p14:creationId xmlns:p14="http://schemas.microsoft.com/office/powerpoint/2010/main" val="140652713"/>
       </p:ext>
     </p:extLst>
   </p:cSld>
   <p:clrMapOvr>
     <a:masterClrMapping/>
   </p:clrMapOvr>
+  <p:timing>
+    <p:tnLst>
+      <p:par>
+        <p:cTn xmlns:p14="http://schemas.microsoft.com/office/powerpoint/2010/main" id="1" dur="indefinite" restart="never" nodeType="tmRoot"/>
+      </p:par>
+    </p:tnLst>
+  </p:timing>
 </p:sld>
 </file>
 
 <file path=ppt/slides/slide10.xml><?xml version="1.0" encoding="utf-8"?>
+<p:sld xmlns:a="http://schemas.openxmlformats.org/drawingml/2006/main" xmlns:r="http://schemas.openxmlformats.org/officeDocument/2006/relationships" xmlns:p="http://schemas.openxmlformats.org/presentationml/2006/main">
+  <p:cSld>
+    <p:spTree>
+      <p:nvGrpSpPr>
+        <p:cNvPr id="1" name=""/>
+        <p:cNvGrpSpPr/>
+        <p:nvPr/>
+      </p:nvGrpSpPr>
+      <p:grpSpPr>
+        <a:xfrm>
+          <a:off x="0" y="0"/>
+          <a:ext cx="0" cy="0"/>
+          <a:chOff x="0" y="0"/>
+          <a:chExt cx="0" cy="0"/>
+        </a:xfrm>
+      </p:grpSpPr>
+      <p:sp>
+        <p:nvSpPr>
+          <p:cNvPr id="18" name="Rectangle 17"/>
+          <p:cNvSpPr/>
+          <p:nvPr/>
+        </p:nvSpPr>
+        <p:spPr>
+          <a:xfrm>
+            <a:off x="6399212" y="2378075"/>
+            <a:ext cx="2971800" cy="2928491"/>
+          </a:xfrm>
+          <a:prstGeom prst="rect">
+            <a:avLst/>
+          </a:prstGeom>
+          <a:solidFill>
+            <a:srgbClr val="01A1E7">
+              <a:lumMod val="20000"/>
+              <a:lumOff val="80000"/>
+            </a:srgbClr>
+          </a:solidFill>
+          <a:ln w="9525" cap="flat" cmpd="sng" algn="ctr">
+            <a:solidFill>
+              <a:srgbClr val="505050">
+                <a:lumMod val="50000"/>
+              </a:srgbClr>
+            </a:solidFill>
+            <a:prstDash val="solid"/>
+          </a:ln>
+          <a:effectLst/>
+        </p:spPr>
+        <p:txBody>
+          <a:bodyPr lIns="68589" tIns="34295" rIns="68589" bIns="34295" rtlCol="0" anchor="ctr"/>
+          <a:lstStyle/>
+          <a:p>
+            <a:pPr marL="0" marR="0" lvl="0" indent="0" algn="ctr" defTabSz="914400" eaLnBrk="1" fontAlgn="auto" latinLnBrk="0" hangingPunct="1">
+              <a:lnSpc>
+                <a:spcPct val="100000"/>
+              </a:lnSpc>
+              <a:spcBef>
+                <a:spcPts val="0"/>
+              </a:spcBef>
+              <a:spcAft>
+                <a:spcPts val="0"/>
+              </a:spcAft>
+              <a:buClrTx/>
+              <a:buSzTx/>
+              <a:buFontTx/>
+              <a:buNone/>
+              <a:tabLst/>
+              <a:defRPr/>
+            </a:pPr>
+            <a:endParaRPr kumimoji="0" lang="en-US" sz="1800" b="0" i="0" u="none" strike="noStrike" kern="0" cap="none" spc="0" normalizeH="0" baseline="0" noProof="0">
+              <a:ln>
+                <a:noFill/>
+              </a:ln>
+              <a:solidFill>
+                <a:srgbClr val="A0A0A0"/>
+              </a:solidFill>
+              <a:effectLst/>
+              <a:uLnTx/>
+              <a:uFillTx/>
+              <a:latin typeface="Trebuchet MS"/>
+              <a:ea typeface="+mn-ea"/>
+              <a:cs typeface="+mn-cs"/>
+            </a:endParaRPr>
+          </a:p>
+        </p:txBody>
+      </p:sp>
+      <p:sp>
+        <p:nvSpPr>
+          <p:cNvPr id="2" name="Title 1"/>
+          <p:cNvSpPr>
+            <a:spLocks noGrp="1"/>
+          </p:cNvSpPr>
+          <p:nvPr>
+            <p:ph type="title"/>
+          </p:nvPr>
+        </p:nvSpPr>
+        <p:spPr>
+          <a:xfrm>
+            <a:off x="609441" y="41275"/>
+            <a:ext cx="10969943" cy="812800"/>
+          </a:xfrm>
+        </p:spPr>
+        <p:txBody>
+          <a:bodyPr/>
+          <a:lstStyle/>
+          <a:p>
+            <a:r>
+              <a:rPr lang="en-US" dirty="0" smtClean="0"/>
+              <a:t>Continuous Integration</a:t>
+            </a:r>
+            <a:br>
+              <a:rPr lang="en-US" dirty="0" smtClean="0"/>
+            </a:br>
+            <a:r>
+              <a:rPr lang="en-US" sz="1800" dirty="0" smtClean="0"/>
+              <a:t>Pivotal Cloud Foundry on vCloud Air</a:t>
+            </a:r>
+            <a:endParaRPr lang="en-US" sz="1800" dirty="0"/>
+          </a:p>
+        </p:txBody>
+      </p:sp>
+      <p:sp>
+        <p:nvSpPr>
+          <p:cNvPr id="5" name="Slide Number Placeholder 4"/>
+          <p:cNvSpPr>
+            <a:spLocks noGrp="1"/>
+          </p:cNvSpPr>
+          <p:nvPr>
+            <p:ph type="sldNum" sz="quarter" idx="12"/>
+          </p:nvPr>
+        </p:nvSpPr>
+        <p:spPr>
+          <a:xfrm>
+            <a:off x="11597326" y="6175376"/>
+            <a:ext cx="450733" cy="149224"/>
+          </a:xfrm>
+        </p:spPr>
+        <p:txBody>
+          <a:bodyPr/>
+          <a:lstStyle/>
+          <a:p>
+            <a:endParaRPr lang="en-US" dirty="0"/>
+          </a:p>
+        </p:txBody>
+      </p:sp>
+      <p:pic>
+        <p:nvPicPr>
+          <p:cNvPr id="6" name="Picture 5"/>
+          <p:cNvPicPr>
+            <a:picLocks noChangeAspect="1"/>
+          </p:cNvPicPr>
+          <p:nvPr/>
+        </p:nvPicPr>
+        <p:blipFill rotWithShape="1">
+          <a:blip r:embed="rId2" cstate="print">
+            <a:extLst>
+              <a:ext uri="{28A0092B-C50C-407E-A947-70E740481C1C}">
+                <a14:useLocalDpi xmlns:a14="http://schemas.microsoft.com/office/drawing/2010/main"/>
+              </a:ext>
+            </a:extLst>
+          </a:blip>
+          <a:srcRect/>
+          <a:stretch/>
+        </p:blipFill>
+        <p:spPr>
+          <a:xfrm>
+            <a:off x="7839452" y="3815146"/>
+            <a:ext cx="696923" cy="816038"/>
+          </a:xfrm>
+          <a:prstGeom prst="rect">
+            <a:avLst/>
+          </a:prstGeom>
+        </p:spPr>
+      </p:pic>
+      <p:sp>
+        <p:nvSpPr>
+          <p:cNvPr id="8" name="Rectangle 7"/>
+          <p:cNvSpPr/>
+          <p:nvPr/>
+        </p:nvSpPr>
+        <p:spPr>
+          <a:xfrm>
+            <a:off x="6724508" y="2954784"/>
+            <a:ext cx="1811867" cy="1828800"/>
+          </a:xfrm>
+          <a:prstGeom prst="rect">
+            <a:avLst/>
+          </a:prstGeom>
+          <a:noFill/>
+          <a:ln/>
+        </p:spPr>
+        <p:style>
+          <a:lnRef idx="1">
+            <a:schemeClr val="accent1"/>
+          </a:lnRef>
+          <a:fillRef idx="3">
+            <a:schemeClr val="accent1"/>
+          </a:fillRef>
+          <a:effectRef idx="2">
+            <a:schemeClr val="accent1"/>
+          </a:effectRef>
+          <a:fontRef idx="minor">
+            <a:schemeClr val="lt1"/>
+          </a:fontRef>
+        </p:style>
+        <p:txBody>
+          <a:bodyPr rtlCol="0" anchor="ctr"/>
+          <a:lstStyle/>
+          <a:p>
+            <a:pPr algn="ctr"/>
+            <a:endParaRPr lang="en-US" dirty="0" smtClean="0"/>
+          </a:p>
+        </p:txBody>
+      </p:sp>
+      <p:grpSp>
+        <p:nvGrpSpPr>
+          <p:cNvPr id="9" name="Group 8"/>
+          <p:cNvGrpSpPr/>
+          <p:nvPr/>
+        </p:nvGrpSpPr>
+        <p:grpSpPr>
+          <a:xfrm>
+            <a:off x="6859975" y="2954784"/>
+            <a:ext cx="1676400" cy="885124"/>
+            <a:chOff x="6355239" y="156543"/>
+            <a:chExt cx="713910" cy="596840"/>
+          </a:xfrm>
+        </p:grpSpPr>
+        <p:pic>
+          <p:nvPicPr>
+            <p:cNvPr id="11" name="Picture 10"/>
+            <p:cNvPicPr>
+              <a:picLocks noChangeAspect="1"/>
+            </p:cNvPicPr>
+            <p:nvPr/>
+          </p:nvPicPr>
+          <p:blipFill>
+            <a:blip r:embed="rId3"/>
+            <a:stretch>
+              <a:fillRect/>
+            </a:stretch>
+          </p:blipFill>
+          <p:spPr>
+            <a:xfrm>
+              <a:off x="6514108" y="156543"/>
+              <a:ext cx="396172" cy="396172"/>
+            </a:xfrm>
+            <a:prstGeom prst="rect">
+              <a:avLst/>
+            </a:prstGeom>
+            <a:ln>
+              <a:noFill/>
+            </a:ln>
+          </p:spPr>
+        </p:pic>
+        <p:pic>
+          <p:nvPicPr>
+            <p:cNvPr id="12" name="Picture 11"/>
+            <p:cNvPicPr>
+              <a:picLocks noChangeAspect="1"/>
+            </p:cNvPicPr>
+            <p:nvPr/>
+          </p:nvPicPr>
+          <p:blipFill>
+            <a:blip r:embed="rId4" cstate="print">
+              <a:extLst>
+                <a:ext uri="{28A0092B-C50C-407E-A947-70E740481C1C}">
+                  <a14:useLocalDpi xmlns:a14="http://schemas.microsoft.com/office/drawing/2010/main"/>
+                </a:ext>
+              </a:extLst>
+            </a:blip>
+            <a:stretch>
+              <a:fillRect/>
+            </a:stretch>
+          </p:blipFill>
+          <p:spPr>
+            <a:xfrm>
+              <a:off x="6355239" y="487505"/>
+              <a:ext cx="713910" cy="265878"/>
+            </a:xfrm>
+            <a:prstGeom prst="rect">
+              <a:avLst/>
+            </a:prstGeom>
+            <a:ln>
+              <a:noFill/>
+            </a:ln>
+          </p:spPr>
+        </p:pic>
+      </p:grpSp>
+      <p:sp>
+        <p:nvSpPr>
+          <p:cNvPr id="10" name="Rectangle 9"/>
+          <p:cNvSpPr/>
+          <p:nvPr/>
+        </p:nvSpPr>
+        <p:spPr>
+          <a:xfrm>
+            <a:off x="6724508" y="2954784"/>
+            <a:ext cx="1811867" cy="838200"/>
+          </a:xfrm>
+          <a:prstGeom prst="rect">
+            <a:avLst/>
+          </a:prstGeom>
+          <a:noFill/>
+          <a:ln/>
+        </p:spPr>
+        <p:style>
+          <a:lnRef idx="1">
+            <a:schemeClr val="accent1"/>
+          </a:lnRef>
+          <a:fillRef idx="3">
+            <a:schemeClr val="accent1"/>
+          </a:fillRef>
+          <a:effectRef idx="2">
+            <a:schemeClr val="accent1"/>
+          </a:effectRef>
+          <a:fontRef idx="minor">
+            <a:schemeClr val="lt1"/>
+          </a:fontRef>
+        </p:style>
+        <p:txBody>
+          <a:bodyPr rtlCol="0" anchor="ctr"/>
+          <a:lstStyle/>
+          <a:p>
+            <a:pPr algn="ctr"/>
+            <a:endParaRPr lang="en-US" dirty="0" smtClean="0"/>
+          </a:p>
+        </p:txBody>
+      </p:sp>
+      <p:sp>
+        <p:nvSpPr>
+          <p:cNvPr id="13" name="Rectangle 12"/>
+          <p:cNvSpPr/>
+          <p:nvPr/>
+        </p:nvSpPr>
+        <p:spPr>
+          <a:xfrm>
+            <a:off x="6856412" y="4359275"/>
+            <a:ext cx="838200" cy="304800"/>
+          </a:xfrm>
+          <a:prstGeom prst="rect">
+            <a:avLst/>
+          </a:prstGeom>
+          <a:solidFill>
+            <a:srgbClr val="5ECCFE">
+              <a:lumMod val="75000"/>
+            </a:srgbClr>
+          </a:solidFill>
+          <a:ln w="3175" cap="flat" cmpd="sng" algn="ctr">
+            <a:solidFill>
+              <a:srgbClr val="505050"/>
+            </a:solidFill>
+            <a:prstDash val="solid"/>
+          </a:ln>
+          <a:effectLst/>
+        </p:spPr>
+        <p:txBody>
+          <a:bodyPr rtlCol="0" anchor="b"/>
+          <a:lstStyle/>
+          <a:p>
+            <a:pPr marL="0" marR="0" lvl="0" indent="0" algn="ctr" defTabSz="914400" eaLnBrk="1" fontAlgn="auto" latinLnBrk="0" hangingPunct="1">
+              <a:lnSpc>
+                <a:spcPct val="100000"/>
+              </a:lnSpc>
+              <a:spcBef>
+                <a:spcPts val="0"/>
+              </a:spcBef>
+              <a:spcAft>
+                <a:spcPts val="0"/>
+              </a:spcAft>
+              <a:buClrTx/>
+              <a:buSzTx/>
+              <a:buFontTx/>
+              <a:buNone/>
+              <a:tabLst/>
+              <a:defRPr/>
+            </a:pPr>
+            <a:r>
+              <a:rPr lang="en-US" sz="1600" kern="0" dirty="0" err="1" smtClean="0">
+                <a:solidFill>
+                  <a:srgbClr val="FFFFFF"/>
+                </a:solidFill>
+                <a:latin typeface="Ubuntu"/>
+                <a:cs typeface="Ubuntu"/>
+              </a:rPr>
+              <a:t>mCare</a:t>
+            </a:r>
+            <a:endParaRPr kumimoji="0" lang="en-US" sz="1600" b="0" i="0" u="none" strike="noStrike" kern="0" cap="none" spc="0" normalizeH="0" baseline="0" noProof="0" dirty="0">
+              <a:ln>
+                <a:noFill/>
+              </a:ln>
+              <a:solidFill>
+                <a:srgbClr val="FFFFFF"/>
+              </a:solidFill>
+              <a:effectLst/>
+              <a:uLnTx/>
+              <a:uFillTx/>
+              <a:latin typeface="Ubuntu"/>
+              <a:cs typeface="Ubuntu"/>
+            </a:endParaRPr>
+          </a:p>
+        </p:txBody>
+      </p:sp>
+      <p:pic>
+        <p:nvPicPr>
+          <p:cNvPr id="17" name="Picture 16"/>
+          <p:cNvPicPr>
+            <a:picLocks noChangeAspect="1"/>
+          </p:cNvPicPr>
+          <p:nvPr/>
+        </p:nvPicPr>
+        <p:blipFill>
+          <a:blip r:embed="rId5">
+            <a:clrChange>
+              <a:clrFrom>
+                <a:srgbClr val="FFFFFF"/>
+              </a:clrFrom>
+              <a:clrTo>
+                <a:srgbClr val="FFFFFF">
+                  <a:alpha val="0"/>
+                </a:srgbClr>
+              </a:clrTo>
+            </a:clrChange>
+          </a:blip>
+          <a:stretch>
+            <a:fillRect/>
+          </a:stretch>
+        </p:blipFill>
+        <p:spPr>
+          <a:xfrm>
+            <a:off x="10133012" y="1235075"/>
+            <a:ext cx="1371600" cy="914400"/>
+          </a:xfrm>
+          <a:prstGeom prst="rect">
+            <a:avLst/>
+          </a:prstGeom>
+        </p:spPr>
+      </p:pic>
+      <p:sp>
+        <p:nvSpPr>
+          <p:cNvPr id="20" name="Cloud 19"/>
+          <p:cNvSpPr/>
+          <p:nvPr/>
+        </p:nvSpPr>
+        <p:spPr>
+          <a:xfrm>
+            <a:off x="8688775" y="1964184"/>
+            <a:ext cx="1215637" cy="754412"/>
+          </a:xfrm>
+          <a:prstGeom prst="cloud">
+            <a:avLst/>
+          </a:prstGeom>
+          <a:gradFill flip="none" rotWithShape="1">
+            <a:gsLst>
+              <a:gs pos="48000">
+                <a:srgbClr val="FFFFFF"/>
+              </a:gs>
+              <a:gs pos="100000">
+                <a:srgbClr val="01A1E7">
+                  <a:lumMod val="60000"/>
+                  <a:lumOff val="40000"/>
+                </a:srgbClr>
+              </a:gs>
+            </a:gsLst>
+            <a:path path="circle">
+              <a:fillToRect l="50000" t="50000" r="50000" b="50000"/>
+            </a:path>
+            <a:tileRect/>
+          </a:gradFill>
+          <a:ln w="38100" cap="flat" cmpd="sng" algn="ctr">
+            <a:solidFill>
+              <a:srgbClr val="01A1E7">
+                <a:shade val="95000"/>
+                <a:satMod val="105000"/>
+              </a:srgbClr>
+            </a:solidFill>
+            <a:prstDash val="solid"/>
+          </a:ln>
+          <a:effectLst/>
+        </p:spPr>
+        <p:txBody>
+          <a:bodyPr lIns="68589" tIns="34295" rIns="68589" bIns="34295" rtlCol="0" anchor="ctr"/>
+          <a:lstStyle/>
+          <a:p>
+            <a:pPr marL="0" marR="0" lvl="0" indent="0" algn="ctr" defTabSz="914400" eaLnBrk="1" fontAlgn="auto" latinLnBrk="0" hangingPunct="1">
+              <a:lnSpc>
+                <a:spcPct val="100000"/>
+              </a:lnSpc>
+              <a:spcBef>
+                <a:spcPts val="0"/>
+              </a:spcBef>
+              <a:spcAft>
+                <a:spcPts val="0"/>
+              </a:spcAft>
+              <a:buClrTx/>
+              <a:buSzTx/>
+              <a:buFontTx/>
+              <a:buNone/>
+              <a:tabLst/>
+              <a:defRPr/>
+            </a:pPr>
+            <a:endParaRPr kumimoji="0" lang="en-US" sz="1800" b="0" i="0" u="none" strike="noStrike" kern="0" cap="none" spc="0" normalizeH="0" baseline="0" noProof="0" dirty="0">
+              <a:ln>
+                <a:noFill/>
+              </a:ln>
+              <a:solidFill>
+                <a:srgbClr val="A0A0A0"/>
+              </a:solidFill>
+              <a:effectLst/>
+              <a:uLnTx/>
+              <a:uFillTx/>
+              <a:latin typeface="Trebuchet MS"/>
+              <a:ea typeface="+mn-ea"/>
+              <a:cs typeface="+mn-cs"/>
+            </a:endParaRPr>
+          </a:p>
+        </p:txBody>
+      </p:sp>
+      <p:pic>
+        <p:nvPicPr>
+          <p:cNvPr id="21" name="Picture 20"/>
+          <p:cNvPicPr>
+            <a:picLocks noChangeAspect="1"/>
+          </p:cNvPicPr>
+          <p:nvPr/>
+        </p:nvPicPr>
+        <p:blipFill>
+          <a:blip r:embed="rId6"/>
+          <a:stretch>
+            <a:fillRect/>
+          </a:stretch>
+        </p:blipFill>
+        <p:spPr>
+          <a:xfrm>
+            <a:off x="8965492" y="2063150"/>
+            <a:ext cx="730423" cy="457405"/>
+          </a:xfrm>
+          <a:prstGeom prst="rect">
+            <a:avLst/>
+          </a:prstGeom>
+        </p:spPr>
+      </p:pic>
+      <p:cxnSp>
+        <p:nvCxnSpPr>
+          <p:cNvPr id="22" name="Straight Arrow Connector 21"/>
+          <p:cNvCxnSpPr/>
+          <p:nvPr/>
+        </p:nvCxnSpPr>
+        <p:spPr>
+          <a:xfrm flipH="1">
+            <a:off x="8609012" y="2301875"/>
+            <a:ext cx="1905000" cy="1752600"/>
+          </a:xfrm>
+          <a:prstGeom prst="straightConnector1">
+            <a:avLst/>
+          </a:prstGeom>
+          <a:noFill/>
+          <a:ln w="3175" cap="flat" cmpd="sng" algn="ctr">
+            <a:solidFill>
+              <a:srgbClr val="111111">
+                <a:lumMod val="50000"/>
+                <a:lumOff val="50000"/>
+              </a:srgbClr>
+            </a:solidFill>
+            <a:prstDash val="dash"/>
+            <a:tailEnd type="arrow"/>
+          </a:ln>
+          <a:effectLst/>
+        </p:spPr>
+      </p:cxnSp>
+      <p:pic>
+        <p:nvPicPr>
+          <p:cNvPr id="32" name="Picture 26" descr="MCj04339440000[1]"/>
+          <p:cNvPicPr>
+            <a:picLocks noChangeAspect="1" noChangeArrowheads="1"/>
+          </p:cNvPicPr>
+          <p:nvPr/>
+        </p:nvPicPr>
+        <p:blipFill>
+          <a:blip r:embed="rId7">
+            <a:extLst>
+              <a:ext uri="{28A0092B-C50C-407E-A947-70E740481C1C}">
+                <a14:useLocalDpi xmlns:a14="http://schemas.microsoft.com/office/drawing/2010/main" val="0"/>
+              </a:ext>
+            </a:extLst>
+          </a:blip>
+          <a:srcRect/>
+          <a:stretch>
+            <a:fillRect/>
+          </a:stretch>
+        </p:blipFill>
+        <p:spPr bwMode="auto">
+          <a:xfrm>
+            <a:off x="10514012" y="4206875"/>
+            <a:ext cx="685800" cy="685800"/>
+          </a:xfrm>
+          <a:prstGeom prst="rect">
+            <a:avLst/>
+          </a:prstGeom>
+          <a:noFill/>
+          <a:ln>
+            <a:noFill/>
+          </a:ln>
+          <a:extLst>
+            <a:ext uri="{909E8E84-426E-40dd-AFC4-6F175D3DCCD1}">
+              <a14:hiddenFill xmlns:a14="http://schemas.microsoft.com/office/drawing/2010/main">
+                <a:solidFill>
+                  <a:srgbClr val="FFFFFF"/>
+                </a:solidFill>
+              </a14:hiddenFill>
+            </a:ext>
+            <a:ext uri="{91240B29-F687-4f45-9708-019B960494DF}">
+              <a14:hiddenLine xmlns:a14="http://schemas.microsoft.com/office/drawing/2010/main" w="9525">
+                <a:solidFill>
+                  <a:srgbClr val="000000"/>
+                </a:solidFill>
+                <a:miter lim="800000"/>
+                <a:headEnd/>
+                <a:tailEnd/>
+              </a14:hiddenLine>
+            </a:ext>
+          </a:extLst>
+        </p:spPr>
+      </p:pic>
+      <p:cxnSp>
+        <p:nvCxnSpPr>
+          <p:cNvPr id="33" name="Straight Arrow Connector 32"/>
+          <p:cNvCxnSpPr/>
+          <p:nvPr/>
+        </p:nvCxnSpPr>
+        <p:spPr>
+          <a:xfrm flipV="1">
+            <a:off x="10895012" y="2225675"/>
+            <a:ext cx="0" cy="1828800"/>
+          </a:xfrm>
+          <a:prstGeom prst="straightConnector1">
+            <a:avLst/>
+          </a:prstGeom>
+          <a:noFill/>
+          <a:ln w="3175" cap="flat" cmpd="sng" algn="ctr">
+            <a:solidFill>
+              <a:srgbClr val="111111">
+                <a:lumMod val="50000"/>
+                <a:lumOff val="50000"/>
+              </a:srgbClr>
+            </a:solidFill>
+            <a:prstDash val="dash"/>
+            <a:tailEnd type="arrow"/>
+          </a:ln>
+          <a:effectLst/>
+        </p:spPr>
+      </p:cxnSp>
+      <p:cxnSp>
+        <p:nvCxnSpPr>
+          <p:cNvPr id="47" name="Straight Arrow Connector 46"/>
+          <p:cNvCxnSpPr/>
+          <p:nvPr/>
+        </p:nvCxnSpPr>
+        <p:spPr>
+          <a:xfrm flipH="1">
+            <a:off x="7770812" y="4664075"/>
+            <a:ext cx="2514600" cy="0"/>
+          </a:xfrm>
+          <a:prstGeom prst="straightConnector1">
+            <a:avLst/>
+          </a:prstGeom>
+          <a:noFill/>
+          <a:ln w="3175" cap="flat" cmpd="sng" algn="ctr">
+            <a:solidFill>
+              <a:srgbClr val="111111">
+                <a:lumMod val="50000"/>
+                <a:lumOff val="50000"/>
+              </a:srgbClr>
+            </a:solidFill>
+            <a:prstDash val="dash"/>
+            <a:tailEnd type="arrow"/>
+          </a:ln>
+          <a:effectLst/>
+        </p:spPr>
+      </p:cxnSp>
+      <p:sp>
+        <p:nvSpPr>
+          <p:cNvPr id="52" name="Content Placeholder 2"/>
+          <p:cNvSpPr>
+            <a:spLocks noGrp="1"/>
+          </p:cNvSpPr>
+          <p:nvPr>
+            <p:ph idx="1"/>
+          </p:nvPr>
+        </p:nvSpPr>
+        <p:spPr>
+          <a:xfrm>
+            <a:off x="303212" y="1219200"/>
+            <a:ext cx="5943600" cy="4648200"/>
+          </a:xfrm>
+        </p:spPr>
+        <p:txBody>
+          <a:bodyPr/>
+          <a:lstStyle/>
+          <a:p>
+            <a:pPr lvl="1"/>
+            <a:endParaRPr lang="en-US" dirty="0" smtClean="0"/>
+          </a:p>
+          <a:p>
+            <a:pPr marL="274320" lvl="1" indent="0">
+              <a:buNone/>
+            </a:pPr>
+            <a:r>
+              <a:rPr lang="en-US" sz="2000" dirty="0" smtClean="0"/>
+              <a:t>A web app deployed on PCF is managed with  Continuous Integration</a:t>
+            </a:r>
+          </a:p>
+          <a:p>
+            <a:pPr lvl="1"/>
+            <a:endParaRPr lang="en-US" sz="2000" dirty="0"/>
+          </a:p>
+          <a:p>
+            <a:pPr marL="274320" lvl="1" indent="0">
+              <a:buNone/>
+            </a:pPr>
+            <a:r>
+              <a:rPr lang="en-US" sz="2000" dirty="0" smtClean="0"/>
+              <a:t>1) The Developer commits changes to GitHub</a:t>
+            </a:r>
+          </a:p>
+          <a:p>
+            <a:pPr marL="274320" lvl="1" indent="0">
+              <a:buNone/>
+            </a:pPr>
+            <a:r>
+              <a:rPr lang="en-US" sz="2000" dirty="0" smtClean="0"/>
+              <a:t>2) GitHub notifies Jenkins</a:t>
+            </a:r>
+          </a:p>
+          <a:p>
+            <a:pPr marL="274320" lvl="1" indent="0">
+              <a:buNone/>
+            </a:pPr>
+            <a:r>
+              <a:rPr lang="en-US" sz="2000" dirty="0" smtClean="0"/>
+              <a:t>3) Jenkins co-ordinates </a:t>
+            </a:r>
+          </a:p>
+          <a:p>
+            <a:pPr marL="274320" lvl="1" indent="0">
+              <a:buNone/>
+            </a:pPr>
+            <a:r>
+              <a:rPr lang="en-US" sz="2000" dirty="0"/>
+              <a:t> </a:t>
+            </a:r>
+            <a:r>
+              <a:rPr lang="en-US" sz="2000" dirty="0" smtClean="0"/>
+              <a:t>   - Code Checkout from GitHub</a:t>
+            </a:r>
+          </a:p>
+          <a:p>
+            <a:pPr marL="274320" lvl="1" indent="0">
+              <a:buNone/>
+            </a:pPr>
+            <a:r>
+              <a:rPr lang="en-US" sz="2000" dirty="0"/>
+              <a:t> </a:t>
+            </a:r>
+            <a:r>
+              <a:rPr lang="en-US" sz="2000" dirty="0" smtClean="0"/>
+              <a:t>   - Builds the new version of the app</a:t>
+            </a:r>
+          </a:p>
+          <a:p>
+            <a:pPr marL="274320" lvl="1" indent="0">
+              <a:buNone/>
+            </a:pPr>
+            <a:r>
+              <a:rPr lang="en-US" sz="2000" dirty="0" smtClean="0"/>
+              <a:t>    - Deploys new and old versions </a:t>
+            </a:r>
+            <a:r>
+              <a:rPr lang="en-US" sz="2000" dirty="0"/>
+              <a:t>s</a:t>
+            </a:r>
+            <a:r>
+              <a:rPr lang="en-US" sz="2000" dirty="0" smtClean="0"/>
+              <a:t>ide </a:t>
+            </a:r>
+            <a:r>
+              <a:rPr lang="en-US" sz="2000" dirty="0"/>
+              <a:t>by s</a:t>
+            </a:r>
+            <a:r>
+              <a:rPr lang="en-US" sz="2000" dirty="0" smtClean="0"/>
+              <a:t>ide</a:t>
+            </a:r>
+          </a:p>
+          <a:p>
+            <a:pPr marL="274320" lvl="1" indent="0">
+              <a:buNone/>
+            </a:pPr>
+            <a:r>
+              <a:rPr lang="en-US" sz="2000" dirty="0"/>
+              <a:t> </a:t>
+            </a:r>
+            <a:r>
+              <a:rPr lang="en-US" sz="2000" dirty="0" smtClean="0"/>
+              <a:t>   - Unit Test new version</a:t>
+            </a:r>
+          </a:p>
+          <a:p>
+            <a:pPr marL="274320" lvl="1" indent="0">
+              <a:buNone/>
+            </a:pPr>
+            <a:r>
+              <a:rPr lang="en-US" sz="2000" dirty="0"/>
+              <a:t> </a:t>
+            </a:r>
+            <a:r>
+              <a:rPr lang="en-US" sz="2000" dirty="0" smtClean="0"/>
+              <a:t>   - If tests succeed, cutover to new app version</a:t>
+            </a:r>
+          </a:p>
+          <a:p>
+            <a:pPr marL="274320" lvl="1" indent="0">
+              <a:buNone/>
+            </a:pPr>
+            <a:r>
+              <a:rPr lang="en-US" sz="2000" dirty="0" smtClean="0"/>
+              <a:t>4) Developer has access to new version</a:t>
+            </a:r>
+            <a:endParaRPr lang="en-US" sz="2000" dirty="0"/>
+          </a:p>
+          <a:p>
+            <a:pPr lvl="1"/>
+            <a:endParaRPr lang="en-US" sz="2000" dirty="0" smtClean="0"/>
+          </a:p>
+          <a:p>
+            <a:pPr marL="274320" lvl="1" indent="0">
+              <a:buNone/>
+            </a:pPr>
+            <a:endParaRPr lang="en-US" dirty="0" smtClean="0"/>
+          </a:p>
+          <a:p>
+            <a:pPr lvl="1"/>
+            <a:endParaRPr lang="en-US" dirty="0" smtClean="0"/>
+          </a:p>
+          <a:p>
+            <a:pPr lvl="1"/>
+            <a:endParaRPr lang="en-US" dirty="0" smtClean="0"/>
+          </a:p>
+        </p:txBody>
+      </p:sp>
+      <p:sp>
+        <p:nvSpPr>
+          <p:cNvPr id="53" name="TextBox 52"/>
+          <p:cNvSpPr txBox="1"/>
+          <p:nvPr/>
+        </p:nvSpPr>
+        <p:spPr>
+          <a:xfrm>
+            <a:off x="11123612" y="3825875"/>
+            <a:ext cx="304800" cy="457200"/>
+          </a:xfrm>
+          <a:prstGeom prst="rect">
+            <a:avLst/>
+          </a:prstGeom>
+          <a:noFill/>
+          <a:effectLst>
+            <a:glow rad="101600">
+              <a:schemeClr val="tx1">
+                <a:alpha val="75000"/>
+              </a:schemeClr>
+            </a:glow>
+          </a:effectLst>
+          <a:scene3d>
+            <a:camera prst="orthographicFront"/>
+            <a:lightRig rig="threePt" dir="t"/>
+          </a:scene3d>
+          <a:sp3d>
+            <a:bevelT/>
+          </a:sp3d>
+        </p:spPr>
+        <p:txBody>
+          <a:bodyPr wrap="square" lIns="0" tIns="0" rIns="0" bIns="0" rtlCol="0">
+            <a:noAutofit/>
+          </a:bodyPr>
+          <a:lstStyle/>
+          <a:p>
+            <a:pPr>
+              <a:lnSpc>
+                <a:spcPct val="90000"/>
+              </a:lnSpc>
+            </a:pPr>
+            <a:r>
+              <a:rPr lang="en-US" sz="1400" dirty="0" smtClean="0">
+                <a:latin typeface="Silom"/>
+                <a:cs typeface="Silom"/>
+              </a:rPr>
+              <a:t>1</a:t>
+            </a:r>
+          </a:p>
+        </p:txBody>
+      </p:sp>
+      <p:sp>
+        <p:nvSpPr>
+          <p:cNvPr id="54" name="TextBox 53"/>
+          <p:cNvSpPr txBox="1"/>
+          <p:nvPr/>
+        </p:nvSpPr>
+        <p:spPr>
+          <a:xfrm>
+            <a:off x="10209212" y="2759075"/>
+            <a:ext cx="304800" cy="457200"/>
+          </a:xfrm>
+          <a:prstGeom prst="rect">
+            <a:avLst/>
+          </a:prstGeom>
+          <a:noFill/>
+          <a:effectLst>
+            <a:glow rad="101600">
+              <a:schemeClr val="tx1">
+                <a:alpha val="75000"/>
+              </a:schemeClr>
+            </a:glow>
+          </a:effectLst>
+          <a:scene3d>
+            <a:camera prst="orthographicFront"/>
+            <a:lightRig rig="threePt" dir="t"/>
+          </a:scene3d>
+          <a:sp3d>
+            <a:bevelT/>
+          </a:sp3d>
+        </p:spPr>
+        <p:txBody>
+          <a:bodyPr wrap="square" lIns="0" tIns="0" rIns="0" bIns="0" rtlCol="0">
+            <a:noAutofit/>
+          </a:bodyPr>
+          <a:lstStyle/>
+          <a:p>
+            <a:pPr>
+              <a:lnSpc>
+                <a:spcPct val="90000"/>
+              </a:lnSpc>
+            </a:pPr>
+            <a:r>
+              <a:rPr lang="en-US" sz="1400" dirty="0" smtClean="0">
+                <a:latin typeface="Silom"/>
+                <a:cs typeface="Silom"/>
+              </a:rPr>
+              <a:t>2</a:t>
+            </a:r>
+          </a:p>
+        </p:txBody>
+      </p:sp>
+      <p:sp>
+        <p:nvSpPr>
+          <p:cNvPr id="55" name="TextBox 54"/>
+          <p:cNvSpPr txBox="1"/>
+          <p:nvPr/>
+        </p:nvSpPr>
+        <p:spPr>
+          <a:xfrm>
+            <a:off x="7618412" y="3978275"/>
+            <a:ext cx="304800" cy="457200"/>
+          </a:xfrm>
+          <a:prstGeom prst="rect">
+            <a:avLst/>
+          </a:prstGeom>
+          <a:noFill/>
+          <a:effectLst>
+            <a:glow rad="101600">
+              <a:schemeClr val="tx1">
+                <a:alpha val="75000"/>
+              </a:schemeClr>
+            </a:glow>
+          </a:effectLst>
+          <a:scene3d>
+            <a:camera prst="orthographicFront"/>
+            <a:lightRig rig="threePt" dir="t"/>
+          </a:scene3d>
+          <a:sp3d>
+            <a:bevelT/>
+          </a:sp3d>
+        </p:spPr>
+        <p:txBody>
+          <a:bodyPr wrap="square" lIns="0" tIns="0" rIns="0" bIns="0" rtlCol="0">
+            <a:noAutofit/>
+          </a:bodyPr>
+          <a:lstStyle/>
+          <a:p>
+            <a:pPr>
+              <a:lnSpc>
+                <a:spcPct val="90000"/>
+              </a:lnSpc>
+            </a:pPr>
+            <a:r>
+              <a:rPr lang="en-US" sz="1400" dirty="0">
+                <a:latin typeface="Silom"/>
+                <a:cs typeface="Silom"/>
+              </a:rPr>
+              <a:t>3</a:t>
+            </a:r>
+            <a:endParaRPr lang="en-US" sz="1400" dirty="0" smtClean="0">
+              <a:latin typeface="Silom"/>
+              <a:cs typeface="Silom"/>
+            </a:endParaRPr>
+          </a:p>
+        </p:txBody>
+      </p:sp>
+      <p:cxnSp>
+        <p:nvCxnSpPr>
+          <p:cNvPr id="56" name="Straight Arrow Connector 55"/>
+          <p:cNvCxnSpPr/>
+          <p:nvPr/>
+        </p:nvCxnSpPr>
+        <p:spPr>
+          <a:xfrm flipH="1">
+            <a:off x="7542212" y="4130675"/>
+            <a:ext cx="304800" cy="152400"/>
+          </a:xfrm>
+          <a:prstGeom prst="straightConnector1">
+            <a:avLst/>
+          </a:prstGeom>
+          <a:noFill/>
+          <a:ln w="3175" cap="flat" cmpd="sng" algn="ctr">
+            <a:solidFill>
+              <a:srgbClr val="111111">
+                <a:lumMod val="50000"/>
+                <a:lumOff val="50000"/>
+              </a:srgbClr>
+            </a:solidFill>
+            <a:prstDash val="dash"/>
+            <a:tailEnd type="arrow"/>
+          </a:ln>
+          <a:effectLst/>
+        </p:spPr>
+      </p:cxnSp>
+      <p:sp>
+        <p:nvSpPr>
+          <p:cNvPr id="58" name="TextBox 57"/>
+          <p:cNvSpPr txBox="1"/>
+          <p:nvPr/>
+        </p:nvSpPr>
+        <p:spPr>
+          <a:xfrm>
+            <a:off x="9828212" y="4359275"/>
+            <a:ext cx="304800" cy="457200"/>
+          </a:xfrm>
+          <a:prstGeom prst="rect">
+            <a:avLst/>
+          </a:prstGeom>
+          <a:noFill/>
+          <a:effectLst>
+            <a:glow rad="101600">
+              <a:schemeClr val="tx1">
+                <a:alpha val="75000"/>
+              </a:schemeClr>
+            </a:glow>
+          </a:effectLst>
+          <a:scene3d>
+            <a:camera prst="orthographicFront"/>
+            <a:lightRig rig="threePt" dir="t"/>
+          </a:scene3d>
+          <a:sp3d>
+            <a:bevelT/>
+          </a:sp3d>
+        </p:spPr>
+        <p:txBody>
+          <a:bodyPr wrap="square" lIns="0" tIns="0" rIns="0" bIns="0" rtlCol="0">
+            <a:noAutofit/>
+          </a:bodyPr>
+          <a:lstStyle/>
+          <a:p>
+            <a:pPr>
+              <a:lnSpc>
+                <a:spcPct val="90000"/>
+              </a:lnSpc>
+            </a:pPr>
+            <a:r>
+              <a:rPr lang="en-US" sz="1400" dirty="0" smtClean="0">
+                <a:latin typeface="Silom"/>
+                <a:cs typeface="Silom"/>
+              </a:rPr>
+              <a:t>4</a:t>
+            </a:r>
+          </a:p>
+        </p:txBody>
+      </p:sp>
+      <p:pic>
+        <p:nvPicPr>
+          <p:cNvPr id="59" name="Picture 58"/>
+          <p:cNvPicPr>
+            <a:picLocks noChangeAspect="1"/>
+          </p:cNvPicPr>
+          <p:nvPr/>
+        </p:nvPicPr>
+        <p:blipFill>
+          <a:blip r:embed="rId8"/>
+          <a:stretch>
+            <a:fillRect/>
+          </a:stretch>
+        </p:blipFill>
+        <p:spPr>
+          <a:xfrm flipH="1">
+            <a:off x="9675812" y="4951250"/>
+            <a:ext cx="1219200" cy="551025"/>
+          </a:xfrm>
+          <a:prstGeom prst="rect">
+            <a:avLst/>
+          </a:prstGeom>
+        </p:spPr>
+      </p:pic>
+    </p:spTree>
+    <p:extLst>
+      <p:ext uri="{BB962C8B-B14F-4D97-AF65-F5344CB8AC3E}">
+        <p14:creationId xmlns:p14="http://schemas.microsoft.com/office/powerpoint/2010/main" val="3077969435"/>
+      </p:ext>
+    </p:extLst>
+  </p:cSld>
+  <p:clrMapOvr>
+    <a:masterClrMapping/>
+  </p:clrMapOvr>
+  <p:timing>
+    <p:tnLst>
+      <p:par>
+        <p:cTn xmlns:p14="http://schemas.microsoft.com/office/powerpoint/2010/main" id="1" dur="indefinite" restart="never" nodeType="tmRoot"/>
+      </p:par>
+    </p:tnLst>
+  </p:timing>
+</p:sld>
+</file>
+
+<file path=ppt/slides/slide11.xml><?xml version="1.0" encoding="utf-8"?>
 <p:sld xmlns:a="http://schemas.openxmlformats.org/drawingml/2006/main" xmlns:r="http://schemas.openxmlformats.org/officeDocument/2006/relationships" xmlns:p="http://schemas.openxmlformats.org/presentationml/2006/main">
   <p:cSld>
     <p:spTree>
@@ -25628,7 +26668,1452 @@
           <a:p>
             <a:fld id="{6EA6D8CF-3CDE-4807-BCD2-C9F2B831AAA5}" type="slidenum">
               <a:rPr lang="en-US" smtClean="0"/>
-              <a:t>10</a:t>
+              <a:t>11</a:t>
+            </a:fld>
+            <a:endParaRPr lang="en-US"/>
+          </a:p>
+        </p:txBody>
+      </p:sp>
+      <p:sp>
+        <p:nvSpPr>
+          <p:cNvPr id="7" name="Rectangle 6"/>
+          <p:cNvSpPr/>
+          <p:nvPr/>
+        </p:nvSpPr>
+        <p:spPr>
+          <a:xfrm>
+            <a:off x="1712176" y="1753857"/>
+            <a:ext cx="5144236" cy="2818143"/>
+          </a:xfrm>
+          <a:prstGeom prst="rect">
+            <a:avLst/>
+          </a:prstGeom>
+          <a:solidFill>
+            <a:srgbClr val="01A1E7">
+              <a:lumMod val="20000"/>
+              <a:lumOff val="80000"/>
+            </a:srgbClr>
+          </a:solidFill>
+          <a:ln w="9525" cap="flat" cmpd="sng" algn="ctr">
+            <a:solidFill>
+              <a:srgbClr val="505050">
+                <a:lumMod val="50000"/>
+              </a:srgbClr>
+            </a:solidFill>
+            <a:prstDash val="solid"/>
+          </a:ln>
+          <a:effectLst/>
+        </p:spPr>
+        <p:txBody>
+          <a:bodyPr lIns="68589" tIns="34295" rIns="68589" bIns="34295" rtlCol="0" anchor="ctr"/>
+          <a:lstStyle/>
+          <a:p>
+            <a:pPr marL="0" marR="0" lvl="0" indent="0" algn="ctr" defTabSz="914400" eaLnBrk="1" fontAlgn="auto" latinLnBrk="0" hangingPunct="1">
+              <a:lnSpc>
+                <a:spcPct val="100000"/>
+              </a:lnSpc>
+              <a:spcBef>
+                <a:spcPts val="0"/>
+              </a:spcBef>
+              <a:spcAft>
+                <a:spcPts val="0"/>
+              </a:spcAft>
+              <a:buClrTx/>
+              <a:buSzTx/>
+              <a:buFontTx/>
+              <a:buNone/>
+              <a:tabLst/>
+              <a:defRPr/>
+            </a:pPr>
+            <a:endParaRPr kumimoji="0" lang="en-US" sz="1800" b="0" i="0" u="none" strike="noStrike" kern="0" cap="none" spc="0" normalizeH="0" baseline="0" noProof="0">
+              <a:ln>
+                <a:noFill/>
+              </a:ln>
+              <a:solidFill>
+                <a:srgbClr val="A0A0A0"/>
+              </a:solidFill>
+              <a:effectLst/>
+              <a:uLnTx/>
+              <a:uFillTx/>
+              <a:latin typeface="Trebuchet MS"/>
+              <a:ea typeface="+mn-ea"/>
+              <a:cs typeface="+mn-cs"/>
+            </a:endParaRPr>
+          </a:p>
+        </p:txBody>
+      </p:sp>
+      <p:sp>
+        <p:nvSpPr>
+          <p:cNvPr id="10" name="Cloud 9"/>
+          <p:cNvSpPr/>
+          <p:nvPr/>
+        </p:nvSpPr>
+        <p:spPr>
+          <a:xfrm>
+            <a:off x="6323012" y="1447800"/>
+            <a:ext cx="615297" cy="524862"/>
+          </a:xfrm>
+          <a:prstGeom prst="cloud">
+            <a:avLst/>
+          </a:prstGeom>
+          <a:gradFill flip="none" rotWithShape="1">
+            <a:gsLst>
+              <a:gs pos="48000">
+                <a:srgbClr val="FFFFFF"/>
+              </a:gs>
+              <a:gs pos="100000">
+                <a:srgbClr val="01A1E7">
+                  <a:lumMod val="60000"/>
+                  <a:lumOff val="40000"/>
+                </a:srgbClr>
+              </a:gs>
+            </a:gsLst>
+            <a:path path="circle">
+              <a:fillToRect l="50000" t="50000" r="50000" b="50000"/>
+            </a:path>
+            <a:tileRect/>
+          </a:gradFill>
+          <a:ln w="38100" cap="flat" cmpd="sng" algn="ctr">
+            <a:solidFill>
+              <a:srgbClr val="01A1E7">
+                <a:shade val="95000"/>
+                <a:satMod val="105000"/>
+              </a:srgbClr>
+            </a:solidFill>
+            <a:prstDash val="solid"/>
+          </a:ln>
+          <a:effectLst/>
+        </p:spPr>
+        <p:txBody>
+          <a:bodyPr lIns="68589" tIns="34295" rIns="68589" bIns="34295" rtlCol="0" anchor="ctr"/>
+          <a:lstStyle/>
+          <a:p>
+            <a:pPr marL="0" marR="0" lvl="0" indent="0" algn="ctr" defTabSz="914400" eaLnBrk="1" fontAlgn="auto" latinLnBrk="0" hangingPunct="1">
+              <a:lnSpc>
+                <a:spcPct val="100000"/>
+              </a:lnSpc>
+              <a:spcBef>
+                <a:spcPts val="0"/>
+              </a:spcBef>
+              <a:spcAft>
+                <a:spcPts val="0"/>
+              </a:spcAft>
+              <a:buClrTx/>
+              <a:buSzTx/>
+              <a:buFontTx/>
+              <a:buNone/>
+              <a:tabLst/>
+              <a:defRPr/>
+            </a:pPr>
+            <a:endParaRPr kumimoji="0" lang="en-US" sz="1800" b="0" i="0" u="none" strike="noStrike" kern="0" cap="none" spc="0" normalizeH="0" baseline="0" noProof="0">
+              <a:ln>
+                <a:noFill/>
+              </a:ln>
+              <a:solidFill>
+                <a:srgbClr val="A0A0A0"/>
+              </a:solidFill>
+              <a:effectLst/>
+              <a:uLnTx/>
+              <a:uFillTx/>
+              <a:latin typeface="Trebuchet MS"/>
+              <a:ea typeface="+mn-ea"/>
+              <a:cs typeface="+mn-cs"/>
+            </a:endParaRPr>
+          </a:p>
+        </p:txBody>
+      </p:sp>
+      <p:grpSp>
+        <p:nvGrpSpPr>
+          <p:cNvPr id="14" name="Group 1303"/>
+          <p:cNvGrpSpPr/>
+          <p:nvPr/>
+        </p:nvGrpSpPr>
+        <p:grpSpPr>
+          <a:xfrm>
+            <a:off x="1415731" y="1776068"/>
+            <a:ext cx="640081" cy="509932"/>
+            <a:chOff x="0" y="0"/>
+            <a:chExt cx="803335" cy="751181"/>
+          </a:xfrm>
+        </p:grpSpPr>
+        <p:sp>
+          <p:nvSpPr>
+            <p:cNvPr id="63" name="Shape 1301"/>
+            <p:cNvSpPr/>
+            <p:nvPr/>
+          </p:nvSpPr>
+          <p:spPr>
+            <a:xfrm>
+              <a:off x="0" y="0"/>
+              <a:ext cx="803335" cy="751181"/>
+            </a:xfrm>
+            <a:prstGeom prst="roundRect">
+              <a:avLst>
+                <a:gd name="adj" fmla="val 9499"/>
+              </a:avLst>
+            </a:prstGeom>
+            <a:gradFill flip="none" rotWithShape="1">
+              <a:gsLst>
+                <a:gs pos="0">
+                  <a:srgbClr val="C6C6C8"/>
+                </a:gs>
+                <a:gs pos="100000">
+                  <a:srgbClr val="E3E2E3"/>
+                </a:gs>
+              </a:gsLst>
+              <a:lin ang="16200000" scaled="0"/>
+            </a:gradFill>
+            <a:ln w="12700" cap="flat">
+              <a:solidFill>
+                <a:srgbClr val="A6A6A6"/>
+              </a:solidFill>
+              <a:prstDash val="solid"/>
+              <a:bevel/>
+            </a:ln>
+            <a:effectLst/>
+          </p:spPr>
+          <p:txBody>
+            <a:bodyPr wrap="square" lIns="0" tIns="0" rIns="0" bIns="0" numCol="1" anchor="ctr">
+              <a:noAutofit/>
+            </a:bodyPr>
+            <a:lstStyle/>
+            <a:p>
+              <a:pPr marL="0" marR="0" lvl="0" indent="0" algn="ctr" defTabSz="914400" eaLnBrk="1" fontAlgn="auto" latinLnBrk="0" hangingPunct="1">
+                <a:lnSpc>
+                  <a:spcPct val="100000"/>
+                </a:lnSpc>
+                <a:spcBef>
+                  <a:spcPts val="0"/>
+                </a:spcBef>
+                <a:spcAft>
+                  <a:spcPts val="0"/>
+                </a:spcAft>
+                <a:buClrTx/>
+                <a:buSzTx/>
+                <a:buFontTx/>
+                <a:buNone/>
+                <a:tabLst/>
+                <a:defRPr>
+                  <a:solidFill>
+                    <a:srgbClr val="FFFFFF"/>
+                  </a:solidFill>
+                </a:defRPr>
+              </a:pPr>
+              <a:endParaRPr kumimoji="0" sz="1800" b="0" i="0" u="none" strike="noStrike" kern="0" cap="none" spc="0" normalizeH="0" baseline="0" noProof="0">
+                <a:ln>
+                  <a:noFill/>
+                </a:ln>
+                <a:solidFill>
+                  <a:srgbClr val="FFFFFF"/>
+                </a:solidFill>
+                <a:effectLst/>
+                <a:uLnTx/>
+                <a:uFillTx/>
+              </a:endParaRPr>
+            </a:p>
+          </p:txBody>
+        </p:sp>
+        <p:sp>
+          <p:nvSpPr>
+            <p:cNvPr id="64" name="Shape 1302"/>
+            <p:cNvSpPr/>
+            <p:nvPr/>
+          </p:nvSpPr>
+          <p:spPr>
+            <a:xfrm>
+              <a:off x="20899" y="250478"/>
+              <a:ext cx="761537" cy="250225"/>
+            </a:xfrm>
+            <a:prstGeom prst="rect">
+              <a:avLst/>
+            </a:prstGeom>
+            <a:noFill/>
+            <a:ln w="12700" cap="flat">
+              <a:noFill/>
+              <a:miter lim="400000"/>
+            </a:ln>
+            <a:effectLst/>
+            <a:extLst>
+              <a:ext uri="{C572A759-6A51-4108-AA02-DFA0A04FC94B}">
+                <ma14:wrappingTextBoxFlag xmlns:ma14="http://schemas.microsoft.com/office/mac/drawingml/2011/main" val="1"/>
+              </a:ext>
+            </a:extLst>
+          </p:spPr>
+          <p:txBody>
+            <a:bodyPr wrap="square" lIns="0" tIns="0" rIns="0" bIns="0" numCol="1" anchor="ctr">
+              <a:spAutoFit/>
+            </a:bodyPr>
+            <a:lstStyle>
+              <a:lvl1pPr algn="ctr">
+                <a:defRPr sz="1100">
+                  <a:solidFill>
+                    <a:srgbClr val="0095D3"/>
+                  </a:solidFill>
+                  <a:latin typeface="Arial Bold"/>
+                  <a:ea typeface="Arial Bold"/>
+                  <a:cs typeface="Arial Bold"/>
+                  <a:sym typeface="Arial Bold"/>
+                </a:defRPr>
+              </a:lvl1pPr>
+            </a:lstStyle>
+            <a:p>
+              <a:pPr marL="0" marR="0" lvl="0" indent="0" algn="ctr" defTabSz="914400" eaLnBrk="1" fontAlgn="auto" latinLnBrk="0" hangingPunct="1">
+                <a:lnSpc>
+                  <a:spcPct val="100000"/>
+                </a:lnSpc>
+                <a:spcBef>
+                  <a:spcPts val="0"/>
+                </a:spcBef>
+                <a:spcAft>
+                  <a:spcPts val="0"/>
+                </a:spcAft>
+                <a:buClrTx/>
+                <a:buSzTx/>
+                <a:buFontTx/>
+                <a:buNone/>
+                <a:tabLst/>
+                <a:defRPr sz="1800">
+                  <a:solidFill>
+                    <a:srgbClr val="000000"/>
+                  </a:solidFill>
+                </a:defRPr>
+              </a:pPr>
+              <a:r>
+                <a:rPr kumimoji="0" sz="800" b="0" i="0" u="none" strike="noStrike" kern="0" cap="none" spc="0" normalizeH="0" baseline="0" noProof="0" dirty="0">
+                  <a:ln>
+                    <a:noFill/>
+                  </a:ln>
+                  <a:solidFill>
+                    <a:srgbClr val="000000"/>
+                  </a:solidFill>
+                  <a:effectLst/>
+                  <a:uLnTx/>
+                  <a:uFillTx/>
+                  <a:latin typeface="Arial Bold"/>
+                  <a:ea typeface="Arial Bold"/>
+                  <a:cs typeface="Arial Bold"/>
+                  <a:sym typeface="Arial Bold"/>
+                </a:rPr>
+                <a:t>EDGE GATEWAY</a:t>
+              </a:r>
+            </a:p>
+          </p:txBody>
+        </p:sp>
+      </p:grpSp>
+      <p:pic>
+        <p:nvPicPr>
+          <p:cNvPr id="72" name="Picture 71"/>
+          <p:cNvPicPr>
+            <a:picLocks noChangeAspect="1"/>
+          </p:cNvPicPr>
+          <p:nvPr/>
+        </p:nvPicPr>
+        <p:blipFill rotWithShape="1">
+          <a:blip r:embed="rId2"/>
+          <a:srcRect r="72534"/>
+          <a:stretch/>
+        </p:blipFill>
+        <p:spPr>
+          <a:xfrm>
+            <a:off x="2208212" y="2590800"/>
+            <a:ext cx="990600" cy="1159910"/>
+          </a:xfrm>
+          <a:prstGeom prst="rect">
+            <a:avLst/>
+          </a:prstGeom>
+        </p:spPr>
+      </p:pic>
+      <p:pic>
+        <p:nvPicPr>
+          <p:cNvPr id="74" name="Picture 73"/>
+          <p:cNvPicPr>
+            <a:picLocks noChangeAspect="1"/>
+          </p:cNvPicPr>
+          <p:nvPr/>
+        </p:nvPicPr>
+        <p:blipFill>
+          <a:blip r:embed="rId3"/>
+          <a:stretch>
+            <a:fillRect/>
+          </a:stretch>
+        </p:blipFill>
+        <p:spPr>
+          <a:xfrm>
+            <a:off x="3884612" y="2819400"/>
+            <a:ext cx="838200" cy="642620"/>
+          </a:xfrm>
+          <a:prstGeom prst="rect">
+            <a:avLst/>
+          </a:prstGeom>
+          <a:ln>
+            <a:solidFill>
+              <a:schemeClr val="tx1"/>
+            </a:solidFill>
+          </a:ln>
+        </p:spPr>
+      </p:pic>
+      <p:pic>
+        <p:nvPicPr>
+          <p:cNvPr id="75" name="Picture 74"/>
+          <p:cNvPicPr>
+            <a:picLocks noChangeAspect="1"/>
+          </p:cNvPicPr>
+          <p:nvPr/>
+        </p:nvPicPr>
+        <p:blipFill>
+          <a:blip r:embed="rId4"/>
+          <a:stretch>
+            <a:fillRect/>
+          </a:stretch>
+        </p:blipFill>
+        <p:spPr>
+          <a:xfrm>
+            <a:off x="4265612" y="812523"/>
+            <a:ext cx="1066800" cy="709908"/>
+          </a:xfrm>
+          <a:prstGeom prst="rect">
+            <a:avLst/>
+          </a:prstGeom>
+          <a:ln>
+            <a:solidFill>
+              <a:schemeClr val="tx1"/>
+            </a:solidFill>
+          </a:ln>
+        </p:spPr>
+      </p:pic>
+      <p:pic>
+        <p:nvPicPr>
+          <p:cNvPr id="79" name="Picture 78"/>
+          <p:cNvPicPr>
+            <a:picLocks noChangeAspect="1"/>
+          </p:cNvPicPr>
+          <p:nvPr/>
+        </p:nvPicPr>
+        <p:blipFill>
+          <a:blip r:embed="rId5"/>
+          <a:stretch>
+            <a:fillRect/>
+          </a:stretch>
+        </p:blipFill>
+        <p:spPr>
+          <a:xfrm>
+            <a:off x="3732212" y="2311400"/>
+            <a:ext cx="1204912" cy="348874"/>
+          </a:xfrm>
+          <a:prstGeom prst="rect">
+            <a:avLst/>
+          </a:prstGeom>
+          <a:ln>
+            <a:solidFill>
+              <a:schemeClr val="tx1"/>
+            </a:solidFill>
+          </a:ln>
+        </p:spPr>
+      </p:pic>
+      <p:sp>
+        <p:nvSpPr>
+          <p:cNvPr id="80" name="Rectangle 79"/>
+          <p:cNvSpPr/>
+          <p:nvPr/>
+        </p:nvSpPr>
+        <p:spPr>
+          <a:xfrm>
+            <a:off x="2132012" y="2159000"/>
+            <a:ext cx="2895600" cy="2032000"/>
+          </a:xfrm>
+          <a:prstGeom prst="rect">
+            <a:avLst/>
+          </a:prstGeom>
+          <a:noFill/>
+          <a:ln/>
+        </p:spPr>
+        <p:style>
+          <a:lnRef idx="1">
+            <a:schemeClr val="accent1"/>
+          </a:lnRef>
+          <a:fillRef idx="3">
+            <a:schemeClr val="accent1"/>
+          </a:fillRef>
+          <a:effectRef idx="2">
+            <a:schemeClr val="accent1"/>
+          </a:effectRef>
+          <a:fontRef idx="minor">
+            <a:schemeClr val="lt1"/>
+          </a:fontRef>
+        </p:style>
+        <p:txBody>
+          <a:bodyPr rtlCol="0" anchor="ctr"/>
+          <a:lstStyle/>
+          <a:p>
+            <a:pPr algn="ctr"/>
+            <a:endParaRPr lang="en-US" dirty="0" smtClean="0"/>
+          </a:p>
+        </p:txBody>
+      </p:sp>
+      <p:sp>
+        <p:nvSpPr>
+          <p:cNvPr id="81" name="Rectangle 80"/>
+          <p:cNvSpPr/>
+          <p:nvPr/>
+        </p:nvSpPr>
+        <p:spPr>
+          <a:xfrm>
+            <a:off x="5408613" y="2548748"/>
+            <a:ext cx="1219199" cy="1066800"/>
+          </a:xfrm>
+          <a:prstGeom prst="rect">
+            <a:avLst/>
+          </a:prstGeom>
+          <a:noFill/>
+          <a:ln/>
+        </p:spPr>
+        <p:style>
+          <a:lnRef idx="1">
+            <a:schemeClr val="accent1"/>
+          </a:lnRef>
+          <a:fillRef idx="3">
+            <a:schemeClr val="accent1"/>
+          </a:fillRef>
+          <a:effectRef idx="2">
+            <a:schemeClr val="accent1"/>
+          </a:effectRef>
+          <a:fontRef idx="minor">
+            <a:schemeClr val="lt1"/>
+          </a:fontRef>
+        </p:style>
+        <p:txBody>
+          <a:bodyPr rtlCol="0" anchor="ctr"/>
+          <a:lstStyle/>
+          <a:p>
+            <a:pPr algn="ctr"/>
+            <a:endParaRPr lang="en-US" dirty="0" smtClean="0"/>
+          </a:p>
+        </p:txBody>
+      </p:sp>
+      <p:cxnSp>
+        <p:nvCxnSpPr>
+          <p:cNvPr id="85" name="Straight Arrow Connector 84"/>
+          <p:cNvCxnSpPr>
+            <a:stCxn id="75" idx="1"/>
+          </p:cNvCxnSpPr>
+          <p:nvPr/>
+        </p:nvCxnSpPr>
+        <p:spPr>
+          <a:xfrm flipH="1">
+            <a:off x="2741612" y="1167477"/>
+            <a:ext cx="1524000" cy="1347123"/>
+          </a:xfrm>
+          <a:prstGeom prst="straightConnector1">
+            <a:avLst/>
+          </a:prstGeom>
+          <a:noFill/>
+          <a:ln w="3175" cap="flat" cmpd="sng" algn="ctr">
+            <a:solidFill>
+              <a:srgbClr val="111111">
+                <a:lumMod val="50000"/>
+                <a:lumOff val="50000"/>
+              </a:srgbClr>
+            </a:solidFill>
+            <a:prstDash val="dash"/>
+            <a:tailEnd type="arrow"/>
+          </a:ln>
+          <a:effectLst/>
+        </p:spPr>
+      </p:cxnSp>
+      <p:cxnSp>
+        <p:nvCxnSpPr>
+          <p:cNvPr id="87" name="Straight Arrow Connector 86"/>
+          <p:cNvCxnSpPr/>
+          <p:nvPr/>
+        </p:nvCxnSpPr>
+        <p:spPr>
+          <a:xfrm flipH="1">
+            <a:off x="5484812" y="1143000"/>
+            <a:ext cx="1905000" cy="0"/>
+          </a:xfrm>
+          <a:prstGeom prst="straightConnector1">
+            <a:avLst/>
+          </a:prstGeom>
+          <a:noFill/>
+          <a:ln w="3175" cap="flat" cmpd="sng" algn="ctr">
+            <a:solidFill>
+              <a:srgbClr val="111111">
+                <a:lumMod val="50000"/>
+                <a:lumOff val="50000"/>
+              </a:srgbClr>
+            </a:solidFill>
+            <a:prstDash val="dash"/>
+            <a:tailEnd type="arrow"/>
+          </a:ln>
+          <a:effectLst/>
+        </p:spPr>
+      </p:cxnSp>
+      <p:cxnSp>
+        <p:nvCxnSpPr>
+          <p:cNvPr id="94" name="Straight Arrow Connector 93"/>
+          <p:cNvCxnSpPr/>
+          <p:nvPr/>
+        </p:nvCxnSpPr>
+        <p:spPr>
+          <a:xfrm>
+            <a:off x="7389812" y="1143000"/>
+            <a:ext cx="8564" cy="1433759"/>
+          </a:xfrm>
+          <a:prstGeom prst="straightConnector1">
+            <a:avLst/>
+          </a:prstGeom>
+          <a:noFill/>
+          <a:ln w="3175" cap="flat" cmpd="sng" algn="ctr">
+            <a:solidFill>
+              <a:schemeClr val="tx2"/>
+            </a:solidFill>
+            <a:prstDash val="dash"/>
+            <a:tailEnd type="none"/>
+          </a:ln>
+          <a:effectLst/>
+        </p:spPr>
+      </p:cxnSp>
+      <p:cxnSp>
+        <p:nvCxnSpPr>
+          <p:cNvPr id="121" name="Straight Arrow Connector 120"/>
+          <p:cNvCxnSpPr/>
+          <p:nvPr/>
+        </p:nvCxnSpPr>
+        <p:spPr>
+          <a:xfrm flipV="1">
+            <a:off x="3046412" y="2438400"/>
+            <a:ext cx="609600" cy="482600"/>
+          </a:xfrm>
+          <a:prstGeom prst="straightConnector1">
+            <a:avLst/>
+          </a:prstGeom>
+          <a:noFill/>
+          <a:ln w="3175" cap="flat" cmpd="sng" algn="ctr">
+            <a:solidFill>
+              <a:srgbClr val="111111">
+                <a:lumMod val="50000"/>
+                <a:lumOff val="50000"/>
+              </a:srgbClr>
+            </a:solidFill>
+            <a:prstDash val="dash"/>
+            <a:tailEnd type="arrow"/>
+          </a:ln>
+          <a:effectLst/>
+        </p:spPr>
+      </p:cxnSp>
+      <p:sp>
+        <p:nvSpPr>
+          <p:cNvPr id="125" name="TextBox 124"/>
+          <p:cNvSpPr txBox="1"/>
+          <p:nvPr/>
+        </p:nvSpPr>
+        <p:spPr>
+          <a:xfrm>
+            <a:off x="2817812" y="4267200"/>
+            <a:ext cx="2057400" cy="304800"/>
+          </a:xfrm>
+          <a:prstGeom prst="rect">
+            <a:avLst/>
+          </a:prstGeom>
+          <a:noFill/>
+        </p:spPr>
+        <p:txBody>
+          <a:bodyPr wrap="square" lIns="0" tIns="0" rIns="0" bIns="0" rtlCol="0">
+            <a:noAutofit/>
+          </a:bodyPr>
+          <a:lstStyle/>
+          <a:p>
+            <a:pPr>
+              <a:lnSpc>
+                <a:spcPct val="90000"/>
+              </a:lnSpc>
+            </a:pPr>
+            <a:r>
+              <a:rPr lang="en-US" sz="1200" dirty="0" smtClean="0"/>
+              <a:t>Ubuntu DevOps vApp</a:t>
+            </a:r>
+          </a:p>
+        </p:txBody>
+      </p:sp>
+      <p:sp>
+        <p:nvSpPr>
+          <p:cNvPr id="126" name="TextBox 125"/>
+          <p:cNvSpPr txBox="1"/>
+          <p:nvPr/>
+        </p:nvSpPr>
+        <p:spPr>
+          <a:xfrm>
+            <a:off x="5484812" y="3708400"/>
+            <a:ext cx="2057400" cy="304800"/>
+          </a:xfrm>
+          <a:prstGeom prst="rect">
+            <a:avLst/>
+          </a:prstGeom>
+          <a:noFill/>
+        </p:spPr>
+        <p:txBody>
+          <a:bodyPr wrap="square" lIns="0" tIns="0" rIns="0" bIns="0" rtlCol="0">
+            <a:noAutofit/>
+          </a:bodyPr>
+          <a:lstStyle/>
+          <a:p>
+            <a:pPr>
+              <a:lnSpc>
+                <a:spcPct val="90000"/>
+              </a:lnSpc>
+            </a:pPr>
+            <a:r>
+              <a:rPr lang="en-US" sz="1200" dirty="0" smtClean="0"/>
+              <a:t>UbuntuTest VM</a:t>
+            </a:r>
+          </a:p>
+        </p:txBody>
+      </p:sp>
+      <p:pic>
+        <p:nvPicPr>
+          <p:cNvPr id="127" name="Picture 126"/>
+          <p:cNvPicPr>
+            <a:picLocks noChangeAspect="1"/>
+          </p:cNvPicPr>
+          <p:nvPr/>
+        </p:nvPicPr>
+        <p:blipFill>
+          <a:blip r:embed="rId6"/>
+          <a:stretch>
+            <a:fillRect/>
+          </a:stretch>
+        </p:blipFill>
+        <p:spPr>
+          <a:xfrm>
+            <a:off x="5561012" y="2717800"/>
+            <a:ext cx="893445" cy="533400"/>
+          </a:xfrm>
+          <a:prstGeom prst="rect">
+            <a:avLst/>
+          </a:prstGeom>
+        </p:spPr>
+      </p:pic>
+      <p:cxnSp>
+        <p:nvCxnSpPr>
+          <p:cNvPr id="128" name="Straight Arrow Connector 127"/>
+          <p:cNvCxnSpPr/>
+          <p:nvPr/>
+        </p:nvCxnSpPr>
+        <p:spPr>
+          <a:xfrm flipH="1">
+            <a:off x="6780212" y="3098800"/>
+            <a:ext cx="1066800" cy="0"/>
+          </a:xfrm>
+          <a:prstGeom prst="straightConnector1">
+            <a:avLst/>
+          </a:prstGeom>
+          <a:noFill/>
+          <a:ln w="3175" cap="flat" cmpd="sng" algn="ctr">
+            <a:solidFill>
+              <a:srgbClr val="111111">
+                <a:lumMod val="50000"/>
+                <a:lumOff val="50000"/>
+              </a:srgbClr>
+            </a:solidFill>
+            <a:prstDash val="dash"/>
+            <a:tailEnd type="arrow"/>
+          </a:ln>
+          <a:effectLst/>
+        </p:spPr>
+      </p:cxnSp>
+      <p:cxnSp>
+        <p:nvCxnSpPr>
+          <p:cNvPr id="141" name="Straight Arrow Connector 140"/>
+          <p:cNvCxnSpPr/>
+          <p:nvPr/>
+        </p:nvCxnSpPr>
+        <p:spPr>
+          <a:xfrm>
+            <a:off x="2970212" y="3581400"/>
+            <a:ext cx="2362200" cy="0"/>
+          </a:xfrm>
+          <a:prstGeom prst="straightConnector1">
+            <a:avLst/>
+          </a:prstGeom>
+          <a:noFill/>
+          <a:ln w="3175" cap="flat" cmpd="sng" algn="ctr">
+            <a:solidFill>
+              <a:srgbClr val="111111">
+                <a:lumMod val="50000"/>
+                <a:lumOff val="50000"/>
+              </a:srgbClr>
+            </a:solidFill>
+            <a:prstDash val="dash"/>
+            <a:tailEnd type="arrow"/>
+          </a:ln>
+          <a:effectLst/>
+        </p:spPr>
+      </p:cxnSp>
+      <p:pic>
+        <p:nvPicPr>
+          <p:cNvPr id="144" name="Picture 26" descr="MCj04339440000[1]"/>
+          <p:cNvPicPr>
+            <a:picLocks noChangeAspect="1" noChangeArrowheads="1"/>
+          </p:cNvPicPr>
+          <p:nvPr/>
+        </p:nvPicPr>
+        <p:blipFill>
+          <a:blip r:embed="rId7">
+            <a:extLst>
+              <a:ext uri="{28A0092B-C50C-407E-A947-70E740481C1C}">
+                <a14:useLocalDpi xmlns:a14="http://schemas.microsoft.com/office/drawing/2010/main" val="0"/>
+              </a:ext>
+            </a:extLst>
+          </a:blip>
+          <a:srcRect/>
+          <a:stretch>
+            <a:fillRect/>
+          </a:stretch>
+        </p:blipFill>
+        <p:spPr bwMode="auto">
+          <a:xfrm>
+            <a:off x="7313612" y="2641600"/>
+            <a:ext cx="685800" cy="685800"/>
+          </a:xfrm>
+          <a:prstGeom prst="rect">
+            <a:avLst/>
+          </a:prstGeom>
+          <a:noFill/>
+          <a:ln>
+            <a:noFill/>
+          </a:ln>
+          <a:extLst>
+            <a:ext uri="{909E8E84-426E-40dd-AFC4-6F175D3DCCD1}">
+              <a14:hiddenFill xmlns:a14="http://schemas.microsoft.com/office/drawing/2010/main">
+                <a:solidFill>
+                  <a:srgbClr val="FFFFFF"/>
+                </a:solidFill>
+              </a14:hiddenFill>
+            </a:ext>
+            <a:ext uri="{91240B29-F687-4f45-9708-019B960494DF}">
+              <a14:hiddenLine xmlns:a14="http://schemas.microsoft.com/office/drawing/2010/main" w="9525">
+                <a:solidFill>
+                  <a:srgbClr val="000000"/>
+                </a:solidFill>
+                <a:miter lim="800000"/>
+                <a:headEnd/>
+                <a:tailEnd/>
+              </a14:hiddenLine>
+            </a:ext>
+          </a:extLst>
+        </p:spPr>
+      </p:pic>
+      <p:sp>
+        <p:nvSpPr>
+          <p:cNvPr id="172" name="Rectangle 171"/>
+          <p:cNvSpPr/>
+          <p:nvPr/>
+        </p:nvSpPr>
+        <p:spPr>
+          <a:xfrm>
+            <a:off x="5561012" y="3175000"/>
+            <a:ext cx="888077" cy="330200"/>
+          </a:xfrm>
+          <a:prstGeom prst="rect">
+            <a:avLst/>
+          </a:prstGeom>
+          <a:solidFill>
+            <a:schemeClr val="bg1"/>
+          </a:solidFill>
+          <a:ln>
+            <a:solidFill>
+              <a:schemeClr val="bg1"/>
+            </a:solidFill>
+          </a:ln>
+          <a:effectLst/>
+        </p:spPr>
+        <p:style>
+          <a:lnRef idx="1">
+            <a:schemeClr val="accent1"/>
+          </a:lnRef>
+          <a:fillRef idx="3">
+            <a:schemeClr val="accent1"/>
+          </a:fillRef>
+          <a:effectRef idx="2">
+            <a:schemeClr val="accent1"/>
+          </a:effectRef>
+          <a:fontRef idx="minor">
+            <a:schemeClr val="lt1"/>
+          </a:fontRef>
+        </p:style>
+        <p:txBody>
+          <a:bodyPr rtlCol="0" anchor="ctr"/>
+          <a:lstStyle/>
+          <a:p>
+            <a:pPr algn="ctr"/>
+            <a:endParaRPr lang="en-US" dirty="0" smtClean="0"/>
+          </a:p>
+        </p:txBody>
+      </p:sp>
+      <p:sp>
+        <p:nvSpPr>
+          <p:cNvPr id="171" name="TextBox 170"/>
+          <p:cNvSpPr txBox="1"/>
+          <p:nvPr/>
+        </p:nvSpPr>
+        <p:spPr>
+          <a:xfrm>
+            <a:off x="5561012" y="3175000"/>
+            <a:ext cx="914400" cy="304800"/>
+          </a:xfrm>
+          <a:prstGeom prst="rect">
+            <a:avLst/>
+          </a:prstGeom>
+          <a:noFill/>
+        </p:spPr>
+        <p:txBody>
+          <a:bodyPr wrap="square" lIns="0" tIns="0" rIns="0" bIns="0" rtlCol="0">
+            <a:noAutofit/>
+          </a:bodyPr>
+          <a:lstStyle/>
+          <a:p>
+            <a:pPr algn="ctr">
+              <a:lnSpc>
+                <a:spcPct val="90000"/>
+              </a:lnSpc>
+            </a:pPr>
+            <a:r>
+              <a:rPr lang="en-US" sz="1200" dirty="0" smtClean="0">
+                <a:latin typeface="Avenir Next"/>
+              </a:rPr>
+              <a:t>Spring Boot </a:t>
+            </a:r>
+            <a:br>
+              <a:rPr lang="en-US" sz="1200" dirty="0" smtClean="0">
+                <a:latin typeface="Avenir Next"/>
+              </a:rPr>
+            </a:br>
+            <a:r>
+              <a:rPr lang="en-US" sz="1200" dirty="0" smtClean="0">
+                <a:latin typeface="Avenir Next"/>
+              </a:rPr>
+              <a:t>Web App</a:t>
+            </a:r>
+          </a:p>
+        </p:txBody>
+      </p:sp>
+      <p:sp>
+        <p:nvSpPr>
+          <p:cNvPr id="182" name="TextBox 181"/>
+          <p:cNvSpPr txBox="1"/>
+          <p:nvPr/>
+        </p:nvSpPr>
+        <p:spPr>
+          <a:xfrm>
+            <a:off x="7085012" y="2209800"/>
+            <a:ext cx="381000" cy="609600"/>
+          </a:xfrm>
+          <a:prstGeom prst="rect">
+            <a:avLst/>
+          </a:prstGeom>
+          <a:noFill/>
+          <a:effectLst>
+            <a:glow rad="101600">
+              <a:schemeClr val="tx1">
+                <a:alpha val="75000"/>
+              </a:schemeClr>
+            </a:glow>
+          </a:effectLst>
+          <a:scene3d>
+            <a:camera prst="orthographicFront"/>
+            <a:lightRig rig="threePt" dir="t"/>
+          </a:scene3d>
+          <a:sp3d>
+            <a:bevelT/>
+          </a:sp3d>
+        </p:spPr>
+        <p:txBody>
+          <a:bodyPr wrap="square" lIns="0" tIns="0" rIns="0" bIns="0" rtlCol="0">
+            <a:noAutofit/>
+          </a:bodyPr>
+          <a:lstStyle/>
+          <a:p>
+            <a:pPr>
+              <a:lnSpc>
+                <a:spcPct val="90000"/>
+              </a:lnSpc>
+            </a:pPr>
+            <a:r>
+              <a:rPr lang="en-US" sz="1400" dirty="0" smtClean="0">
+                <a:latin typeface="Silom"/>
+                <a:cs typeface="Silom"/>
+              </a:rPr>
+              <a:t>1</a:t>
+            </a:r>
+          </a:p>
+        </p:txBody>
+      </p:sp>
+      <p:sp>
+        <p:nvSpPr>
+          <p:cNvPr id="184" name="TextBox 183"/>
+          <p:cNvSpPr txBox="1"/>
+          <p:nvPr/>
+        </p:nvSpPr>
+        <p:spPr>
+          <a:xfrm>
+            <a:off x="3427412" y="1447800"/>
+            <a:ext cx="304800" cy="304800"/>
+          </a:xfrm>
+          <a:prstGeom prst="rect">
+            <a:avLst/>
+          </a:prstGeom>
+          <a:noFill/>
+          <a:effectLst>
+            <a:glow rad="101600">
+              <a:schemeClr val="tx1">
+                <a:alpha val="75000"/>
+              </a:schemeClr>
+            </a:glow>
+          </a:effectLst>
+          <a:scene3d>
+            <a:camera prst="orthographicFront"/>
+            <a:lightRig rig="threePt" dir="t"/>
+          </a:scene3d>
+          <a:sp3d>
+            <a:bevelT/>
+          </a:sp3d>
+        </p:spPr>
+        <p:txBody>
+          <a:bodyPr wrap="square" lIns="0" tIns="0" rIns="0" bIns="0" rtlCol="0">
+            <a:noAutofit/>
+          </a:bodyPr>
+          <a:lstStyle/>
+          <a:p>
+            <a:pPr>
+              <a:lnSpc>
+                <a:spcPct val="90000"/>
+              </a:lnSpc>
+            </a:pPr>
+            <a:r>
+              <a:rPr lang="en-US" sz="1400" dirty="0" smtClean="0">
+                <a:latin typeface="Silom"/>
+                <a:cs typeface="Silom"/>
+              </a:rPr>
+              <a:t>2</a:t>
+            </a:r>
+          </a:p>
+        </p:txBody>
+      </p:sp>
+      <p:sp>
+        <p:nvSpPr>
+          <p:cNvPr id="185" name="TextBox 184"/>
+          <p:cNvSpPr txBox="1"/>
+          <p:nvPr/>
+        </p:nvSpPr>
+        <p:spPr>
+          <a:xfrm>
+            <a:off x="3427412" y="1981200"/>
+            <a:ext cx="304800" cy="304800"/>
+          </a:xfrm>
+          <a:prstGeom prst="rect">
+            <a:avLst/>
+          </a:prstGeom>
+          <a:noFill/>
+          <a:effectLst>
+            <a:glow rad="101600">
+              <a:schemeClr val="tx1">
+                <a:alpha val="75000"/>
+              </a:schemeClr>
+            </a:glow>
+          </a:effectLst>
+          <a:scene3d>
+            <a:camera prst="orthographicFront"/>
+            <a:lightRig rig="threePt" dir="t"/>
+          </a:scene3d>
+          <a:sp3d>
+            <a:bevelT/>
+          </a:sp3d>
+        </p:spPr>
+        <p:txBody>
+          <a:bodyPr wrap="square" lIns="0" tIns="0" rIns="0" bIns="0" rtlCol="0">
+            <a:noAutofit/>
+          </a:bodyPr>
+          <a:lstStyle/>
+          <a:p>
+            <a:pPr>
+              <a:lnSpc>
+                <a:spcPct val="90000"/>
+              </a:lnSpc>
+            </a:pPr>
+            <a:r>
+              <a:rPr lang="en-US" sz="1400" dirty="0">
+                <a:latin typeface="Silom"/>
+                <a:cs typeface="Silom"/>
+              </a:rPr>
+              <a:t>3</a:t>
+            </a:r>
+            <a:endParaRPr lang="en-US" sz="1400" dirty="0" smtClean="0">
+              <a:latin typeface="Silom"/>
+              <a:cs typeface="Silom"/>
+            </a:endParaRPr>
+          </a:p>
+        </p:txBody>
+      </p:sp>
+      <p:cxnSp>
+        <p:nvCxnSpPr>
+          <p:cNvPr id="186" name="Straight Arrow Connector 185"/>
+          <p:cNvCxnSpPr/>
+          <p:nvPr/>
+        </p:nvCxnSpPr>
+        <p:spPr>
+          <a:xfrm flipV="1">
+            <a:off x="2817812" y="1600200"/>
+            <a:ext cx="1447800" cy="1295400"/>
+          </a:xfrm>
+          <a:prstGeom prst="straightConnector1">
+            <a:avLst/>
+          </a:prstGeom>
+          <a:noFill/>
+          <a:ln w="3175" cap="flat" cmpd="sng" algn="ctr">
+            <a:solidFill>
+              <a:srgbClr val="111111">
+                <a:lumMod val="50000"/>
+                <a:lumOff val="50000"/>
+              </a:srgbClr>
+            </a:solidFill>
+            <a:prstDash val="dash"/>
+            <a:tailEnd type="arrow"/>
+          </a:ln>
+          <a:effectLst/>
+        </p:spPr>
+      </p:cxnSp>
+      <p:sp>
+        <p:nvSpPr>
+          <p:cNvPr id="189" name="TextBox 188"/>
+          <p:cNvSpPr txBox="1"/>
+          <p:nvPr/>
+        </p:nvSpPr>
+        <p:spPr>
+          <a:xfrm>
+            <a:off x="3427412" y="2667000"/>
+            <a:ext cx="304800" cy="304800"/>
+          </a:xfrm>
+          <a:prstGeom prst="rect">
+            <a:avLst/>
+          </a:prstGeom>
+          <a:noFill/>
+          <a:effectLst>
+            <a:glow rad="101600">
+              <a:schemeClr val="tx1">
+                <a:alpha val="75000"/>
+              </a:schemeClr>
+            </a:glow>
+          </a:effectLst>
+          <a:scene3d>
+            <a:camera prst="orthographicFront"/>
+            <a:lightRig rig="threePt" dir="t"/>
+          </a:scene3d>
+          <a:sp3d>
+            <a:bevelT/>
+          </a:sp3d>
+        </p:spPr>
+        <p:txBody>
+          <a:bodyPr wrap="square" lIns="0" tIns="0" rIns="0" bIns="0" rtlCol="0">
+            <a:noAutofit/>
+          </a:bodyPr>
+          <a:lstStyle/>
+          <a:p>
+            <a:pPr>
+              <a:lnSpc>
+                <a:spcPct val="90000"/>
+              </a:lnSpc>
+            </a:pPr>
+            <a:r>
+              <a:rPr lang="en-US" sz="1400" dirty="0">
+                <a:latin typeface="Silom"/>
+                <a:cs typeface="Silom"/>
+              </a:rPr>
+              <a:t>4</a:t>
+            </a:r>
+            <a:endParaRPr lang="en-US" sz="1400" dirty="0" smtClean="0">
+              <a:latin typeface="Silom"/>
+              <a:cs typeface="Silom"/>
+            </a:endParaRPr>
+          </a:p>
+        </p:txBody>
+      </p:sp>
+      <p:sp>
+        <p:nvSpPr>
+          <p:cNvPr id="191" name="TextBox 190"/>
+          <p:cNvSpPr txBox="1"/>
+          <p:nvPr/>
+        </p:nvSpPr>
+        <p:spPr>
+          <a:xfrm>
+            <a:off x="3427412" y="3200400"/>
+            <a:ext cx="609600" cy="381000"/>
+          </a:xfrm>
+          <a:prstGeom prst="rect">
+            <a:avLst/>
+          </a:prstGeom>
+          <a:noFill/>
+          <a:effectLst>
+            <a:glow rad="101600">
+              <a:schemeClr val="tx1">
+                <a:alpha val="75000"/>
+              </a:schemeClr>
+            </a:glow>
+          </a:effectLst>
+          <a:scene3d>
+            <a:camera prst="orthographicFront"/>
+            <a:lightRig rig="threePt" dir="t"/>
+          </a:scene3d>
+          <a:sp3d>
+            <a:bevelT/>
+          </a:sp3d>
+        </p:spPr>
+        <p:txBody>
+          <a:bodyPr wrap="square" lIns="0" tIns="0" rIns="0" bIns="0" rtlCol="0">
+            <a:noAutofit/>
+          </a:bodyPr>
+          <a:lstStyle/>
+          <a:p>
+            <a:pPr>
+              <a:lnSpc>
+                <a:spcPct val="90000"/>
+              </a:lnSpc>
+            </a:pPr>
+            <a:r>
+              <a:rPr lang="en-US" sz="1400" dirty="0">
+                <a:latin typeface="Silom"/>
+                <a:cs typeface="Silom"/>
+              </a:rPr>
+              <a:t>5</a:t>
+            </a:r>
+            <a:endParaRPr lang="en-US" sz="1400" dirty="0" smtClean="0">
+              <a:latin typeface="Silom"/>
+              <a:cs typeface="Silom"/>
+            </a:endParaRPr>
+          </a:p>
+        </p:txBody>
+      </p:sp>
+      <p:sp>
+        <p:nvSpPr>
+          <p:cNvPr id="193" name="TextBox 192"/>
+          <p:cNvSpPr txBox="1"/>
+          <p:nvPr/>
+        </p:nvSpPr>
+        <p:spPr>
+          <a:xfrm>
+            <a:off x="3427412" y="3657600"/>
+            <a:ext cx="304800" cy="152400"/>
+          </a:xfrm>
+          <a:prstGeom prst="rect">
+            <a:avLst/>
+          </a:prstGeom>
+          <a:noFill/>
+          <a:effectLst>
+            <a:glow rad="101600">
+              <a:schemeClr val="tx1">
+                <a:alpha val="75000"/>
+              </a:schemeClr>
+            </a:glow>
+          </a:effectLst>
+          <a:scene3d>
+            <a:camera prst="orthographicFront"/>
+            <a:lightRig rig="threePt" dir="t"/>
+          </a:scene3d>
+          <a:sp3d>
+            <a:bevelT/>
+          </a:sp3d>
+        </p:spPr>
+        <p:txBody>
+          <a:bodyPr wrap="square" lIns="0" tIns="0" rIns="0" bIns="0" rtlCol="0">
+            <a:noAutofit/>
+          </a:bodyPr>
+          <a:lstStyle/>
+          <a:p>
+            <a:pPr>
+              <a:lnSpc>
+                <a:spcPct val="90000"/>
+              </a:lnSpc>
+            </a:pPr>
+            <a:r>
+              <a:rPr lang="en-US" sz="1400" dirty="0">
+                <a:latin typeface="Silom"/>
+                <a:cs typeface="Silom"/>
+              </a:rPr>
+              <a:t>6</a:t>
+            </a:r>
+            <a:endParaRPr lang="en-US" sz="1400" dirty="0" smtClean="0">
+              <a:latin typeface="Silom"/>
+              <a:cs typeface="Silom"/>
+            </a:endParaRPr>
+          </a:p>
+        </p:txBody>
+      </p:sp>
+      <p:sp>
+        <p:nvSpPr>
+          <p:cNvPr id="196" name="TextBox 195"/>
+          <p:cNvSpPr txBox="1"/>
+          <p:nvPr/>
+        </p:nvSpPr>
+        <p:spPr>
+          <a:xfrm>
+            <a:off x="7085012" y="3200400"/>
+            <a:ext cx="381000" cy="228600"/>
+          </a:xfrm>
+          <a:prstGeom prst="rect">
+            <a:avLst/>
+          </a:prstGeom>
+          <a:noFill/>
+          <a:effectLst>
+            <a:glow rad="101600">
+              <a:schemeClr val="tx1">
+                <a:alpha val="75000"/>
+              </a:schemeClr>
+            </a:glow>
+          </a:effectLst>
+          <a:scene3d>
+            <a:camera prst="orthographicFront"/>
+            <a:lightRig rig="threePt" dir="t"/>
+          </a:scene3d>
+          <a:sp3d>
+            <a:bevelT/>
+          </a:sp3d>
+        </p:spPr>
+        <p:txBody>
+          <a:bodyPr wrap="square" lIns="0" tIns="0" rIns="0" bIns="0" rtlCol="0">
+            <a:noAutofit/>
+          </a:bodyPr>
+          <a:lstStyle/>
+          <a:p>
+            <a:pPr>
+              <a:lnSpc>
+                <a:spcPct val="90000"/>
+              </a:lnSpc>
+            </a:pPr>
+            <a:r>
+              <a:rPr lang="en-US" sz="1400" dirty="0" smtClean="0">
+                <a:latin typeface="Silom"/>
+                <a:cs typeface="Silom"/>
+              </a:rPr>
+              <a:t>7</a:t>
+            </a:r>
+          </a:p>
+        </p:txBody>
+      </p:sp>
+      <p:cxnSp>
+        <p:nvCxnSpPr>
+          <p:cNvPr id="133" name="Straight Arrow Connector 132"/>
+          <p:cNvCxnSpPr/>
+          <p:nvPr/>
+        </p:nvCxnSpPr>
+        <p:spPr>
+          <a:xfrm>
+            <a:off x="3046412" y="3124200"/>
+            <a:ext cx="838200" cy="0"/>
+          </a:xfrm>
+          <a:prstGeom prst="straightConnector1">
+            <a:avLst/>
+          </a:prstGeom>
+          <a:noFill/>
+          <a:ln w="3175" cap="flat" cmpd="sng" algn="ctr">
+            <a:solidFill>
+              <a:srgbClr val="111111">
+                <a:lumMod val="50000"/>
+                <a:lumOff val="50000"/>
+              </a:srgbClr>
+            </a:solidFill>
+            <a:prstDash val="dash"/>
+            <a:tailEnd type="arrow"/>
+          </a:ln>
+          <a:effectLst/>
+        </p:spPr>
+      </p:cxnSp>
+      <p:cxnSp>
+        <p:nvCxnSpPr>
+          <p:cNvPr id="105" name="Straight Arrow Connector 104"/>
+          <p:cNvCxnSpPr/>
+          <p:nvPr/>
+        </p:nvCxnSpPr>
+        <p:spPr>
+          <a:xfrm>
+            <a:off x="4722812" y="3200400"/>
+            <a:ext cx="609600" cy="0"/>
+          </a:xfrm>
+          <a:prstGeom prst="straightConnector1">
+            <a:avLst/>
+          </a:prstGeom>
+          <a:noFill/>
+          <a:ln w="3175" cap="flat" cmpd="sng" algn="ctr">
+            <a:solidFill>
+              <a:srgbClr val="111111">
+                <a:lumMod val="50000"/>
+                <a:lumOff val="50000"/>
+              </a:srgbClr>
+            </a:solidFill>
+            <a:prstDash val="dash"/>
+            <a:tailEnd type="arrow"/>
+          </a:ln>
+          <a:effectLst/>
+        </p:spPr>
+      </p:cxnSp>
+    </p:spTree>
+    <p:extLst>
+      <p:ext uri="{BB962C8B-B14F-4D97-AF65-F5344CB8AC3E}">
+        <p14:creationId xmlns:p14="http://schemas.microsoft.com/office/powerpoint/2010/main" val="2617511327"/>
+      </p:ext>
+    </p:extLst>
+  </p:cSld>
+  <p:clrMapOvr>
+    <a:masterClrMapping/>
+  </p:clrMapOvr>
+  <p:timing>
+    <p:tnLst>
+      <p:par>
+        <p:cTn xmlns:p14="http://schemas.microsoft.com/office/powerpoint/2010/main" id="1" dur="indefinite" restart="never" nodeType="tmRoot"/>
+      </p:par>
+    </p:tnLst>
+  </p:timing>
+</p:sld>
+</file>
+
+<file path=ppt/slides/slide12.xml><?xml version="1.0" encoding="utf-8"?>
+<p:sld xmlns:a="http://schemas.openxmlformats.org/drawingml/2006/main" xmlns:r="http://schemas.openxmlformats.org/officeDocument/2006/relationships" xmlns:p="http://schemas.openxmlformats.org/presentationml/2006/main">
+  <p:cSld>
+    <p:spTree>
+      <p:nvGrpSpPr>
+        <p:cNvPr id="1" name=""/>
+        <p:cNvGrpSpPr/>
+        <p:nvPr/>
+      </p:nvGrpSpPr>
+      <p:grpSpPr>
+        <a:xfrm>
+          <a:off x="0" y="0"/>
+          <a:ext cx="0" cy="0"/>
+          <a:chOff x="0" y="0"/>
+          <a:chExt cx="0" cy="0"/>
+        </a:xfrm>
+      </p:grpSpPr>
+      <p:sp>
+        <p:nvSpPr>
+          <p:cNvPr id="5" name="Slide Number Placeholder 4"/>
+          <p:cNvSpPr>
+            <a:spLocks noGrp="1"/>
+          </p:cNvSpPr>
+          <p:nvPr>
+            <p:ph type="sldNum" sz="quarter" idx="12"/>
+          </p:nvPr>
+        </p:nvSpPr>
+        <p:spPr>
+          <a:xfrm>
+            <a:off x="7176297" y="5286376"/>
+            <a:ext cx="450733" cy="149224"/>
+          </a:xfrm>
+        </p:spPr>
+        <p:txBody>
+          <a:bodyPr/>
+          <a:lstStyle/>
+          <a:p>
+            <a:fld id="{6EA6D8CF-3CDE-4807-BCD2-C9F2B831AAA5}" type="slidenum">
+              <a:rPr lang="en-US" smtClean="0"/>
+              <a:t>12</a:t>
             </a:fld>
             <a:endParaRPr lang="en-US"/>
           </a:p>
@@ -26299,8 +28784,12 @@
               </a:lnSpc>
             </a:pPr>
             <a:r>
+              <a:rPr lang="en-US" sz="1200" dirty="0" err="1" smtClean="0"/>
+              <a:t>Devops</a:t>
+            </a:r>
+            <a:r>
               <a:rPr lang="en-US" sz="1200" dirty="0" smtClean="0"/>
-              <a:t>Devops vApp</a:t>
+              <a:t> vApp</a:t>
             </a:r>
           </a:p>
         </p:txBody>
@@ -27395,19 +29884,23 @@
               </a:lnSpc>
             </a:pPr>
             <a:r>
-              <a:rPr lang="en-US" sz="1200" b="1" dirty="0">
+              <a:rPr lang="en-US" sz="1200" b="1" dirty="0" err="1">
                 <a:latin typeface="Times"/>
                 <a:cs typeface="Times"/>
               </a:rPr>
               <a:t>d</a:t>
             </a:r>
             <a:r>
-              <a:rPr lang="en-US" sz="1200" b="1" dirty="0" smtClean="0">
+              <a:rPr lang="en-US" sz="1200" b="1" dirty="0" err="1" smtClean="0">
                 <a:latin typeface="Times"/>
                 <a:cs typeface="Times"/>
               </a:rPr>
               <a:t>evops.vcloudair.io</a:t>
             </a:r>
+            <a:endParaRPr lang="en-US" sz="1200" b="1" dirty="0" smtClean="0">
+              <a:latin typeface="Times"/>
+              <a:cs typeface="Times"/>
+            </a:endParaRPr>
           </a:p>
         </p:txBody>
       </p:sp>
@@ -27494,7 +29987,7 @@
 </p:sld>
 </file>
 
-<file path=ppt/slides/slide11.xml><?xml version="1.0" encoding="utf-8"?>
+<file path=ppt/slides/slide13.xml><?xml version="1.0" encoding="utf-8"?>
 <p:sld xmlns:a="http://schemas.openxmlformats.org/drawingml/2006/main" xmlns:r="http://schemas.openxmlformats.org/officeDocument/2006/relationships" xmlns:p="http://schemas.openxmlformats.org/presentationml/2006/main">
   <p:cSld>
     <p:spTree>
@@ -27644,8 +30137,12 @@
           <a:lstStyle/>
           <a:p>
             <a:r>
+              <a:rPr lang="en-US" dirty="0" err="1" smtClean="0"/>
+              <a:t>Devops</a:t>
+            </a:r>
+            <a:r>
               <a:rPr lang="en-US" dirty="0" smtClean="0"/>
-              <a:t>Devops Continuous Integration Demo (Open Source)</a:t>
+              <a:t> Continuous Integration Demo (Open Source)</a:t>
             </a:r>
             <a:endParaRPr lang="en-US" dirty="0"/>
           </a:p>
@@ -27799,8 +30296,12 @@
               </a:lnSpc>
             </a:pPr>
             <a:r>
+              <a:rPr lang="en-US" sz="1200" dirty="0" err="1" smtClean="0"/>
+              <a:t>Devops</a:t>
+            </a:r>
+            <a:r>
               <a:rPr lang="en-US" sz="1200" dirty="0" smtClean="0"/>
-              <a:t>Devops vApp</a:t>
+              <a:t> vApp</a:t>
             </a:r>
           </a:p>
         </p:txBody>
@@ -29646,19 +32147,23 @@
               </a:lnSpc>
             </a:pPr>
             <a:r>
-              <a:rPr lang="en-US" sz="1200" b="1" dirty="0">
+              <a:rPr lang="en-US" sz="1200" b="1" dirty="0" err="1">
                 <a:latin typeface="Times"/>
                 <a:cs typeface="Times"/>
               </a:rPr>
               <a:t>d</a:t>
             </a:r>
             <a:r>
-              <a:rPr lang="en-US" sz="1200" b="1" dirty="0" smtClean="0">
+              <a:rPr lang="en-US" sz="1200" b="1" dirty="0" err="1" smtClean="0">
                 <a:latin typeface="Times"/>
                 <a:cs typeface="Times"/>
               </a:rPr>
               <a:t>evops.vcloudair.io</a:t>
             </a:r>
+            <a:endParaRPr lang="en-US" sz="1200" b="1" dirty="0" smtClean="0">
+              <a:latin typeface="Times"/>
+              <a:cs typeface="Times"/>
+            </a:endParaRPr>
           </a:p>
         </p:txBody>
       </p:sp>
@@ -29969,7 +32474,7 @@
 </p:sld>
 </file>
 
-<file path=ppt/slides/slide12.xml><?xml version="1.0" encoding="utf-8"?>
+<file path=ppt/slides/slide14.xml><?xml version="1.0" encoding="utf-8"?>
 <p:sld xmlns:a="http://schemas.openxmlformats.org/drawingml/2006/main" xmlns:r="http://schemas.openxmlformats.org/officeDocument/2006/relationships" xmlns:p="http://schemas.openxmlformats.org/presentationml/2006/main">
   <p:cSld>
     <p:spTree>
@@ -30119,8 +32624,12 @@
           <a:lstStyle/>
           <a:p>
             <a:r>
+              <a:rPr lang="en-US" dirty="0" err="1" smtClean="0"/>
+              <a:t>Devops</a:t>
+            </a:r>
+            <a:r>
               <a:rPr lang="en-US" dirty="0" smtClean="0"/>
-              <a:t>Devops Continuous Integration Demo (Open Source)</a:t>
+              <a:t> Continuous Integration Demo (Open Source)</a:t>
             </a:r>
             <a:endParaRPr lang="en-US" dirty="0"/>
           </a:p>
@@ -30251,8 +32760,12 @@
               </a:lnSpc>
             </a:pPr>
             <a:r>
+              <a:rPr lang="en-US" sz="1200" dirty="0" err="1" smtClean="0"/>
+              <a:t>Devops</a:t>
+            </a:r>
+            <a:r>
               <a:rPr lang="en-US" sz="1200" dirty="0" smtClean="0"/>
-              <a:t>Devops vApp</a:t>
+              <a:t> vApp</a:t>
             </a:r>
           </a:p>
         </p:txBody>
@@ -31245,19 +33758,23 @@
               </a:lnSpc>
             </a:pPr>
             <a:r>
-              <a:rPr lang="en-US" sz="1200" b="1" dirty="0">
+              <a:rPr lang="en-US" sz="1200" b="1" dirty="0" err="1">
                 <a:latin typeface="Times"/>
                 <a:cs typeface="Times"/>
               </a:rPr>
               <a:t>d</a:t>
             </a:r>
             <a:r>
-              <a:rPr lang="en-US" sz="1200" b="1" dirty="0" smtClean="0">
+              <a:rPr lang="en-US" sz="1200" b="1" dirty="0" err="1" smtClean="0">
                 <a:latin typeface="Times"/>
                 <a:cs typeface="Times"/>
               </a:rPr>
               <a:t>evops.vcloudair.io</a:t>
             </a:r>
+            <a:endParaRPr lang="en-US" sz="1200" b="1" dirty="0" smtClean="0">
+              <a:latin typeface="Times"/>
+              <a:cs typeface="Times"/>
+            </a:endParaRPr>
           </a:p>
         </p:txBody>
       </p:sp>
@@ -31716,7 +34233,7 @@
 </p:sld>
 </file>
 
-<file path=ppt/slides/slide13.xml><?xml version="1.0" encoding="utf-8"?>
+<file path=ppt/slides/slide15.xml><?xml version="1.0" encoding="utf-8"?>
 <p:sld xmlns:a="http://schemas.openxmlformats.org/drawingml/2006/main" xmlns:r="http://schemas.openxmlformats.org/officeDocument/2006/relationships" xmlns:p="http://schemas.openxmlformats.org/presentationml/2006/main">
   <p:cSld>
     <p:spTree>
@@ -31866,8 +34383,12 @@
           <a:lstStyle/>
           <a:p>
             <a:r>
+              <a:rPr lang="en-US" dirty="0" err="1" smtClean="0"/>
+              <a:t>Devops</a:t>
+            </a:r>
+            <a:r>
               <a:rPr lang="en-US" dirty="0" smtClean="0"/>
-              <a:t>Devops Continuous Integration Demo (Open Source)</a:t>
+              <a:t> Continuous Integration Demo (Open Source)</a:t>
             </a:r>
             <a:endParaRPr lang="en-US" dirty="0"/>
           </a:p>
@@ -31969,8 +34490,12 @@
               </a:lnSpc>
             </a:pPr>
             <a:r>
+              <a:rPr lang="en-US" sz="1200" dirty="0" err="1" smtClean="0"/>
+              <a:t>Devops</a:t>
+            </a:r>
+            <a:r>
               <a:rPr lang="en-US" sz="1200" dirty="0" smtClean="0"/>
-              <a:t>Devops vApp</a:t>
+              <a:t> vApp</a:t>
             </a:r>
           </a:p>
         </p:txBody>
@@ -32859,19 +35384,23 @@
               </a:lnSpc>
             </a:pPr>
             <a:r>
-              <a:rPr lang="en-US" sz="1200" b="1" dirty="0">
+              <a:rPr lang="en-US" sz="1200" b="1" dirty="0" err="1">
                 <a:latin typeface="Times"/>
                 <a:cs typeface="Times"/>
               </a:rPr>
               <a:t>d</a:t>
             </a:r>
             <a:r>
-              <a:rPr lang="en-US" sz="1200" b="1" dirty="0" smtClean="0">
+              <a:rPr lang="en-US" sz="1200" b="1" dirty="0" err="1" smtClean="0">
                 <a:latin typeface="Times"/>
                 <a:cs typeface="Times"/>
               </a:rPr>
               <a:t>evops.vcloudair.io</a:t>
             </a:r>
+            <a:endParaRPr lang="en-US" sz="1200" b="1" dirty="0" smtClean="0">
+              <a:latin typeface="Times"/>
+              <a:cs typeface="Times"/>
+            </a:endParaRPr>
           </a:p>
         </p:txBody>
       </p:sp>
@@ -33323,7 +35852,7 @@
 </p:sld>
 </file>
 
-<file path=ppt/slides/slide14.xml><?xml version="1.0" encoding="utf-8"?>
+<file path=ppt/slides/slide16.xml><?xml version="1.0" encoding="utf-8"?>
 <p:sld xmlns:a="http://schemas.openxmlformats.org/drawingml/2006/main" xmlns:r="http://schemas.openxmlformats.org/officeDocument/2006/relationships" xmlns:p="http://schemas.openxmlformats.org/presentationml/2006/main">
   <p:cSld>
     <p:spTree>
@@ -33473,8 +36002,12 @@
           <a:lstStyle/>
           <a:p>
             <a:r>
+              <a:rPr lang="en-US" dirty="0" err="1" smtClean="0"/>
+              <a:t>Devops</a:t>
+            </a:r>
+            <a:r>
               <a:rPr lang="en-US" dirty="0" smtClean="0"/>
-              <a:t>Devops Continuous Integration Demo (Open Source)</a:t>
+              <a:t> Continuous Integration Demo (Open Source)</a:t>
             </a:r>
             <a:endParaRPr lang="en-US" dirty="0"/>
           </a:p>
@@ -33605,8 +36138,12 @@
               </a:lnSpc>
             </a:pPr>
             <a:r>
+              <a:rPr lang="en-US" sz="1200" dirty="0" err="1" smtClean="0"/>
+              <a:t>Devops</a:t>
+            </a:r>
+            <a:r>
               <a:rPr lang="en-US" sz="1200" dirty="0" smtClean="0"/>
-              <a:t>Devops vApp</a:t>
+              <a:t> vApp</a:t>
             </a:r>
           </a:p>
         </p:txBody>
@@ -34569,19 +37106,23 @@
               </a:lnSpc>
             </a:pPr>
             <a:r>
-              <a:rPr lang="en-US" sz="1200" b="1" dirty="0">
+              <a:rPr lang="en-US" sz="1200" b="1" dirty="0" err="1">
                 <a:latin typeface="Times"/>
                 <a:cs typeface="Times"/>
               </a:rPr>
               <a:t>d</a:t>
             </a:r>
             <a:r>
-              <a:rPr lang="en-US" sz="1200" b="1" dirty="0" smtClean="0">
+              <a:rPr lang="en-US" sz="1200" b="1" dirty="0" err="1" smtClean="0">
                 <a:latin typeface="Times"/>
                 <a:cs typeface="Times"/>
               </a:rPr>
               <a:t>evops.vcloudair.io</a:t>
             </a:r>
+            <a:endParaRPr lang="en-US" sz="1200" b="1" dirty="0" smtClean="0">
+              <a:latin typeface="Times"/>
+              <a:cs typeface="Times"/>
+            </a:endParaRPr>
           </a:p>
         </p:txBody>
       </p:sp>
@@ -34989,7 +37530,7 @@
 </p:sld>
 </file>
 
-<file path=ppt/slides/slide15.xml><?xml version="1.0" encoding="utf-8"?>
+<file path=ppt/slides/slide17.xml><?xml version="1.0" encoding="utf-8"?>
 <p:sld xmlns:a="http://schemas.openxmlformats.org/drawingml/2006/main" xmlns:r="http://schemas.openxmlformats.org/officeDocument/2006/relationships" xmlns:p="http://schemas.openxmlformats.org/presentationml/2006/main">
   <p:cSld>
     <p:spTree>
@@ -35065,7 +37606,7 @@
           <a:p>
             <a:fld id="{6EA6D8CF-3CDE-4807-BCD2-C9F2B831AAA5}" type="slidenum">
               <a:rPr lang="en-US" smtClean="0"/>
-              <a:t>15</a:t>
+              <a:t>17</a:t>
             </a:fld>
             <a:endParaRPr lang="en-US"/>
           </a:p>
@@ -35187,7 +37728,7 @@
 </p:sld>
 </file>
 
-<file path=ppt/slides/slide16.xml><?xml version="1.0" encoding="utf-8"?>
+<file path=ppt/slides/slide18.xml><?xml version="1.0" encoding="utf-8"?>
 <p:sld xmlns:a="http://schemas.openxmlformats.org/drawingml/2006/main" xmlns:r="http://schemas.openxmlformats.org/officeDocument/2006/relationships" xmlns:p="http://schemas.openxmlformats.org/presentationml/2006/main">
   <p:cSld>
     <p:spTree>
@@ -35282,7 +37823,7 @@
           <a:p>
             <a:fld id="{6EA6D8CF-3CDE-4807-BCD2-C9F2B831AAA5}" type="slidenum">
               <a:rPr lang="en-US" smtClean="0"/>
-              <a:t>16</a:t>
+              <a:t>18</a:t>
             </a:fld>
             <a:endParaRPr lang="en-US" dirty="0"/>
           </a:p>
@@ -35485,6 +38026,209 @@
       </p:grpSpPr>
       <p:sp>
         <p:nvSpPr>
+          <p:cNvPr id="3" name="Content Placeholder 2"/>
+          <p:cNvSpPr>
+            <a:spLocks noGrp="1"/>
+          </p:cNvSpPr>
+          <p:nvPr>
+            <p:ph idx="1"/>
+          </p:nvPr>
+        </p:nvSpPr>
+        <p:spPr>
+          <a:xfrm>
+            <a:off x="609441" y="1828800"/>
+            <a:ext cx="10969943" cy="4191000"/>
+          </a:xfrm>
+        </p:spPr>
+        <p:txBody>
+          <a:bodyPr/>
+          <a:lstStyle/>
+          <a:p>
+            <a:r>
+              <a:rPr lang="en-US" dirty="0" smtClean="0"/>
+              <a:t>What Is it?</a:t>
+            </a:r>
+          </a:p>
+          <a:p>
+            <a:pPr lvl="1"/>
+            <a:r>
+              <a:rPr lang="en-US" dirty="0" smtClean="0"/>
+              <a:t>A demo of open source DevOps tools running on vCloud Air</a:t>
+            </a:r>
+          </a:p>
+          <a:p>
+            <a:pPr lvl="1"/>
+            <a:r>
+              <a:rPr lang="en-US" dirty="0" smtClean="0"/>
+              <a:t>An Asset for the SE community to support customer discussions regarding DevOps.</a:t>
+            </a:r>
+          </a:p>
+          <a:p>
+            <a:pPr lvl="1"/>
+            <a:r>
+              <a:rPr lang="en-US" dirty="0" smtClean="0"/>
+              <a:t>The samples can be shared with customers.</a:t>
+            </a:r>
+          </a:p>
+          <a:p>
+            <a:pPr lvl="1"/>
+            <a:endParaRPr lang="en-US" dirty="0"/>
+          </a:p>
+          <a:p>
+            <a:r>
+              <a:rPr lang="en-US" dirty="0" smtClean="0"/>
+              <a:t>How does it work?</a:t>
+            </a:r>
+          </a:p>
+          <a:p>
+            <a:pPr lvl="1"/>
+            <a:r>
+              <a:rPr lang="en-US" dirty="0" smtClean="0"/>
+              <a:t>The demo is hosted as the web site </a:t>
+            </a:r>
+          </a:p>
+          <a:p>
+            <a:pPr lvl="1"/>
+            <a:r>
+              <a:rPr lang="en-US" dirty="0" smtClean="0"/>
+              <a:t>It contains running servers for Jenkins, Chef, Selenium and Artifactory.</a:t>
+            </a:r>
+          </a:p>
+          <a:p>
+            <a:pPr lvl="1"/>
+            <a:r>
+              <a:rPr lang="en-US" dirty="0" smtClean="0"/>
+              <a:t>Each scenario describes a Continuous Integration workflow or a partial step of a workflow.</a:t>
+            </a:r>
+          </a:p>
+          <a:p>
+            <a:pPr lvl="1"/>
+            <a:r>
+              <a:rPr lang="en-US" dirty="0" smtClean="0"/>
+              <a:t>Each scenario can be run live through the Jenkins console.</a:t>
+            </a:r>
+          </a:p>
+          <a:p>
+            <a:pPr lvl="1"/>
+            <a:endParaRPr lang="en-US" dirty="0"/>
+          </a:p>
+        </p:txBody>
+      </p:sp>
+      <p:sp>
+        <p:nvSpPr>
+          <p:cNvPr id="4" name="Footer Placeholder 3"/>
+          <p:cNvSpPr>
+            <a:spLocks noGrp="1"/>
+          </p:cNvSpPr>
+          <p:nvPr>
+            <p:ph type="ftr" sz="quarter" idx="11"/>
+          </p:nvPr>
+        </p:nvSpPr>
+        <p:spPr/>
+        <p:txBody>
+          <a:bodyPr/>
+          <a:lstStyle/>
+          <a:p>
+            <a:r>
+              <a:rPr lang="en-US" smtClean="0"/>
+              <a:t>CONFIDENTIAL</a:t>
+            </a:r>
+            <a:endParaRPr lang="en-US" dirty="0"/>
+          </a:p>
+        </p:txBody>
+      </p:sp>
+      <p:sp>
+        <p:nvSpPr>
+          <p:cNvPr id="5" name="Slide Number Placeholder 4"/>
+          <p:cNvSpPr>
+            <a:spLocks noGrp="1"/>
+          </p:cNvSpPr>
+          <p:nvPr>
+            <p:ph type="sldNum" sz="quarter" idx="12"/>
+          </p:nvPr>
+        </p:nvSpPr>
+        <p:spPr/>
+        <p:txBody>
+          <a:bodyPr/>
+          <a:lstStyle/>
+          <a:p>
+            <a:fld id="{6EA6D8CF-3CDE-4807-BCD2-C9F2B831AAA5}" type="slidenum">
+              <a:rPr lang="en-US" smtClean="0"/>
+              <a:t>2</a:t>
+            </a:fld>
+            <a:endParaRPr lang="en-US" dirty="0"/>
+          </a:p>
+        </p:txBody>
+      </p:sp>
+      <p:pic>
+        <p:nvPicPr>
+          <p:cNvPr id="7" name="Picture 6" descr="devopsDemoLogo.png"/>
+          <p:cNvPicPr>
+            <a:picLocks noChangeAspect="1"/>
+          </p:cNvPicPr>
+          <p:nvPr/>
+        </p:nvPicPr>
+        <p:blipFill>
+          <a:blip r:embed="rId3">
+            <a:extLst>
+              <a:ext uri="{28A0092B-C50C-407E-A947-70E740481C1C}">
+                <a14:useLocalDpi xmlns:a14="http://schemas.microsoft.com/office/drawing/2010/main" val="0"/>
+              </a:ext>
+            </a:extLst>
+          </a:blip>
+          <a:stretch>
+            <a:fillRect/>
+          </a:stretch>
+        </p:blipFill>
+        <p:spPr>
+          <a:xfrm>
+            <a:off x="455612" y="228600"/>
+            <a:ext cx="5943600" cy="1181100"/>
+          </a:xfrm>
+          <a:prstGeom prst="rect">
+            <a:avLst/>
+          </a:prstGeom>
+        </p:spPr>
+      </p:pic>
+    </p:spTree>
+    <p:extLst>
+      <p:ext uri="{BB962C8B-B14F-4D97-AF65-F5344CB8AC3E}">
+        <p14:creationId xmlns:p14="http://schemas.microsoft.com/office/powerpoint/2010/main" val="4116046444"/>
+      </p:ext>
+    </p:extLst>
+  </p:cSld>
+  <p:clrMapOvr>
+    <a:masterClrMapping/>
+  </p:clrMapOvr>
+  <p:timing>
+    <p:tnLst>
+      <p:par>
+        <p:cTn xmlns:p14="http://schemas.microsoft.com/office/powerpoint/2010/main" id="1" dur="indefinite" restart="never" nodeType="tmRoot"/>
+      </p:par>
+    </p:tnLst>
+  </p:timing>
+</p:sld>
+</file>
+
+<file path=ppt/slides/slide3.xml><?xml version="1.0" encoding="utf-8"?>
+<p:sld xmlns:a="http://schemas.openxmlformats.org/drawingml/2006/main" xmlns:r="http://schemas.openxmlformats.org/officeDocument/2006/relationships" xmlns:p="http://schemas.openxmlformats.org/presentationml/2006/main">
+  <p:cSld>
+    <p:spTree>
+      <p:nvGrpSpPr>
+        <p:cNvPr id="1" name=""/>
+        <p:cNvGrpSpPr/>
+        <p:nvPr/>
+      </p:nvGrpSpPr>
+      <p:grpSpPr>
+        <a:xfrm>
+          <a:off x="0" y="0"/>
+          <a:ext cx="0" cy="0"/>
+          <a:chOff x="0" y="0"/>
+          <a:chExt cx="0" cy="0"/>
+        </a:xfrm>
+      </p:grpSpPr>
+      <p:sp>
+        <p:nvSpPr>
           <p:cNvPr id="2" name="Title 1"/>
           <p:cNvSpPr>
             <a:spLocks noGrp="1"/>
@@ -35645,7 +38389,7 @@
           <a:p>
             <a:fld id="{6EA6D8CF-3CDE-4807-BCD2-C9F2B831AAA5}" type="slidenum">
               <a:rPr lang="en-US" smtClean="0"/>
-              <a:t>2</a:t>
+              <a:t>3</a:t>
             </a:fld>
             <a:endParaRPr lang="en-US" dirty="0"/>
           </a:p>
@@ -35661,10 +38405,17 @@
   <p:clrMapOvr>
     <a:masterClrMapping/>
   </p:clrMapOvr>
+  <p:timing>
+    <p:tnLst>
+      <p:par>
+        <p:cTn xmlns:p14="http://schemas.microsoft.com/office/powerpoint/2010/main" id="1" dur="indefinite" restart="never" nodeType="tmRoot"/>
+      </p:par>
+    </p:tnLst>
+  </p:timing>
 </p:sld>
 </file>
 
-<file path=ppt/slides/slide3.xml><?xml version="1.0" encoding="utf-8"?>
+<file path=ppt/slides/slide4.xml><?xml version="1.0" encoding="utf-8"?>
 <p:sld xmlns:a="http://schemas.openxmlformats.org/drawingml/2006/main" xmlns:r="http://schemas.openxmlformats.org/officeDocument/2006/relationships" xmlns:p="http://schemas.openxmlformats.org/presentationml/2006/main">
   <p:cSld>
     <p:spTree>
@@ -35732,28 +38483,14 @@
               <a:rPr lang="en-US" dirty="0" smtClean="0">
                 <a:hlinkClick r:id="rId2"/>
               </a:rPr>
-              <a:t>http://</a:t>
-            </a:r>
-            <a:r>
-              <a:rPr lang="en-US" dirty="0" err="1" smtClean="0">
-                <a:hlinkClick r:id="rId2"/>
-              </a:rPr>
-              <a:t>devops.vcloudair.io</a:t>
+              <a:t>http://devops.vcloudair.io</a:t>
             </a:r>
             <a:endParaRPr lang="en-US" dirty="0" smtClean="0"/>
           </a:p>
           <a:p>
             <a:r>
               <a:rPr lang="en-US" dirty="0" smtClean="0"/>
-              <a:t>Packaged as a </a:t>
-            </a:r>
-            <a:r>
-              <a:rPr lang="en-US" dirty="0" err="1" smtClean="0"/>
-              <a:t>vApp</a:t>
-            </a:r>
-            <a:r>
-              <a:rPr lang="en-US" dirty="0" smtClean="0"/>
-              <a:t>, currently deployed to a subscription VDC</a:t>
+              <a:t>Packaged as a vApp, currently deployed to a subscription VDC</a:t>
             </a:r>
             <a:endParaRPr lang="en-US" dirty="0"/>
           </a:p>
@@ -35804,38 +38541,14 @@
           <a:p>
             <a:r>
               <a:rPr lang="en-US" dirty="0" smtClean="0"/>
-              <a:t>Currently a private repo on </a:t>
-            </a:r>
-            <a:r>
-              <a:rPr lang="en-US" dirty="0" err="1" smtClean="0"/>
-              <a:t>GitHub</a:t>
-            </a:r>
-            <a:r>
-              <a:rPr lang="en-US" dirty="0" smtClean="0"/>
-              <a:t> (for now).</a:t>
+              <a:t>Currently a private repo on GitHub (for now).</a:t>
             </a:r>
             <a:endParaRPr lang="en-US" dirty="0"/>
           </a:p>
           <a:p>
             <a:r>
               <a:rPr lang="en-US" dirty="0" smtClean="0"/>
-              <a:t>User ‘</a:t>
-            </a:r>
-            <a:r>
-              <a:rPr lang="en-US" dirty="0" err="1" smtClean="0"/>
-              <a:t>vcadevops</a:t>
-            </a:r>
-            <a:r>
-              <a:rPr lang="en-US" dirty="0" smtClean="0"/>
-              <a:t>’ has </a:t>
-            </a:r>
-            <a:r>
-              <a:rPr lang="en-US" dirty="0" err="1" smtClean="0"/>
-              <a:t>GitHub</a:t>
-            </a:r>
-            <a:r>
-              <a:rPr lang="en-US" dirty="0" smtClean="0"/>
-              <a:t> and vCloud Air Accounts.</a:t>
+              <a:t>User ‘vcadevops’ has GitHub and vCloud Air Accounts.</a:t>
             </a:r>
           </a:p>
           <a:p>
@@ -35883,7 +38596,7 @@
           <a:p>
             <a:fld id="{6EA6D8CF-3CDE-4807-BCD2-C9F2B831AAA5}" type="slidenum">
               <a:rPr lang="en-US" smtClean="0"/>
-              <a:t>3</a:t>
+              <a:t>4</a:t>
             </a:fld>
             <a:endParaRPr lang="en-US" dirty="0"/>
           </a:p>
@@ -35899,10 +38612,145 @@
   <p:clrMapOvr>
     <a:masterClrMapping/>
   </p:clrMapOvr>
+  <p:timing>
+    <p:tnLst>
+      <p:par>
+        <p:cTn xmlns:p14="http://schemas.microsoft.com/office/powerpoint/2010/main" id="1" dur="indefinite" restart="never" nodeType="tmRoot"/>
+      </p:par>
+    </p:tnLst>
+  </p:timing>
 </p:sld>
 </file>
 
-<file path=ppt/slides/slide4.xml><?xml version="1.0" encoding="utf-8"?>
+<file path=ppt/slides/slide5.xml><?xml version="1.0" encoding="utf-8"?>
+<p:sld xmlns:a="http://schemas.openxmlformats.org/drawingml/2006/main" xmlns:r="http://schemas.openxmlformats.org/officeDocument/2006/relationships" xmlns:p="http://schemas.openxmlformats.org/presentationml/2006/main">
+  <p:cSld>
+    <p:spTree>
+      <p:nvGrpSpPr>
+        <p:cNvPr id="1" name=""/>
+        <p:cNvGrpSpPr/>
+        <p:nvPr/>
+      </p:nvGrpSpPr>
+      <p:grpSpPr>
+        <a:xfrm>
+          <a:off x="0" y="0"/>
+          <a:ext cx="0" cy="0"/>
+          <a:chOff x="0" y="0"/>
+          <a:chExt cx="0" cy="0"/>
+        </a:xfrm>
+      </p:grpSpPr>
+      <p:sp>
+        <p:nvSpPr>
+          <p:cNvPr id="4" name="Footer Placeholder 3"/>
+          <p:cNvSpPr>
+            <a:spLocks noGrp="1"/>
+          </p:cNvSpPr>
+          <p:nvPr>
+            <p:ph type="ftr" sz="quarter" idx="11"/>
+          </p:nvPr>
+        </p:nvSpPr>
+        <p:spPr/>
+        <p:txBody>
+          <a:bodyPr/>
+          <a:lstStyle/>
+          <a:p>
+            <a:r>
+              <a:rPr lang="en-US" smtClean="0"/>
+              <a:t>CONFIDENTIAL</a:t>
+            </a:r>
+            <a:endParaRPr lang="en-US" dirty="0"/>
+          </a:p>
+        </p:txBody>
+      </p:sp>
+      <p:sp>
+        <p:nvSpPr>
+          <p:cNvPr id="5" name="Slide Number Placeholder 4"/>
+          <p:cNvSpPr>
+            <a:spLocks noGrp="1"/>
+          </p:cNvSpPr>
+          <p:nvPr>
+            <p:ph type="sldNum" sz="quarter" idx="12"/>
+          </p:nvPr>
+        </p:nvSpPr>
+        <p:spPr/>
+        <p:txBody>
+          <a:bodyPr/>
+          <a:lstStyle/>
+          <a:p>
+            <a:fld id="{6EA6D8CF-3CDE-4807-BCD2-C9F2B831AAA5}" type="slidenum">
+              <a:rPr lang="en-US" smtClean="0"/>
+              <a:t>5</a:t>
+            </a:fld>
+            <a:endParaRPr lang="en-US" dirty="0"/>
+          </a:p>
+        </p:txBody>
+      </p:sp>
+      <p:pic>
+        <p:nvPicPr>
+          <p:cNvPr id="6" name="Picture 5"/>
+          <p:cNvPicPr>
+            <a:picLocks noChangeAspect="1"/>
+          </p:cNvPicPr>
+          <p:nvPr/>
+        </p:nvPicPr>
+        <p:blipFill>
+          <a:blip r:embed="rId2"/>
+          <a:stretch>
+            <a:fillRect/>
+          </a:stretch>
+        </p:blipFill>
+        <p:spPr>
+          <a:xfrm>
+            <a:off x="1598612" y="1066800"/>
+            <a:ext cx="8128000" cy="4699000"/>
+          </a:xfrm>
+          <a:prstGeom prst="rect">
+            <a:avLst/>
+          </a:prstGeom>
+        </p:spPr>
+      </p:pic>
+      <p:sp>
+        <p:nvSpPr>
+          <p:cNvPr id="7" name="Title 1"/>
+          <p:cNvSpPr>
+            <a:spLocks noGrp="1"/>
+          </p:cNvSpPr>
+          <p:nvPr>
+            <p:ph type="title"/>
+          </p:nvPr>
+        </p:nvSpPr>
+        <p:spPr>
+          <a:xfrm>
+            <a:off x="609441" y="330200"/>
+            <a:ext cx="10969943" cy="812800"/>
+          </a:xfrm>
+        </p:spPr>
+        <p:txBody>
+          <a:bodyPr/>
+          <a:lstStyle/>
+          <a:p>
+            <a:r>
+              <a:rPr lang="en-US" dirty="0" smtClean="0"/>
+              <a:t>Demo Details	</a:t>
+            </a:r>
+            <a:endParaRPr lang="en-US" dirty="0"/>
+          </a:p>
+        </p:txBody>
+      </p:sp>
+    </p:spTree>
+    <p:extLst>
+      <p:ext uri="{BB962C8B-B14F-4D97-AF65-F5344CB8AC3E}">
+        <p14:creationId xmlns:p14="http://schemas.microsoft.com/office/powerpoint/2010/main" val="915420965"/>
+      </p:ext>
+    </p:extLst>
+  </p:cSld>
+  <p:clrMapOvr>
+    <a:masterClrMapping/>
+  </p:clrMapOvr>
+</p:sld>
+</file>
+
+<file path=ppt/slides/slide6.xml><?xml version="1.0" encoding="utf-8"?>
 <p:sld xmlns:a="http://schemas.openxmlformats.org/drawingml/2006/main" xmlns:r="http://schemas.openxmlformats.org/officeDocument/2006/relationships" xmlns:p="http://schemas.openxmlformats.org/presentationml/2006/main">
   <p:cSld>
     <p:spTree>
@@ -36035,7 +38883,7 @@
           <a:p>
             <a:fld id="{6EA6D8CF-3CDE-4807-BCD2-C9F2B831AAA5}" type="slidenum">
               <a:rPr lang="en-US" smtClean="0"/>
-              <a:t>4</a:t>
+              <a:t>6</a:t>
             </a:fld>
             <a:endParaRPr lang="en-US" dirty="0"/>
           </a:p>
@@ -36051,10 +38899,17 @@
   <p:clrMapOvr>
     <a:masterClrMapping/>
   </p:clrMapOvr>
+  <p:timing>
+    <p:tnLst>
+      <p:par>
+        <p:cTn xmlns:p14="http://schemas.microsoft.com/office/powerpoint/2010/main" id="1" dur="indefinite" restart="never" nodeType="tmRoot"/>
+      </p:par>
+    </p:tnLst>
+  </p:timing>
 </p:sld>
 </file>
 
-<file path=ppt/slides/slide5.xml><?xml version="1.0" encoding="utf-8"?>
+<file path=ppt/slides/slide7.xml><?xml version="1.0" encoding="utf-8"?>
 <p:sld xmlns:a="http://schemas.openxmlformats.org/drawingml/2006/main" xmlns:r="http://schemas.openxmlformats.org/officeDocument/2006/relationships" xmlns:p="http://schemas.openxmlformats.org/presentationml/2006/main">
   <p:cSld>
     <p:spTree>
@@ -36344,7 +39199,7 @@
           <a:p>
             <a:fld id="{6EA6D8CF-3CDE-4807-BCD2-C9F2B831AAA5}" type="slidenum">
               <a:rPr lang="en-US" smtClean="0"/>
-              <a:t>5</a:t>
+              <a:t>7</a:t>
             </a:fld>
             <a:endParaRPr lang="en-US" dirty="0"/>
           </a:p>
@@ -37002,7 +39857,7 @@
 </p:sld>
 </file>
 
-<file path=ppt/slides/slide6.xml><?xml version="1.0" encoding="utf-8"?>
+<file path=ppt/slides/slide8.xml><?xml version="1.0" encoding="utf-8"?>
 <p:sld xmlns:a="http://schemas.openxmlformats.org/drawingml/2006/main" xmlns:r="http://schemas.openxmlformats.org/officeDocument/2006/relationships" xmlns:p="http://schemas.openxmlformats.org/presentationml/2006/main">
   <p:cSld>
     <p:spTree>
@@ -37157,7 +40012,7 @@
           <a:p>
             <a:fld id="{6EA6D8CF-3CDE-4807-BCD2-C9F2B831AAA5}" type="slidenum">
               <a:rPr lang="en-US" smtClean="0"/>
-              <a:t>6</a:t>
+              <a:t>8</a:t>
             </a:fld>
             <a:endParaRPr lang="en-US"/>
           </a:p>
@@ -40256,7 +43111,7 @@
 </p:sld>
 </file>
 
-<file path=ppt/slides/slide7.xml><?xml version="1.0" encoding="utf-8"?>
+<file path=ppt/slides/slide9.xml><?xml version="1.0" encoding="utf-8"?>
 <p:sld xmlns:a="http://schemas.openxmlformats.org/drawingml/2006/main" xmlns:r="http://schemas.openxmlformats.org/officeDocument/2006/relationships" xmlns:p="http://schemas.openxmlformats.org/presentationml/2006/main">
   <p:cSld>
     <p:spTree>
@@ -40294,8 +43149,12 @@
           <a:lstStyle/>
           <a:p>
             <a:r>
+              <a:rPr lang="en-US" dirty="0" err="1" smtClean="0"/>
+              <a:t>Devops</a:t>
+            </a:r>
+            <a:r>
               <a:rPr lang="en-US" dirty="0" smtClean="0"/>
-              <a:t>Devops Continuous Integration Demo (Open Source)</a:t>
+              <a:t> Continuous Integration Demo (Open Source)</a:t>
             </a:r>
             <a:endParaRPr lang="en-US" dirty="0"/>
           </a:p>
@@ -40323,7 +43182,7 @@
           <a:p>
             <a:fld id="{6EA6D8CF-3CDE-4807-BCD2-C9F2B831AAA5}" type="slidenum">
               <a:rPr lang="en-US" smtClean="0"/>
-              <a:t>7</a:t>
+              <a:t>9</a:t>
             </a:fld>
             <a:endParaRPr lang="en-US"/>
           </a:p>
@@ -43129,12 +45988,8 @@
               <a:buAutoNum type="arabicParenR"/>
             </a:pPr>
             <a:r>
-              <a:rPr lang="en-US" sz="1200" dirty="0" err="1" smtClean="0"/>
-              <a:t>GitHub</a:t>
-            </a:r>
-            <a:r>
               <a:rPr lang="en-US" sz="1200" dirty="0" smtClean="0"/>
-              <a:t> Notifies Jenkins</a:t>
+              <a:t>GitHub Notifies Jenkins</a:t>
             </a:r>
           </a:p>
           <a:p>
@@ -43492,2598 +46347,6 @@
     <p:extLst>
       <p:ext uri="{BB962C8B-B14F-4D97-AF65-F5344CB8AC3E}">
         <p14:creationId xmlns:p14="http://schemas.microsoft.com/office/powerpoint/2010/main" val="2962347732"/>
-      </p:ext>
-    </p:extLst>
-  </p:cSld>
-  <p:clrMapOvr>
-    <a:masterClrMapping/>
-  </p:clrMapOvr>
-  <p:timing>
-    <p:tnLst>
-      <p:par>
-        <p:cTn xmlns:p14="http://schemas.microsoft.com/office/powerpoint/2010/main" id="1" dur="indefinite" restart="never" nodeType="tmRoot"/>
-      </p:par>
-    </p:tnLst>
-  </p:timing>
-</p:sld>
-</file>
-
-<file path=ppt/slides/slide8.xml><?xml version="1.0" encoding="utf-8"?>
-<p:sld xmlns:a="http://schemas.openxmlformats.org/drawingml/2006/main" xmlns:r="http://schemas.openxmlformats.org/officeDocument/2006/relationships" xmlns:p="http://schemas.openxmlformats.org/presentationml/2006/main">
-  <p:cSld>
-    <p:spTree>
-      <p:nvGrpSpPr>
-        <p:cNvPr id="1" name=""/>
-        <p:cNvGrpSpPr/>
-        <p:nvPr/>
-      </p:nvGrpSpPr>
-      <p:grpSpPr>
-        <a:xfrm>
-          <a:off x="0" y="0"/>
-          <a:ext cx="0" cy="0"/>
-          <a:chOff x="0" y="0"/>
-          <a:chExt cx="0" cy="0"/>
-        </a:xfrm>
-      </p:grpSpPr>
-      <p:sp>
-        <p:nvSpPr>
-          <p:cNvPr id="18" name="Rectangle 17"/>
-          <p:cNvSpPr/>
-          <p:nvPr/>
-        </p:nvSpPr>
-        <p:spPr>
-          <a:xfrm>
-            <a:off x="6399212" y="2378075"/>
-            <a:ext cx="2971800" cy="2928491"/>
-          </a:xfrm>
-          <a:prstGeom prst="rect">
-            <a:avLst/>
-          </a:prstGeom>
-          <a:solidFill>
-            <a:srgbClr val="01A1E7">
-              <a:lumMod val="20000"/>
-              <a:lumOff val="80000"/>
-            </a:srgbClr>
-          </a:solidFill>
-          <a:ln w="9525" cap="flat" cmpd="sng" algn="ctr">
-            <a:solidFill>
-              <a:srgbClr val="505050">
-                <a:lumMod val="50000"/>
-              </a:srgbClr>
-            </a:solidFill>
-            <a:prstDash val="solid"/>
-          </a:ln>
-          <a:effectLst/>
-        </p:spPr>
-        <p:txBody>
-          <a:bodyPr lIns="68589" tIns="34295" rIns="68589" bIns="34295" rtlCol="0" anchor="ctr"/>
-          <a:lstStyle/>
-          <a:p>
-            <a:pPr marL="0" marR="0" lvl="0" indent="0" algn="ctr" defTabSz="914400" eaLnBrk="1" fontAlgn="auto" latinLnBrk="0" hangingPunct="1">
-              <a:lnSpc>
-                <a:spcPct val="100000"/>
-              </a:lnSpc>
-              <a:spcBef>
-                <a:spcPts val="0"/>
-              </a:spcBef>
-              <a:spcAft>
-                <a:spcPts val="0"/>
-              </a:spcAft>
-              <a:buClrTx/>
-              <a:buSzTx/>
-              <a:buFontTx/>
-              <a:buNone/>
-              <a:tabLst/>
-              <a:defRPr/>
-            </a:pPr>
-            <a:endParaRPr kumimoji="0" lang="en-US" sz="1800" b="0" i="0" u="none" strike="noStrike" kern="0" cap="none" spc="0" normalizeH="0" baseline="0" noProof="0">
-              <a:ln>
-                <a:noFill/>
-              </a:ln>
-              <a:solidFill>
-                <a:srgbClr val="A0A0A0"/>
-              </a:solidFill>
-              <a:effectLst/>
-              <a:uLnTx/>
-              <a:uFillTx/>
-              <a:latin typeface="Trebuchet MS"/>
-              <a:ea typeface="+mn-ea"/>
-              <a:cs typeface="+mn-cs"/>
-            </a:endParaRPr>
-          </a:p>
-        </p:txBody>
-      </p:sp>
-      <p:sp>
-        <p:nvSpPr>
-          <p:cNvPr id="2" name="Title 1"/>
-          <p:cNvSpPr>
-            <a:spLocks noGrp="1"/>
-          </p:cNvSpPr>
-          <p:nvPr>
-            <p:ph type="title"/>
-          </p:nvPr>
-        </p:nvSpPr>
-        <p:spPr>
-          <a:xfrm>
-            <a:off x="609441" y="41275"/>
-            <a:ext cx="10969943" cy="812800"/>
-          </a:xfrm>
-        </p:spPr>
-        <p:txBody>
-          <a:bodyPr/>
-          <a:lstStyle/>
-          <a:p>
-            <a:r>
-              <a:rPr lang="en-US" dirty="0" smtClean="0"/>
-              <a:t>Continuous Integration</a:t>
-            </a:r>
-            <a:br>
-              <a:rPr lang="en-US" dirty="0" smtClean="0"/>
-            </a:br>
-            <a:r>
-              <a:rPr lang="en-US" sz="1800" dirty="0" smtClean="0"/>
-              <a:t>Pivotal Cloud Foundry on vCloud Air</a:t>
-            </a:r>
-            <a:endParaRPr lang="en-US" sz="1800" dirty="0"/>
-          </a:p>
-        </p:txBody>
-      </p:sp>
-      <p:sp>
-        <p:nvSpPr>
-          <p:cNvPr id="5" name="Slide Number Placeholder 4"/>
-          <p:cNvSpPr>
-            <a:spLocks noGrp="1"/>
-          </p:cNvSpPr>
-          <p:nvPr>
-            <p:ph type="sldNum" sz="quarter" idx="12"/>
-          </p:nvPr>
-        </p:nvSpPr>
-        <p:spPr>
-          <a:xfrm>
-            <a:off x="11597326" y="6175376"/>
-            <a:ext cx="450733" cy="149224"/>
-          </a:xfrm>
-        </p:spPr>
-        <p:txBody>
-          <a:bodyPr/>
-          <a:lstStyle/>
-          <a:p>
-            <a:endParaRPr lang="en-US" dirty="0"/>
-          </a:p>
-        </p:txBody>
-      </p:sp>
-      <p:pic>
-        <p:nvPicPr>
-          <p:cNvPr id="6" name="Picture 5"/>
-          <p:cNvPicPr>
-            <a:picLocks noChangeAspect="1"/>
-          </p:cNvPicPr>
-          <p:nvPr/>
-        </p:nvPicPr>
-        <p:blipFill rotWithShape="1">
-          <a:blip r:embed="rId2" cstate="print">
-            <a:extLst>
-              <a:ext uri="{28A0092B-C50C-407E-A947-70E740481C1C}">
-                <a14:useLocalDpi xmlns:a14="http://schemas.microsoft.com/office/drawing/2010/main"/>
-              </a:ext>
-            </a:extLst>
-          </a:blip>
-          <a:srcRect/>
-          <a:stretch/>
-        </p:blipFill>
-        <p:spPr>
-          <a:xfrm>
-            <a:off x="7839452" y="3815146"/>
-            <a:ext cx="696923" cy="816038"/>
-          </a:xfrm>
-          <a:prstGeom prst="rect">
-            <a:avLst/>
-          </a:prstGeom>
-        </p:spPr>
-      </p:pic>
-      <p:sp>
-        <p:nvSpPr>
-          <p:cNvPr id="8" name="Rectangle 7"/>
-          <p:cNvSpPr/>
-          <p:nvPr/>
-        </p:nvSpPr>
-        <p:spPr>
-          <a:xfrm>
-            <a:off x="6724508" y="2954784"/>
-            <a:ext cx="1811867" cy="1828800"/>
-          </a:xfrm>
-          <a:prstGeom prst="rect">
-            <a:avLst/>
-          </a:prstGeom>
-          <a:noFill/>
-          <a:ln/>
-        </p:spPr>
-        <p:style>
-          <a:lnRef idx="1">
-            <a:schemeClr val="accent1"/>
-          </a:lnRef>
-          <a:fillRef idx="3">
-            <a:schemeClr val="accent1"/>
-          </a:fillRef>
-          <a:effectRef idx="2">
-            <a:schemeClr val="accent1"/>
-          </a:effectRef>
-          <a:fontRef idx="minor">
-            <a:schemeClr val="lt1"/>
-          </a:fontRef>
-        </p:style>
-        <p:txBody>
-          <a:bodyPr rtlCol="0" anchor="ctr"/>
-          <a:lstStyle/>
-          <a:p>
-            <a:pPr algn="ctr"/>
-            <a:endParaRPr lang="en-US" dirty="0" smtClean="0"/>
-          </a:p>
-        </p:txBody>
-      </p:sp>
-      <p:grpSp>
-        <p:nvGrpSpPr>
-          <p:cNvPr id="9" name="Group 8"/>
-          <p:cNvGrpSpPr/>
-          <p:nvPr/>
-        </p:nvGrpSpPr>
-        <p:grpSpPr>
-          <a:xfrm>
-            <a:off x="6859975" y="2954784"/>
-            <a:ext cx="1676400" cy="885124"/>
-            <a:chOff x="6355239" y="156543"/>
-            <a:chExt cx="713910" cy="596840"/>
-          </a:xfrm>
-        </p:grpSpPr>
-        <p:pic>
-          <p:nvPicPr>
-            <p:cNvPr id="11" name="Picture 10"/>
-            <p:cNvPicPr>
-              <a:picLocks noChangeAspect="1"/>
-            </p:cNvPicPr>
-            <p:nvPr/>
-          </p:nvPicPr>
-          <p:blipFill>
-            <a:blip r:embed="rId3"/>
-            <a:stretch>
-              <a:fillRect/>
-            </a:stretch>
-          </p:blipFill>
-          <p:spPr>
-            <a:xfrm>
-              <a:off x="6514108" y="156543"/>
-              <a:ext cx="396172" cy="396172"/>
-            </a:xfrm>
-            <a:prstGeom prst="rect">
-              <a:avLst/>
-            </a:prstGeom>
-            <a:ln>
-              <a:noFill/>
-            </a:ln>
-          </p:spPr>
-        </p:pic>
-        <p:pic>
-          <p:nvPicPr>
-            <p:cNvPr id="12" name="Picture 11"/>
-            <p:cNvPicPr>
-              <a:picLocks noChangeAspect="1"/>
-            </p:cNvPicPr>
-            <p:nvPr/>
-          </p:nvPicPr>
-          <p:blipFill>
-            <a:blip r:embed="rId4" cstate="print">
-              <a:extLst>
-                <a:ext uri="{28A0092B-C50C-407E-A947-70E740481C1C}">
-                  <a14:useLocalDpi xmlns:a14="http://schemas.microsoft.com/office/drawing/2010/main"/>
-                </a:ext>
-              </a:extLst>
-            </a:blip>
-            <a:stretch>
-              <a:fillRect/>
-            </a:stretch>
-          </p:blipFill>
-          <p:spPr>
-            <a:xfrm>
-              <a:off x="6355239" y="487505"/>
-              <a:ext cx="713910" cy="265878"/>
-            </a:xfrm>
-            <a:prstGeom prst="rect">
-              <a:avLst/>
-            </a:prstGeom>
-            <a:ln>
-              <a:noFill/>
-            </a:ln>
-          </p:spPr>
-        </p:pic>
-      </p:grpSp>
-      <p:sp>
-        <p:nvSpPr>
-          <p:cNvPr id="10" name="Rectangle 9"/>
-          <p:cNvSpPr/>
-          <p:nvPr/>
-        </p:nvSpPr>
-        <p:spPr>
-          <a:xfrm>
-            <a:off x="6724508" y="2954784"/>
-            <a:ext cx="1811867" cy="838200"/>
-          </a:xfrm>
-          <a:prstGeom prst="rect">
-            <a:avLst/>
-          </a:prstGeom>
-          <a:noFill/>
-          <a:ln/>
-        </p:spPr>
-        <p:style>
-          <a:lnRef idx="1">
-            <a:schemeClr val="accent1"/>
-          </a:lnRef>
-          <a:fillRef idx="3">
-            <a:schemeClr val="accent1"/>
-          </a:fillRef>
-          <a:effectRef idx="2">
-            <a:schemeClr val="accent1"/>
-          </a:effectRef>
-          <a:fontRef idx="minor">
-            <a:schemeClr val="lt1"/>
-          </a:fontRef>
-        </p:style>
-        <p:txBody>
-          <a:bodyPr rtlCol="0" anchor="ctr"/>
-          <a:lstStyle/>
-          <a:p>
-            <a:pPr algn="ctr"/>
-            <a:endParaRPr lang="en-US" dirty="0" smtClean="0"/>
-          </a:p>
-        </p:txBody>
-      </p:sp>
-      <p:sp>
-        <p:nvSpPr>
-          <p:cNvPr id="13" name="Rectangle 12"/>
-          <p:cNvSpPr/>
-          <p:nvPr/>
-        </p:nvSpPr>
-        <p:spPr>
-          <a:xfrm>
-            <a:off x="6856412" y="4359275"/>
-            <a:ext cx="838200" cy="304800"/>
-          </a:xfrm>
-          <a:prstGeom prst="rect">
-            <a:avLst/>
-          </a:prstGeom>
-          <a:solidFill>
-            <a:srgbClr val="5ECCFE">
-              <a:lumMod val="75000"/>
-            </a:srgbClr>
-          </a:solidFill>
-          <a:ln w="3175" cap="flat" cmpd="sng" algn="ctr">
-            <a:solidFill>
-              <a:srgbClr val="505050"/>
-            </a:solidFill>
-            <a:prstDash val="solid"/>
-          </a:ln>
-          <a:effectLst/>
-        </p:spPr>
-        <p:txBody>
-          <a:bodyPr rtlCol="0" anchor="b"/>
-          <a:lstStyle/>
-          <a:p>
-            <a:pPr marL="0" marR="0" lvl="0" indent="0" algn="ctr" defTabSz="914400" eaLnBrk="1" fontAlgn="auto" latinLnBrk="0" hangingPunct="1">
-              <a:lnSpc>
-                <a:spcPct val="100000"/>
-              </a:lnSpc>
-              <a:spcBef>
-                <a:spcPts val="0"/>
-              </a:spcBef>
-              <a:spcAft>
-                <a:spcPts val="0"/>
-              </a:spcAft>
-              <a:buClrTx/>
-              <a:buSzTx/>
-              <a:buFontTx/>
-              <a:buNone/>
-              <a:tabLst/>
-              <a:defRPr/>
-            </a:pPr>
-            <a:r>
-              <a:rPr lang="en-US" sz="1600" kern="0" dirty="0" err="1" smtClean="0">
-                <a:solidFill>
-                  <a:srgbClr val="FFFFFF"/>
-                </a:solidFill>
-                <a:latin typeface="Ubuntu"/>
-                <a:cs typeface="Ubuntu"/>
-              </a:rPr>
-              <a:t>mCare</a:t>
-            </a:r>
-            <a:endParaRPr kumimoji="0" lang="en-US" sz="1600" b="0" i="0" u="none" strike="noStrike" kern="0" cap="none" spc="0" normalizeH="0" baseline="0" noProof="0" dirty="0">
-              <a:ln>
-                <a:noFill/>
-              </a:ln>
-              <a:solidFill>
-                <a:srgbClr val="FFFFFF"/>
-              </a:solidFill>
-              <a:effectLst/>
-              <a:uLnTx/>
-              <a:uFillTx/>
-              <a:latin typeface="Ubuntu"/>
-              <a:cs typeface="Ubuntu"/>
-            </a:endParaRPr>
-          </a:p>
-        </p:txBody>
-      </p:sp>
-      <p:pic>
-        <p:nvPicPr>
-          <p:cNvPr id="17" name="Picture 16"/>
-          <p:cNvPicPr>
-            <a:picLocks noChangeAspect="1"/>
-          </p:cNvPicPr>
-          <p:nvPr/>
-        </p:nvPicPr>
-        <p:blipFill>
-          <a:blip r:embed="rId5">
-            <a:clrChange>
-              <a:clrFrom>
-                <a:srgbClr val="FFFFFF"/>
-              </a:clrFrom>
-              <a:clrTo>
-                <a:srgbClr val="FFFFFF">
-                  <a:alpha val="0"/>
-                </a:srgbClr>
-              </a:clrTo>
-            </a:clrChange>
-          </a:blip>
-          <a:stretch>
-            <a:fillRect/>
-          </a:stretch>
-        </p:blipFill>
-        <p:spPr>
-          <a:xfrm>
-            <a:off x="10133012" y="1235075"/>
-            <a:ext cx="1371600" cy="914400"/>
-          </a:xfrm>
-          <a:prstGeom prst="rect">
-            <a:avLst/>
-          </a:prstGeom>
-        </p:spPr>
-      </p:pic>
-      <p:sp>
-        <p:nvSpPr>
-          <p:cNvPr id="20" name="Cloud 19"/>
-          <p:cNvSpPr/>
-          <p:nvPr/>
-        </p:nvSpPr>
-        <p:spPr>
-          <a:xfrm>
-            <a:off x="8688775" y="1964184"/>
-            <a:ext cx="1215637" cy="754412"/>
-          </a:xfrm>
-          <a:prstGeom prst="cloud">
-            <a:avLst/>
-          </a:prstGeom>
-          <a:gradFill flip="none" rotWithShape="1">
-            <a:gsLst>
-              <a:gs pos="48000">
-                <a:srgbClr val="FFFFFF"/>
-              </a:gs>
-              <a:gs pos="100000">
-                <a:srgbClr val="01A1E7">
-                  <a:lumMod val="60000"/>
-                  <a:lumOff val="40000"/>
-                </a:srgbClr>
-              </a:gs>
-            </a:gsLst>
-            <a:path path="circle">
-              <a:fillToRect l="50000" t="50000" r="50000" b="50000"/>
-            </a:path>
-            <a:tileRect/>
-          </a:gradFill>
-          <a:ln w="38100" cap="flat" cmpd="sng" algn="ctr">
-            <a:solidFill>
-              <a:srgbClr val="01A1E7">
-                <a:shade val="95000"/>
-                <a:satMod val="105000"/>
-              </a:srgbClr>
-            </a:solidFill>
-            <a:prstDash val="solid"/>
-          </a:ln>
-          <a:effectLst/>
-        </p:spPr>
-        <p:txBody>
-          <a:bodyPr lIns="68589" tIns="34295" rIns="68589" bIns="34295" rtlCol="0" anchor="ctr"/>
-          <a:lstStyle/>
-          <a:p>
-            <a:pPr marL="0" marR="0" lvl="0" indent="0" algn="ctr" defTabSz="914400" eaLnBrk="1" fontAlgn="auto" latinLnBrk="0" hangingPunct="1">
-              <a:lnSpc>
-                <a:spcPct val="100000"/>
-              </a:lnSpc>
-              <a:spcBef>
-                <a:spcPts val="0"/>
-              </a:spcBef>
-              <a:spcAft>
-                <a:spcPts val="0"/>
-              </a:spcAft>
-              <a:buClrTx/>
-              <a:buSzTx/>
-              <a:buFontTx/>
-              <a:buNone/>
-              <a:tabLst/>
-              <a:defRPr/>
-            </a:pPr>
-            <a:endParaRPr kumimoji="0" lang="en-US" sz="1800" b="0" i="0" u="none" strike="noStrike" kern="0" cap="none" spc="0" normalizeH="0" baseline="0" noProof="0" dirty="0">
-              <a:ln>
-                <a:noFill/>
-              </a:ln>
-              <a:solidFill>
-                <a:srgbClr val="A0A0A0"/>
-              </a:solidFill>
-              <a:effectLst/>
-              <a:uLnTx/>
-              <a:uFillTx/>
-              <a:latin typeface="Trebuchet MS"/>
-              <a:ea typeface="+mn-ea"/>
-              <a:cs typeface="+mn-cs"/>
-            </a:endParaRPr>
-          </a:p>
-        </p:txBody>
-      </p:sp>
-      <p:pic>
-        <p:nvPicPr>
-          <p:cNvPr id="21" name="Picture 20"/>
-          <p:cNvPicPr>
-            <a:picLocks noChangeAspect="1"/>
-          </p:cNvPicPr>
-          <p:nvPr/>
-        </p:nvPicPr>
-        <p:blipFill>
-          <a:blip r:embed="rId6"/>
-          <a:stretch>
-            <a:fillRect/>
-          </a:stretch>
-        </p:blipFill>
-        <p:spPr>
-          <a:xfrm>
-            <a:off x="8965492" y="2063150"/>
-            <a:ext cx="730423" cy="457405"/>
-          </a:xfrm>
-          <a:prstGeom prst="rect">
-            <a:avLst/>
-          </a:prstGeom>
-        </p:spPr>
-      </p:pic>
-      <p:cxnSp>
-        <p:nvCxnSpPr>
-          <p:cNvPr id="22" name="Straight Arrow Connector 21"/>
-          <p:cNvCxnSpPr/>
-          <p:nvPr/>
-        </p:nvCxnSpPr>
-        <p:spPr>
-          <a:xfrm flipH="1">
-            <a:off x="8609012" y="2301875"/>
-            <a:ext cx="1905000" cy="1752600"/>
-          </a:xfrm>
-          <a:prstGeom prst="straightConnector1">
-            <a:avLst/>
-          </a:prstGeom>
-          <a:noFill/>
-          <a:ln w="3175" cap="flat" cmpd="sng" algn="ctr">
-            <a:solidFill>
-              <a:srgbClr val="111111">
-                <a:lumMod val="50000"/>
-                <a:lumOff val="50000"/>
-              </a:srgbClr>
-            </a:solidFill>
-            <a:prstDash val="dash"/>
-            <a:tailEnd type="arrow"/>
-          </a:ln>
-          <a:effectLst/>
-        </p:spPr>
-      </p:cxnSp>
-      <p:pic>
-        <p:nvPicPr>
-          <p:cNvPr id="32" name="Picture 26" descr="MCj04339440000[1]"/>
-          <p:cNvPicPr>
-            <a:picLocks noChangeAspect="1" noChangeArrowheads="1"/>
-          </p:cNvPicPr>
-          <p:nvPr/>
-        </p:nvPicPr>
-        <p:blipFill>
-          <a:blip r:embed="rId7">
-            <a:extLst>
-              <a:ext uri="{28A0092B-C50C-407E-A947-70E740481C1C}">
-                <a14:useLocalDpi xmlns:a14="http://schemas.microsoft.com/office/drawing/2010/main" val="0"/>
-              </a:ext>
-            </a:extLst>
-          </a:blip>
-          <a:srcRect/>
-          <a:stretch>
-            <a:fillRect/>
-          </a:stretch>
-        </p:blipFill>
-        <p:spPr bwMode="auto">
-          <a:xfrm>
-            <a:off x="10514012" y="4206875"/>
-            <a:ext cx="685800" cy="685800"/>
-          </a:xfrm>
-          <a:prstGeom prst="rect">
-            <a:avLst/>
-          </a:prstGeom>
-          <a:noFill/>
-          <a:ln>
-            <a:noFill/>
-          </a:ln>
-          <a:extLst>
-            <a:ext uri="{909E8E84-426E-40dd-AFC4-6F175D3DCCD1}">
-              <a14:hiddenFill xmlns:a14="http://schemas.microsoft.com/office/drawing/2010/main">
-                <a:solidFill>
-                  <a:srgbClr val="FFFFFF"/>
-                </a:solidFill>
-              </a14:hiddenFill>
-            </a:ext>
-            <a:ext uri="{91240B29-F687-4f45-9708-019B960494DF}">
-              <a14:hiddenLine xmlns:a14="http://schemas.microsoft.com/office/drawing/2010/main" w="9525">
-                <a:solidFill>
-                  <a:srgbClr val="000000"/>
-                </a:solidFill>
-                <a:miter lim="800000"/>
-                <a:headEnd/>
-                <a:tailEnd/>
-              </a14:hiddenLine>
-            </a:ext>
-          </a:extLst>
-        </p:spPr>
-      </p:pic>
-      <p:cxnSp>
-        <p:nvCxnSpPr>
-          <p:cNvPr id="33" name="Straight Arrow Connector 32"/>
-          <p:cNvCxnSpPr/>
-          <p:nvPr/>
-        </p:nvCxnSpPr>
-        <p:spPr>
-          <a:xfrm flipV="1">
-            <a:off x="10895012" y="2225675"/>
-            <a:ext cx="0" cy="1828800"/>
-          </a:xfrm>
-          <a:prstGeom prst="straightConnector1">
-            <a:avLst/>
-          </a:prstGeom>
-          <a:noFill/>
-          <a:ln w="3175" cap="flat" cmpd="sng" algn="ctr">
-            <a:solidFill>
-              <a:srgbClr val="111111">
-                <a:lumMod val="50000"/>
-                <a:lumOff val="50000"/>
-              </a:srgbClr>
-            </a:solidFill>
-            <a:prstDash val="dash"/>
-            <a:tailEnd type="arrow"/>
-          </a:ln>
-          <a:effectLst/>
-        </p:spPr>
-      </p:cxnSp>
-      <p:cxnSp>
-        <p:nvCxnSpPr>
-          <p:cNvPr id="47" name="Straight Arrow Connector 46"/>
-          <p:cNvCxnSpPr/>
-          <p:nvPr/>
-        </p:nvCxnSpPr>
-        <p:spPr>
-          <a:xfrm flipH="1">
-            <a:off x="7770812" y="4664075"/>
-            <a:ext cx="2514600" cy="0"/>
-          </a:xfrm>
-          <a:prstGeom prst="straightConnector1">
-            <a:avLst/>
-          </a:prstGeom>
-          <a:noFill/>
-          <a:ln w="3175" cap="flat" cmpd="sng" algn="ctr">
-            <a:solidFill>
-              <a:srgbClr val="111111">
-                <a:lumMod val="50000"/>
-                <a:lumOff val="50000"/>
-              </a:srgbClr>
-            </a:solidFill>
-            <a:prstDash val="dash"/>
-            <a:tailEnd type="arrow"/>
-          </a:ln>
-          <a:effectLst/>
-        </p:spPr>
-      </p:cxnSp>
-      <p:sp>
-        <p:nvSpPr>
-          <p:cNvPr id="52" name="Content Placeholder 2"/>
-          <p:cNvSpPr>
-            <a:spLocks noGrp="1"/>
-          </p:cNvSpPr>
-          <p:nvPr>
-            <p:ph idx="1"/>
-          </p:nvPr>
-        </p:nvSpPr>
-        <p:spPr>
-          <a:xfrm>
-            <a:off x="303212" y="1219200"/>
-            <a:ext cx="5943600" cy="4648200"/>
-          </a:xfrm>
-        </p:spPr>
-        <p:txBody>
-          <a:bodyPr/>
-          <a:lstStyle/>
-          <a:p>
-            <a:pPr lvl="1"/>
-            <a:endParaRPr lang="en-US" dirty="0" smtClean="0"/>
-          </a:p>
-          <a:p>
-            <a:pPr marL="274320" lvl="1" indent="0">
-              <a:buNone/>
-            </a:pPr>
-            <a:r>
-              <a:rPr lang="en-US" sz="2000" dirty="0" smtClean="0"/>
-              <a:t>A web app deployed on PCF is managed with  Continuous Integration</a:t>
-            </a:r>
-          </a:p>
-          <a:p>
-            <a:pPr lvl="1"/>
-            <a:endParaRPr lang="en-US" sz="2000" dirty="0"/>
-          </a:p>
-          <a:p>
-            <a:pPr marL="274320" lvl="1" indent="0">
-              <a:buNone/>
-            </a:pPr>
-            <a:r>
-              <a:rPr lang="en-US" sz="2000" dirty="0" smtClean="0"/>
-              <a:t>1) The Developer commits changes to </a:t>
-            </a:r>
-            <a:r>
-              <a:rPr lang="en-US" sz="2000" dirty="0" err="1" smtClean="0"/>
-              <a:t>GitHub</a:t>
-            </a:r>
-            <a:endParaRPr lang="en-US" sz="2000" dirty="0" smtClean="0"/>
-          </a:p>
-          <a:p>
-            <a:pPr marL="274320" lvl="1" indent="0">
-              <a:buNone/>
-            </a:pPr>
-            <a:r>
-              <a:rPr lang="en-US" sz="2000" dirty="0" smtClean="0"/>
-              <a:t>2) </a:t>
-            </a:r>
-            <a:r>
-              <a:rPr lang="en-US" sz="2000" dirty="0" err="1" smtClean="0"/>
-              <a:t>GitHub</a:t>
-            </a:r>
-            <a:r>
-              <a:rPr lang="en-US" sz="2000" dirty="0" smtClean="0"/>
-              <a:t> notifies Jenkins</a:t>
-            </a:r>
-          </a:p>
-          <a:p>
-            <a:pPr marL="274320" lvl="1" indent="0">
-              <a:buNone/>
-            </a:pPr>
-            <a:r>
-              <a:rPr lang="en-US" sz="2000" dirty="0" smtClean="0"/>
-              <a:t>3) Jenkins co-ordinates </a:t>
-            </a:r>
-          </a:p>
-          <a:p>
-            <a:pPr marL="274320" lvl="1" indent="0">
-              <a:buNone/>
-            </a:pPr>
-            <a:r>
-              <a:rPr lang="en-US" sz="2000" dirty="0"/>
-              <a:t> </a:t>
-            </a:r>
-            <a:r>
-              <a:rPr lang="en-US" sz="2000" dirty="0" smtClean="0"/>
-              <a:t>   - Code Checkout from </a:t>
-            </a:r>
-            <a:r>
-              <a:rPr lang="en-US" sz="2000" dirty="0" err="1" smtClean="0"/>
-              <a:t>GitHub</a:t>
-            </a:r>
-            <a:endParaRPr lang="en-US" sz="2000" dirty="0" smtClean="0"/>
-          </a:p>
-          <a:p>
-            <a:pPr marL="274320" lvl="1" indent="0">
-              <a:buNone/>
-            </a:pPr>
-            <a:r>
-              <a:rPr lang="en-US" sz="2000" dirty="0"/>
-              <a:t> </a:t>
-            </a:r>
-            <a:r>
-              <a:rPr lang="en-US" sz="2000" dirty="0" smtClean="0"/>
-              <a:t>   - Builds the new version of the app</a:t>
-            </a:r>
-          </a:p>
-          <a:p>
-            <a:pPr marL="274320" lvl="1" indent="0">
-              <a:buNone/>
-            </a:pPr>
-            <a:r>
-              <a:rPr lang="en-US" sz="2000" dirty="0" smtClean="0"/>
-              <a:t>    - Deploys new and old versions </a:t>
-            </a:r>
-            <a:r>
-              <a:rPr lang="en-US" sz="2000" dirty="0"/>
-              <a:t>s</a:t>
-            </a:r>
-            <a:r>
-              <a:rPr lang="en-US" sz="2000" dirty="0" smtClean="0"/>
-              <a:t>ide </a:t>
-            </a:r>
-            <a:r>
-              <a:rPr lang="en-US" sz="2000" dirty="0"/>
-              <a:t>by s</a:t>
-            </a:r>
-            <a:r>
-              <a:rPr lang="en-US" sz="2000" dirty="0" smtClean="0"/>
-              <a:t>ide</a:t>
-            </a:r>
-          </a:p>
-          <a:p>
-            <a:pPr marL="274320" lvl="1" indent="0">
-              <a:buNone/>
-            </a:pPr>
-            <a:r>
-              <a:rPr lang="en-US" sz="2000" dirty="0"/>
-              <a:t> </a:t>
-            </a:r>
-            <a:r>
-              <a:rPr lang="en-US" sz="2000" dirty="0" smtClean="0"/>
-              <a:t>   - Unit Test new version</a:t>
-            </a:r>
-          </a:p>
-          <a:p>
-            <a:pPr marL="274320" lvl="1" indent="0">
-              <a:buNone/>
-            </a:pPr>
-            <a:r>
-              <a:rPr lang="en-US" sz="2000" dirty="0"/>
-              <a:t> </a:t>
-            </a:r>
-            <a:r>
-              <a:rPr lang="en-US" sz="2000" dirty="0" smtClean="0"/>
-              <a:t>   - If tests succeed, cutover to new app version</a:t>
-            </a:r>
-          </a:p>
-          <a:p>
-            <a:pPr marL="274320" lvl="1" indent="0">
-              <a:buNone/>
-            </a:pPr>
-            <a:r>
-              <a:rPr lang="en-US" sz="2000" dirty="0" smtClean="0"/>
-              <a:t>4) Developer has access to new version</a:t>
-            </a:r>
-            <a:endParaRPr lang="en-US" sz="2000" dirty="0"/>
-          </a:p>
-          <a:p>
-            <a:pPr lvl="1"/>
-            <a:endParaRPr lang="en-US" sz="2000" dirty="0" smtClean="0"/>
-          </a:p>
-          <a:p>
-            <a:pPr marL="274320" lvl="1" indent="0">
-              <a:buNone/>
-            </a:pPr>
-            <a:endParaRPr lang="en-US" dirty="0" smtClean="0"/>
-          </a:p>
-          <a:p>
-            <a:pPr lvl="1"/>
-            <a:endParaRPr lang="en-US" dirty="0" smtClean="0"/>
-          </a:p>
-          <a:p>
-            <a:pPr lvl="1"/>
-            <a:endParaRPr lang="en-US" dirty="0" smtClean="0"/>
-          </a:p>
-        </p:txBody>
-      </p:sp>
-      <p:sp>
-        <p:nvSpPr>
-          <p:cNvPr id="53" name="TextBox 52"/>
-          <p:cNvSpPr txBox="1"/>
-          <p:nvPr/>
-        </p:nvSpPr>
-        <p:spPr>
-          <a:xfrm>
-            <a:off x="11123612" y="3825875"/>
-            <a:ext cx="304800" cy="457200"/>
-          </a:xfrm>
-          <a:prstGeom prst="rect">
-            <a:avLst/>
-          </a:prstGeom>
-          <a:noFill/>
-          <a:effectLst>
-            <a:glow rad="101600">
-              <a:schemeClr val="tx1">
-                <a:alpha val="75000"/>
-              </a:schemeClr>
-            </a:glow>
-          </a:effectLst>
-          <a:scene3d>
-            <a:camera prst="orthographicFront"/>
-            <a:lightRig rig="threePt" dir="t"/>
-          </a:scene3d>
-          <a:sp3d>
-            <a:bevelT/>
-          </a:sp3d>
-        </p:spPr>
-        <p:txBody>
-          <a:bodyPr wrap="square" lIns="0" tIns="0" rIns="0" bIns="0" rtlCol="0">
-            <a:noAutofit/>
-          </a:bodyPr>
-          <a:lstStyle/>
-          <a:p>
-            <a:pPr>
-              <a:lnSpc>
-                <a:spcPct val="90000"/>
-              </a:lnSpc>
-            </a:pPr>
-            <a:r>
-              <a:rPr lang="en-US" sz="1400" dirty="0" smtClean="0">
-                <a:latin typeface="Silom"/>
-                <a:cs typeface="Silom"/>
-              </a:rPr>
-              <a:t>1</a:t>
-            </a:r>
-          </a:p>
-        </p:txBody>
-      </p:sp>
-      <p:sp>
-        <p:nvSpPr>
-          <p:cNvPr id="54" name="TextBox 53"/>
-          <p:cNvSpPr txBox="1"/>
-          <p:nvPr/>
-        </p:nvSpPr>
-        <p:spPr>
-          <a:xfrm>
-            <a:off x="10209212" y="2759075"/>
-            <a:ext cx="304800" cy="457200"/>
-          </a:xfrm>
-          <a:prstGeom prst="rect">
-            <a:avLst/>
-          </a:prstGeom>
-          <a:noFill/>
-          <a:effectLst>
-            <a:glow rad="101600">
-              <a:schemeClr val="tx1">
-                <a:alpha val="75000"/>
-              </a:schemeClr>
-            </a:glow>
-          </a:effectLst>
-          <a:scene3d>
-            <a:camera prst="orthographicFront"/>
-            <a:lightRig rig="threePt" dir="t"/>
-          </a:scene3d>
-          <a:sp3d>
-            <a:bevelT/>
-          </a:sp3d>
-        </p:spPr>
-        <p:txBody>
-          <a:bodyPr wrap="square" lIns="0" tIns="0" rIns="0" bIns="0" rtlCol="0">
-            <a:noAutofit/>
-          </a:bodyPr>
-          <a:lstStyle/>
-          <a:p>
-            <a:pPr>
-              <a:lnSpc>
-                <a:spcPct val="90000"/>
-              </a:lnSpc>
-            </a:pPr>
-            <a:r>
-              <a:rPr lang="en-US" sz="1400" dirty="0" smtClean="0">
-                <a:latin typeface="Silom"/>
-                <a:cs typeface="Silom"/>
-              </a:rPr>
-              <a:t>2</a:t>
-            </a:r>
-          </a:p>
-        </p:txBody>
-      </p:sp>
-      <p:sp>
-        <p:nvSpPr>
-          <p:cNvPr id="55" name="TextBox 54"/>
-          <p:cNvSpPr txBox="1"/>
-          <p:nvPr/>
-        </p:nvSpPr>
-        <p:spPr>
-          <a:xfrm>
-            <a:off x="7618412" y="3978275"/>
-            <a:ext cx="304800" cy="457200"/>
-          </a:xfrm>
-          <a:prstGeom prst="rect">
-            <a:avLst/>
-          </a:prstGeom>
-          <a:noFill/>
-          <a:effectLst>
-            <a:glow rad="101600">
-              <a:schemeClr val="tx1">
-                <a:alpha val="75000"/>
-              </a:schemeClr>
-            </a:glow>
-          </a:effectLst>
-          <a:scene3d>
-            <a:camera prst="orthographicFront"/>
-            <a:lightRig rig="threePt" dir="t"/>
-          </a:scene3d>
-          <a:sp3d>
-            <a:bevelT/>
-          </a:sp3d>
-        </p:spPr>
-        <p:txBody>
-          <a:bodyPr wrap="square" lIns="0" tIns="0" rIns="0" bIns="0" rtlCol="0">
-            <a:noAutofit/>
-          </a:bodyPr>
-          <a:lstStyle/>
-          <a:p>
-            <a:pPr>
-              <a:lnSpc>
-                <a:spcPct val="90000"/>
-              </a:lnSpc>
-            </a:pPr>
-            <a:r>
-              <a:rPr lang="en-US" sz="1400" dirty="0">
-                <a:latin typeface="Silom"/>
-                <a:cs typeface="Silom"/>
-              </a:rPr>
-              <a:t>3</a:t>
-            </a:r>
-            <a:endParaRPr lang="en-US" sz="1400" dirty="0" smtClean="0">
-              <a:latin typeface="Silom"/>
-              <a:cs typeface="Silom"/>
-            </a:endParaRPr>
-          </a:p>
-        </p:txBody>
-      </p:sp>
-      <p:cxnSp>
-        <p:nvCxnSpPr>
-          <p:cNvPr id="56" name="Straight Arrow Connector 55"/>
-          <p:cNvCxnSpPr/>
-          <p:nvPr/>
-        </p:nvCxnSpPr>
-        <p:spPr>
-          <a:xfrm flipH="1">
-            <a:off x="7542212" y="4130675"/>
-            <a:ext cx="304800" cy="152400"/>
-          </a:xfrm>
-          <a:prstGeom prst="straightConnector1">
-            <a:avLst/>
-          </a:prstGeom>
-          <a:noFill/>
-          <a:ln w="3175" cap="flat" cmpd="sng" algn="ctr">
-            <a:solidFill>
-              <a:srgbClr val="111111">
-                <a:lumMod val="50000"/>
-                <a:lumOff val="50000"/>
-              </a:srgbClr>
-            </a:solidFill>
-            <a:prstDash val="dash"/>
-            <a:tailEnd type="arrow"/>
-          </a:ln>
-          <a:effectLst/>
-        </p:spPr>
-      </p:cxnSp>
-      <p:sp>
-        <p:nvSpPr>
-          <p:cNvPr id="58" name="TextBox 57"/>
-          <p:cNvSpPr txBox="1"/>
-          <p:nvPr/>
-        </p:nvSpPr>
-        <p:spPr>
-          <a:xfrm>
-            <a:off x="9828212" y="4359275"/>
-            <a:ext cx="304800" cy="457200"/>
-          </a:xfrm>
-          <a:prstGeom prst="rect">
-            <a:avLst/>
-          </a:prstGeom>
-          <a:noFill/>
-          <a:effectLst>
-            <a:glow rad="101600">
-              <a:schemeClr val="tx1">
-                <a:alpha val="75000"/>
-              </a:schemeClr>
-            </a:glow>
-          </a:effectLst>
-          <a:scene3d>
-            <a:camera prst="orthographicFront"/>
-            <a:lightRig rig="threePt" dir="t"/>
-          </a:scene3d>
-          <a:sp3d>
-            <a:bevelT/>
-          </a:sp3d>
-        </p:spPr>
-        <p:txBody>
-          <a:bodyPr wrap="square" lIns="0" tIns="0" rIns="0" bIns="0" rtlCol="0">
-            <a:noAutofit/>
-          </a:bodyPr>
-          <a:lstStyle/>
-          <a:p>
-            <a:pPr>
-              <a:lnSpc>
-                <a:spcPct val="90000"/>
-              </a:lnSpc>
-            </a:pPr>
-            <a:r>
-              <a:rPr lang="en-US" sz="1400" dirty="0" smtClean="0">
-                <a:latin typeface="Silom"/>
-                <a:cs typeface="Silom"/>
-              </a:rPr>
-              <a:t>4</a:t>
-            </a:r>
-          </a:p>
-        </p:txBody>
-      </p:sp>
-      <p:pic>
-        <p:nvPicPr>
-          <p:cNvPr id="59" name="Picture 58"/>
-          <p:cNvPicPr>
-            <a:picLocks noChangeAspect="1"/>
-          </p:cNvPicPr>
-          <p:nvPr/>
-        </p:nvPicPr>
-        <p:blipFill>
-          <a:blip r:embed="rId8"/>
-          <a:stretch>
-            <a:fillRect/>
-          </a:stretch>
-        </p:blipFill>
-        <p:spPr>
-          <a:xfrm flipH="1">
-            <a:off x="9675812" y="4951250"/>
-            <a:ext cx="1219200" cy="551025"/>
-          </a:xfrm>
-          <a:prstGeom prst="rect">
-            <a:avLst/>
-          </a:prstGeom>
-        </p:spPr>
-      </p:pic>
-    </p:spTree>
-    <p:extLst>
-      <p:ext uri="{BB962C8B-B14F-4D97-AF65-F5344CB8AC3E}">
-        <p14:creationId xmlns:p14="http://schemas.microsoft.com/office/powerpoint/2010/main" val="3077969435"/>
-      </p:ext>
-    </p:extLst>
-  </p:cSld>
-  <p:clrMapOvr>
-    <a:masterClrMapping/>
-  </p:clrMapOvr>
-  <p:timing>
-    <p:tnLst>
-      <p:par>
-        <p:cTn xmlns:p14="http://schemas.microsoft.com/office/powerpoint/2010/main" id="1" dur="indefinite" restart="never" nodeType="tmRoot"/>
-      </p:par>
-    </p:tnLst>
-  </p:timing>
-</p:sld>
-</file>
-
-<file path=ppt/slides/slide9.xml><?xml version="1.0" encoding="utf-8"?>
-<p:sld xmlns:a="http://schemas.openxmlformats.org/drawingml/2006/main" xmlns:r="http://schemas.openxmlformats.org/officeDocument/2006/relationships" xmlns:p="http://schemas.openxmlformats.org/presentationml/2006/main">
-  <p:cSld>
-    <p:spTree>
-      <p:nvGrpSpPr>
-        <p:cNvPr id="1" name=""/>
-        <p:cNvGrpSpPr/>
-        <p:nvPr/>
-      </p:nvGrpSpPr>
-      <p:grpSpPr>
-        <a:xfrm>
-          <a:off x="0" y="0"/>
-          <a:ext cx="0" cy="0"/>
-          <a:chOff x="0" y="0"/>
-          <a:chExt cx="0" cy="0"/>
-        </a:xfrm>
-      </p:grpSpPr>
-      <p:sp>
-        <p:nvSpPr>
-          <p:cNvPr id="5" name="Slide Number Placeholder 4"/>
-          <p:cNvSpPr>
-            <a:spLocks noGrp="1"/>
-          </p:cNvSpPr>
-          <p:nvPr>
-            <p:ph type="sldNum" sz="quarter" idx="12"/>
-          </p:nvPr>
-        </p:nvSpPr>
-        <p:spPr>
-          <a:xfrm>
-            <a:off x="7176297" y="5286376"/>
-            <a:ext cx="450733" cy="149224"/>
-          </a:xfrm>
-        </p:spPr>
-        <p:txBody>
-          <a:bodyPr/>
-          <a:lstStyle/>
-          <a:p>
-            <a:fld id="{6EA6D8CF-3CDE-4807-BCD2-C9F2B831AAA5}" type="slidenum">
-              <a:rPr lang="en-US" smtClean="0"/>
-              <a:t>9</a:t>
-            </a:fld>
-            <a:endParaRPr lang="en-US"/>
-          </a:p>
-        </p:txBody>
-      </p:sp>
-      <p:sp>
-        <p:nvSpPr>
-          <p:cNvPr id="7" name="Rectangle 6"/>
-          <p:cNvSpPr/>
-          <p:nvPr/>
-        </p:nvSpPr>
-        <p:spPr>
-          <a:xfrm>
-            <a:off x="1712176" y="1753857"/>
-            <a:ext cx="5144236" cy="2818143"/>
-          </a:xfrm>
-          <a:prstGeom prst="rect">
-            <a:avLst/>
-          </a:prstGeom>
-          <a:solidFill>
-            <a:srgbClr val="01A1E7">
-              <a:lumMod val="20000"/>
-              <a:lumOff val="80000"/>
-            </a:srgbClr>
-          </a:solidFill>
-          <a:ln w="9525" cap="flat" cmpd="sng" algn="ctr">
-            <a:solidFill>
-              <a:srgbClr val="505050">
-                <a:lumMod val="50000"/>
-              </a:srgbClr>
-            </a:solidFill>
-            <a:prstDash val="solid"/>
-          </a:ln>
-          <a:effectLst/>
-        </p:spPr>
-        <p:txBody>
-          <a:bodyPr lIns="68589" tIns="34295" rIns="68589" bIns="34295" rtlCol="0" anchor="ctr"/>
-          <a:lstStyle/>
-          <a:p>
-            <a:pPr marL="0" marR="0" lvl="0" indent="0" algn="ctr" defTabSz="914400" eaLnBrk="1" fontAlgn="auto" latinLnBrk="0" hangingPunct="1">
-              <a:lnSpc>
-                <a:spcPct val="100000"/>
-              </a:lnSpc>
-              <a:spcBef>
-                <a:spcPts val="0"/>
-              </a:spcBef>
-              <a:spcAft>
-                <a:spcPts val="0"/>
-              </a:spcAft>
-              <a:buClrTx/>
-              <a:buSzTx/>
-              <a:buFontTx/>
-              <a:buNone/>
-              <a:tabLst/>
-              <a:defRPr/>
-            </a:pPr>
-            <a:endParaRPr kumimoji="0" lang="en-US" sz="1800" b="0" i="0" u="none" strike="noStrike" kern="0" cap="none" spc="0" normalizeH="0" baseline="0" noProof="0">
-              <a:ln>
-                <a:noFill/>
-              </a:ln>
-              <a:solidFill>
-                <a:srgbClr val="A0A0A0"/>
-              </a:solidFill>
-              <a:effectLst/>
-              <a:uLnTx/>
-              <a:uFillTx/>
-              <a:latin typeface="Trebuchet MS"/>
-              <a:ea typeface="+mn-ea"/>
-              <a:cs typeface="+mn-cs"/>
-            </a:endParaRPr>
-          </a:p>
-        </p:txBody>
-      </p:sp>
-      <p:sp>
-        <p:nvSpPr>
-          <p:cNvPr id="10" name="Cloud 9"/>
-          <p:cNvSpPr/>
-          <p:nvPr/>
-        </p:nvSpPr>
-        <p:spPr>
-          <a:xfrm>
-            <a:off x="6323012" y="1447800"/>
-            <a:ext cx="615297" cy="524862"/>
-          </a:xfrm>
-          <a:prstGeom prst="cloud">
-            <a:avLst/>
-          </a:prstGeom>
-          <a:gradFill flip="none" rotWithShape="1">
-            <a:gsLst>
-              <a:gs pos="48000">
-                <a:srgbClr val="FFFFFF"/>
-              </a:gs>
-              <a:gs pos="100000">
-                <a:srgbClr val="01A1E7">
-                  <a:lumMod val="60000"/>
-                  <a:lumOff val="40000"/>
-                </a:srgbClr>
-              </a:gs>
-            </a:gsLst>
-            <a:path path="circle">
-              <a:fillToRect l="50000" t="50000" r="50000" b="50000"/>
-            </a:path>
-            <a:tileRect/>
-          </a:gradFill>
-          <a:ln w="38100" cap="flat" cmpd="sng" algn="ctr">
-            <a:solidFill>
-              <a:srgbClr val="01A1E7">
-                <a:shade val="95000"/>
-                <a:satMod val="105000"/>
-              </a:srgbClr>
-            </a:solidFill>
-            <a:prstDash val="solid"/>
-          </a:ln>
-          <a:effectLst/>
-        </p:spPr>
-        <p:txBody>
-          <a:bodyPr lIns="68589" tIns="34295" rIns="68589" bIns="34295" rtlCol="0" anchor="ctr"/>
-          <a:lstStyle/>
-          <a:p>
-            <a:pPr marL="0" marR="0" lvl="0" indent="0" algn="ctr" defTabSz="914400" eaLnBrk="1" fontAlgn="auto" latinLnBrk="0" hangingPunct="1">
-              <a:lnSpc>
-                <a:spcPct val="100000"/>
-              </a:lnSpc>
-              <a:spcBef>
-                <a:spcPts val="0"/>
-              </a:spcBef>
-              <a:spcAft>
-                <a:spcPts val="0"/>
-              </a:spcAft>
-              <a:buClrTx/>
-              <a:buSzTx/>
-              <a:buFontTx/>
-              <a:buNone/>
-              <a:tabLst/>
-              <a:defRPr/>
-            </a:pPr>
-            <a:endParaRPr kumimoji="0" lang="en-US" sz="1800" b="0" i="0" u="none" strike="noStrike" kern="0" cap="none" spc="0" normalizeH="0" baseline="0" noProof="0">
-              <a:ln>
-                <a:noFill/>
-              </a:ln>
-              <a:solidFill>
-                <a:srgbClr val="A0A0A0"/>
-              </a:solidFill>
-              <a:effectLst/>
-              <a:uLnTx/>
-              <a:uFillTx/>
-              <a:latin typeface="Trebuchet MS"/>
-              <a:ea typeface="+mn-ea"/>
-              <a:cs typeface="+mn-cs"/>
-            </a:endParaRPr>
-          </a:p>
-        </p:txBody>
-      </p:sp>
-      <p:grpSp>
-        <p:nvGrpSpPr>
-          <p:cNvPr id="14" name="Group 1303"/>
-          <p:cNvGrpSpPr/>
-          <p:nvPr/>
-        </p:nvGrpSpPr>
-        <p:grpSpPr>
-          <a:xfrm>
-            <a:off x="1415731" y="1776068"/>
-            <a:ext cx="640081" cy="509932"/>
-            <a:chOff x="0" y="0"/>
-            <a:chExt cx="803335" cy="751181"/>
-          </a:xfrm>
-        </p:grpSpPr>
-        <p:sp>
-          <p:nvSpPr>
-            <p:cNvPr id="63" name="Shape 1301"/>
-            <p:cNvSpPr/>
-            <p:nvPr/>
-          </p:nvSpPr>
-          <p:spPr>
-            <a:xfrm>
-              <a:off x="0" y="0"/>
-              <a:ext cx="803335" cy="751181"/>
-            </a:xfrm>
-            <a:prstGeom prst="roundRect">
-              <a:avLst>
-                <a:gd name="adj" fmla="val 9499"/>
-              </a:avLst>
-            </a:prstGeom>
-            <a:gradFill flip="none" rotWithShape="1">
-              <a:gsLst>
-                <a:gs pos="0">
-                  <a:srgbClr val="C6C6C8"/>
-                </a:gs>
-                <a:gs pos="100000">
-                  <a:srgbClr val="E3E2E3"/>
-                </a:gs>
-              </a:gsLst>
-              <a:lin ang="16200000" scaled="0"/>
-            </a:gradFill>
-            <a:ln w="12700" cap="flat">
-              <a:solidFill>
-                <a:srgbClr val="A6A6A6"/>
-              </a:solidFill>
-              <a:prstDash val="solid"/>
-              <a:bevel/>
-            </a:ln>
-            <a:effectLst/>
-          </p:spPr>
-          <p:txBody>
-            <a:bodyPr wrap="square" lIns="0" tIns="0" rIns="0" bIns="0" numCol="1" anchor="ctr">
-              <a:noAutofit/>
-            </a:bodyPr>
-            <a:lstStyle/>
-            <a:p>
-              <a:pPr marL="0" marR="0" lvl="0" indent="0" algn="ctr" defTabSz="914400" eaLnBrk="1" fontAlgn="auto" latinLnBrk="0" hangingPunct="1">
-                <a:lnSpc>
-                  <a:spcPct val="100000"/>
-                </a:lnSpc>
-                <a:spcBef>
-                  <a:spcPts val="0"/>
-                </a:spcBef>
-                <a:spcAft>
-                  <a:spcPts val="0"/>
-                </a:spcAft>
-                <a:buClrTx/>
-                <a:buSzTx/>
-                <a:buFontTx/>
-                <a:buNone/>
-                <a:tabLst/>
-                <a:defRPr>
-                  <a:solidFill>
-                    <a:srgbClr val="FFFFFF"/>
-                  </a:solidFill>
-                </a:defRPr>
-              </a:pPr>
-              <a:endParaRPr kumimoji="0" sz="1800" b="0" i="0" u="none" strike="noStrike" kern="0" cap="none" spc="0" normalizeH="0" baseline="0" noProof="0">
-                <a:ln>
-                  <a:noFill/>
-                </a:ln>
-                <a:solidFill>
-                  <a:srgbClr val="FFFFFF"/>
-                </a:solidFill>
-                <a:effectLst/>
-                <a:uLnTx/>
-                <a:uFillTx/>
-              </a:endParaRPr>
-            </a:p>
-          </p:txBody>
-        </p:sp>
-        <p:sp>
-          <p:nvSpPr>
-            <p:cNvPr id="64" name="Shape 1302"/>
-            <p:cNvSpPr/>
-            <p:nvPr/>
-          </p:nvSpPr>
-          <p:spPr>
-            <a:xfrm>
-              <a:off x="20899" y="250478"/>
-              <a:ext cx="761537" cy="250225"/>
-            </a:xfrm>
-            <a:prstGeom prst="rect">
-              <a:avLst/>
-            </a:prstGeom>
-            <a:noFill/>
-            <a:ln w="12700" cap="flat">
-              <a:noFill/>
-              <a:miter lim="400000"/>
-            </a:ln>
-            <a:effectLst/>
-            <a:extLst>
-              <a:ext uri="{C572A759-6A51-4108-AA02-DFA0A04FC94B}">
-                <ma14:wrappingTextBoxFlag xmlns:ma14="http://schemas.microsoft.com/office/mac/drawingml/2011/main" val="1"/>
-              </a:ext>
-            </a:extLst>
-          </p:spPr>
-          <p:txBody>
-            <a:bodyPr wrap="square" lIns="0" tIns="0" rIns="0" bIns="0" numCol="1" anchor="ctr">
-              <a:spAutoFit/>
-            </a:bodyPr>
-            <a:lstStyle>
-              <a:lvl1pPr algn="ctr">
-                <a:defRPr sz="1100">
-                  <a:solidFill>
-                    <a:srgbClr val="0095D3"/>
-                  </a:solidFill>
-                  <a:latin typeface="Arial Bold"/>
-                  <a:ea typeface="Arial Bold"/>
-                  <a:cs typeface="Arial Bold"/>
-                  <a:sym typeface="Arial Bold"/>
-                </a:defRPr>
-              </a:lvl1pPr>
-            </a:lstStyle>
-            <a:p>
-              <a:pPr marL="0" marR="0" lvl="0" indent="0" algn="ctr" defTabSz="914400" eaLnBrk="1" fontAlgn="auto" latinLnBrk="0" hangingPunct="1">
-                <a:lnSpc>
-                  <a:spcPct val="100000"/>
-                </a:lnSpc>
-                <a:spcBef>
-                  <a:spcPts val="0"/>
-                </a:spcBef>
-                <a:spcAft>
-                  <a:spcPts val="0"/>
-                </a:spcAft>
-                <a:buClrTx/>
-                <a:buSzTx/>
-                <a:buFontTx/>
-                <a:buNone/>
-                <a:tabLst/>
-                <a:defRPr sz="1800">
-                  <a:solidFill>
-                    <a:srgbClr val="000000"/>
-                  </a:solidFill>
-                </a:defRPr>
-              </a:pPr>
-              <a:r>
-                <a:rPr kumimoji="0" sz="800" b="0" i="0" u="none" strike="noStrike" kern="0" cap="none" spc="0" normalizeH="0" baseline="0" noProof="0" dirty="0">
-                  <a:ln>
-                    <a:noFill/>
-                  </a:ln>
-                  <a:solidFill>
-                    <a:srgbClr val="000000"/>
-                  </a:solidFill>
-                  <a:effectLst/>
-                  <a:uLnTx/>
-                  <a:uFillTx/>
-                  <a:latin typeface="Arial Bold"/>
-                  <a:ea typeface="Arial Bold"/>
-                  <a:cs typeface="Arial Bold"/>
-                  <a:sym typeface="Arial Bold"/>
-                </a:rPr>
-                <a:t>EDGE GATEWAY</a:t>
-              </a:r>
-            </a:p>
-          </p:txBody>
-        </p:sp>
-      </p:grpSp>
-      <p:pic>
-        <p:nvPicPr>
-          <p:cNvPr id="72" name="Picture 71"/>
-          <p:cNvPicPr>
-            <a:picLocks noChangeAspect="1"/>
-          </p:cNvPicPr>
-          <p:nvPr/>
-        </p:nvPicPr>
-        <p:blipFill rotWithShape="1">
-          <a:blip r:embed="rId2"/>
-          <a:srcRect r="72534"/>
-          <a:stretch/>
-        </p:blipFill>
-        <p:spPr>
-          <a:xfrm>
-            <a:off x="2208212" y="2590800"/>
-            <a:ext cx="990600" cy="1159910"/>
-          </a:xfrm>
-          <a:prstGeom prst="rect">
-            <a:avLst/>
-          </a:prstGeom>
-        </p:spPr>
-      </p:pic>
-      <p:pic>
-        <p:nvPicPr>
-          <p:cNvPr id="74" name="Picture 73"/>
-          <p:cNvPicPr>
-            <a:picLocks noChangeAspect="1"/>
-          </p:cNvPicPr>
-          <p:nvPr/>
-        </p:nvPicPr>
-        <p:blipFill>
-          <a:blip r:embed="rId3"/>
-          <a:stretch>
-            <a:fillRect/>
-          </a:stretch>
-        </p:blipFill>
-        <p:spPr>
-          <a:xfrm>
-            <a:off x="3884612" y="2819400"/>
-            <a:ext cx="838200" cy="642620"/>
-          </a:xfrm>
-          <a:prstGeom prst="rect">
-            <a:avLst/>
-          </a:prstGeom>
-          <a:ln>
-            <a:solidFill>
-              <a:schemeClr val="tx1"/>
-            </a:solidFill>
-          </a:ln>
-        </p:spPr>
-      </p:pic>
-      <p:pic>
-        <p:nvPicPr>
-          <p:cNvPr id="75" name="Picture 74"/>
-          <p:cNvPicPr>
-            <a:picLocks noChangeAspect="1"/>
-          </p:cNvPicPr>
-          <p:nvPr/>
-        </p:nvPicPr>
-        <p:blipFill>
-          <a:blip r:embed="rId4"/>
-          <a:stretch>
-            <a:fillRect/>
-          </a:stretch>
-        </p:blipFill>
-        <p:spPr>
-          <a:xfrm>
-            <a:off x="4265612" y="812523"/>
-            <a:ext cx="1066800" cy="709908"/>
-          </a:xfrm>
-          <a:prstGeom prst="rect">
-            <a:avLst/>
-          </a:prstGeom>
-          <a:ln>
-            <a:solidFill>
-              <a:schemeClr val="tx1"/>
-            </a:solidFill>
-          </a:ln>
-        </p:spPr>
-      </p:pic>
-      <p:pic>
-        <p:nvPicPr>
-          <p:cNvPr id="79" name="Picture 78"/>
-          <p:cNvPicPr>
-            <a:picLocks noChangeAspect="1"/>
-          </p:cNvPicPr>
-          <p:nvPr/>
-        </p:nvPicPr>
-        <p:blipFill>
-          <a:blip r:embed="rId5"/>
-          <a:stretch>
-            <a:fillRect/>
-          </a:stretch>
-        </p:blipFill>
-        <p:spPr>
-          <a:xfrm>
-            <a:off x="3732212" y="2311400"/>
-            <a:ext cx="1204912" cy="348874"/>
-          </a:xfrm>
-          <a:prstGeom prst="rect">
-            <a:avLst/>
-          </a:prstGeom>
-          <a:ln>
-            <a:solidFill>
-              <a:schemeClr val="tx1"/>
-            </a:solidFill>
-          </a:ln>
-        </p:spPr>
-      </p:pic>
-      <p:sp>
-        <p:nvSpPr>
-          <p:cNvPr id="80" name="Rectangle 79"/>
-          <p:cNvSpPr/>
-          <p:nvPr/>
-        </p:nvSpPr>
-        <p:spPr>
-          <a:xfrm>
-            <a:off x="2132012" y="2159000"/>
-            <a:ext cx="2895600" cy="2032000"/>
-          </a:xfrm>
-          <a:prstGeom prst="rect">
-            <a:avLst/>
-          </a:prstGeom>
-          <a:noFill/>
-          <a:ln/>
-        </p:spPr>
-        <p:style>
-          <a:lnRef idx="1">
-            <a:schemeClr val="accent1"/>
-          </a:lnRef>
-          <a:fillRef idx="3">
-            <a:schemeClr val="accent1"/>
-          </a:fillRef>
-          <a:effectRef idx="2">
-            <a:schemeClr val="accent1"/>
-          </a:effectRef>
-          <a:fontRef idx="minor">
-            <a:schemeClr val="lt1"/>
-          </a:fontRef>
-        </p:style>
-        <p:txBody>
-          <a:bodyPr rtlCol="0" anchor="ctr"/>
-          <a:lstStyle/>
-          <a:p>
-            <a:pPr algn="ctr"/>
-            <a:endParaRPr lang="en-US" dirty="0" smtClean="0"/>
-          </a:p>
-        </p:txBody>
-      </p:sp>
-      <p:sp>
-        <p:nvSpPr>
-          <p:cNvPr id="81" name="Rectangle 80"/>
-          <p:cNvSpPr/>
-          <p:nvPr/>
-        </p:nvSpPr>
-        <p:spPr>
-          <a:xfrm>
-            <a:off x="5408613" y="2548748"/>
-            <a:ext cx="1219199" cy="1066800"/>
-          </a:xfrm>
-          <a:prstGeom prst="rect">
-            <a:avLst/>
-          </a:prstGeom>
-          <a:noFill/>
-          <a:ln/>
-        </p:spPr>
-        <p:style>
-          <a:lnRef idx="1">
-            <a:schemeClr val="accent1"/>
-          </a:lnRef>
-          <a:fillRef idx="3">
-            <a:schemeClr val="accent1"/>
-          </a:fillRef>
-          <a:effectRef idx="2">
-            <a:schemeClr val="accent1"/>
-          </a:effectRef>
-          <a:fontRef idx="minor">
-            <a:schemeClr val="lt1"/>
-          </a:fontRef>
-        </p:style>
-        <p:txBody>
-          <a:bodyPr rtlCol="0" anchor="ctr"/>
-          <a:lstStyle/>
-          <a:p>
-            <a:pPr algn="ctr"/>
-            <a:endParaRPr lang="en-US" dirty="0" smtClean="0"/>
-          </a:p>
-        </p:txBody>
-      </p:sp>
-      <p:cxnSp>
-        <p:nvCxnSpPr>
-          <p:cNvPr id="85" name="Straight Arrow Connector 84"/>
-          <p:cNvCxnSpPr>
-            <a:stCxn id="75" idx="1"/>
-          </p:cNvCxnSpPr>
-          <p:nvPr/>
-        </p:nvCxnSpPr>
-        <p:spPr>
-          <a:xfrm flipH="1">
-            <a:off x="2741612" y="1167477"/>
-            <a:ext cx="1524000" cy="1347123"/>
-          </a:xfrm>
-          <a:prstGeom prst="straightConnector1">
-            <a:avLst/>
-          </a:prstGeom>
-          <a:noFill/>
-          <a:ln w="3175" cap="flat" cmpd="sng" algn="ctr">
-            <a:solidFill>
-              <a:srgbClr val="111111">
-                <a:lumMod val="50000"/>
-                <a:lumOff val="50000"/>
-              </a:srgbClr>
-            </a:solidFill>
-            <a:prstDash val="dash"/>
-            <a:tailEnd type="arrow"/>
-          </a:ln>
-          <a:effectLst/>
-        </p:spPr>
-      </p:cxnSp>
-      <p:cxnSp>
-        <p:nvCxnSpPr>
-          <p:cNvPr id="87" name="Straight Arrow Connector 86"/>
-          <p:cNvCxnSpPr/>
-          <p:nvPr/>
-        </p:nvCxnSpPr>
-        <p:spPr>
-          <a:xfrm flipH="1">
-            <a:off x="5484812" y="1143000"/>
-            <a:ext cx="1905000" cy="0"/>
-          </a:xfrm>
-          <a:prstGeom prst="straightConnector1">
-            <a:avLst/>
-          </a:prstGeom>
-          <a:noFill/>
-          <a:ln w="3175" cap="flat" cmpd="sng" algn="ctr">
-            <a:solidFill>
-              <a:srgbClr val="111111">
-                <a:lumMod val="50000"/>
-                <a:lumOff val="50000"/>
-              </a:srgbClr>
-            </a:solidFill>
-            <a:prstDash val="dash"/>
-            <a:tailEnd type="arrow"/>
-          </a:ln>
-          <a:effectLst/>
-        </p:spPr>
-      </p:cxnSp>
-      <p:cxnSp>
-        <p:nvCxnSpPr>
-          <p:cNvPr id="94" name="Straight Arrow Connector 93"/>
-          <p:cNvCxnSpPr/>
-          <p:nvPr/>
-        </p:nvCxnSpPr>
-        <p:spPr>
-          <a:xfrm>
-            <a:off x="7389812" y="1143000"/>
-            <a:ext cx="8564" cy="1433759"/>
-          </a:xfrm>
-          <a:prstGeom prst="straightConnector1">
-            <a:avLst/>
-          </a:prstGeom>
-          <a:noFill/>
-          <a:ln w="3175" cap="flat" cmpd="sng" algn="ctr">
-            <a:solidFill>
-              <a:schemeClr val="tx2"/>
-            </a:solidFill>
-            <a:prstDash val="dash"/>
-            <a:tailEnd type="none"/>
-          </a:ln>
-          <a:effectLst/>
-        </p:spPr>
-      </p:cxnSp>
-      <p:cxnSp>
-        <p:nvCxnSpPr>
-          <p:cNvPr id="121" name="Straight Arrow Connector 120"/>
-          <p:cNvCxnSpPr/>
-          <p:nvPr/>
-        </p:nvCxnSpPr>
-        <p:spPr>
-          <a:xfrm flipV="1">
-            <a:off x="3046412" y="2438400"/>
-            <a:ext cx="609600" cy="482600"/>
-          </a:xfrm>
-          <a:prstGeom prst="straightConnector1">
-            <a:avLst/>
-          </a:prstGeom>
-          <a:noFill/>
-          <a:ln w="3175" cap="flat" cmpd="sng" algn="ctr">
-            <a:solidFill>
-              <a:srgbClr val="111111">
-                <a:lumMod val="50000"/>
-                <a:lumOff val="50000"/>
-              </a:srgbClr>
-            </a:solidFill>
-            <a:prstDash val="dash"/>
-            <a:tailEnd type="arrow"/>
-          </a:ln>
-          <a:effectLst/>
-        </p:spPr>
-      </p:cxnSp>
-      <p:sp>
-        <p:nvSpPr>
-          <p:cNvPr id="125" name="TextBox 124"/>
-          <p:cNvSpPr txBox="1"/>
-          <p:nvPr/>
-        </p:nvSpPr>
-        <p:spPr>
-          <a:xfrm>
-            <a:off x="2817812" y="4267200"/>
-            <a:ext cx="2057400" cy="304800"/>
-          </a:xfrm>
-          <a:prstGeom prst="rect">
-            <a:avLst/>
-          </a:prstGeom>
-          <a:noFill/>
-        </p:spPr>
-        <p:txBody>
-          <a:bodyPr wrap="square" lIns="0" tIns="0" rIns="0" bIns="0" rtlCol="0">
-            <a:noAutofit/>
-          </a:bodyPr>
-          <a:lstStyle/>
-          <a:p>
-            <a:pPr>
-              <a:lnSpc>
-                <a:spcPct val="90000"/>
-              </a:lnSpc>
-            </a:pPr>
-            <a:r>
-              <a:rPr lang="en-US" sz="1200" dirty="0" smtClean="0"/>
-              <a:t>Ubuntu DevOps vApp</a:t>
-            </a:r>
-          </a:p>
-        </p:txBody>
-      </p:sp>
-      <p:sp>
-        <p:nvSpPr>
-          <p:cNvPr id="126" name="TextBox 125"/>
-          <p:cNvSpPr txBox="1"/>
-          <p:nvPr/>
-        </p:nvSpPr>
-        <p:spPr>
-          <a:xfrm>
-            <a:off x="5484812" y="3708400"/>
-            <a:ext cx="2057400" cy="304800"/>
-          </a:xfrm>
-          <a:prstGeom prst="rect">
-            <a:avLst/>
-          </a:prstGeom>
-          <a:noFill/>
-        </p:spPr>
-        <p:txBody>
-          <a:bodyPr wrap="square" lIns="0" tIns="0" rIns="0" bIns="0" rtlCol="0">
-            <a:noAutofit/>
-          </a:bodyPr>
-          <a:lstStyle/>
-          <a:p>
-            <a:pPr>
-              <a:lnSpc>
-                <a:spcPct val="90000"/>
-              </a:lnSpc>
-            </a:pPr>
-            <a:r>
-              <a:rPr lang="en-US" sz="1200" dirty="0" smtClean="0"/>
-              <a:t>UbuntuTest VM</a:t>
-            </a:r>
-          </a:p>
-        </p:txBody>
-      </p:sp>
-      <p:pic>
-        <p:nvPicPr>
-          <p:cNvPr id="127" name="Picture 126"/>
-          <p:cNvPicPr>
-            <a:picLocks noChangeAspect="1"/>
-          </p:cNvPicPr>
-          <p:nvPr/>
-        </p:nvPicPr>
-        <p:blipFill>
-          <a:blip r:embed="rId6"/>
-          <a:stretch>
-            <a:fillRect/>
-          </a:stretch>
-        </p:blipFill>
-        <p:spPr>
-          <a:xfrm>
-            <a:off x="5561012" y="2717800"/>
-            <a:ext cx="893445" cy="533400"/>
-          </a:xfrm>
-          <a:prstGeom prst="rect">
-            <a:avLst/>
-          </a:prstGeom>
-        </p:spPr>
-      </p:pic>
-      <p:cxnSp>
-        <p:nvCxnSpPr>
-          <p:cNvPr id="128" name="Straight Arrow Connector 127"/>
-          <p:cNvCxnSpPr/>
-          <p:nvPr/>
-        </p:nvCxnSpPr>
-        <p:spPr>
-          <a:xfrm flipH="1">
-            <a:off x="6780212" y="3098800"/>
-            <a:ext cx="1066800" cy="0"/>
-          </a:xfrm>
-          <a:prstGeom prst="straightConnector1">
-            <a:avLst/>
-          </a:prstGeom>
-          <a:noFill/>
-          <a:ln w="3175" cap="flat" cmpd="sng" algn="ctr">
-            <a:solidFill>
-              <a:srgbClr val="111111">
-                <a:lumMod val="50000"/>
-                <a:lumOff val="50000"/>
-              </a:srgbClr>
-            </a:solidFill>
-            <a:prstDash val="dash"/>
-            <a:tailEnd type="arrow"/>
-          </a:ln>
-          <a:effectLst/>
-        </p:spPr>
-      </p:cxnSp>
-      <p:cxnSp>
-        <p:nvCxnSpPr>
-          <p:cNvPr id="141" name="Straight Arrow Connector 140"/>
-          <p:cNvCxnSpPr/>
-          <p:nvPr/>
-        </p:nvCxnSpPr>
-        <p:spPr>
-          <a:xfrm>
-            <a:off x="2970212" y="3581400"/>
-            <a:ext cx="2362200" cy="0"/>
-          </a:xfrm>
-          <a:prstGeom prst="straightConnector1">
-            <a:avLst/>
-          </a:prstGeom>
-          <a:noFill/>
-          <a:ln w="3175" cap="flat" cmpd="sng" algn="ctr">
-            <a:solidFill>
-              <a:srgbClr val="111111">
-                <a:lumMod val="50000"/>
-                <a:lumOff val="50000"/>
-              </a:srgbClr>
-            </a:solidFill>
-            <a:prstDash val="dash"/>
-            <a:tailEnd type="arrow"/>
-          </a:ln>
-          <a:effectLst/>
-        </p:spPr>
-      </p:cxnSp>
-      <p:pic>
-        <p:nvPicPr>
-          <p:cNvPr id="144" name="Picture 26" descr="MCj04339440000[1]"/>
-          <p:cNvPicPr>
-            <a:picLocks noChangeAspect="1" noChangeArrowheads="1"/>
-          </p:cNvPicPr>
-          <p:nvPr/>
-        </p:nvPicPr>
-        <p:blipFill>
-          <a:blip r:embed="rId7">
-            <a:extLst>
-              <a:ext uri="{28A0092B-C50C-407E-A947-70E740481C1C}">
-                <a14:useLocalDpi xmlns:a14="http://schemas.microsoft.com/office/drawing/2010/main" val="0"/>
-              </a:ext>
-            </a:extLst>
-          </a:blip>
-          <a:srcRect/>
-          <a:stretch>
-            <a:fillRect/>
-          </a:stretch>
-        </p:blipFill>
-        <p:spPr bwMode="auto">
-          <a:xfrm>
-            <a:off x="7313612" y="2641600"/>
-            <a:ext cx="685800" cy="685800"/>
-          </a:xfrm>
-          <a:prstGeom prst="rect">
-            <a:avLst/>
-          </a:prstGeom>
-          <a:noFill/>
-          <a:ln>
-            <a:noFill/>
-          </a:ln>
-          <a:extLst>
-            <a:ext uri="{909E8E84-426E-40dd-AFC4-6F175D3DCCD1}">
-              <a14:hiddenFill xmlns:a14="http://schemas.microsoft.com/office/drawing/2010/main">
-                <a:solidFill>
-                  <a:srgbClr val="FFFFFF"/>
-                </a:solidFill>
-              </a14:hiddenFill>
-            </a:ext>
-            <a:ext uri="{91240B29-F687-4f45-9708-019B960494DF}">
-              <a14:hiddenLine xmlns:a14="http://schemas.microsoft.com/office/drawing/2010/main" w="9525">
-                <a:solidFill>
-                  <a:srgbClr val="000000"/>
-                </a:solidFill>
-                <a:miter lim="800000"/>
-                <a:headEnd/>
-                <a:tailEnd/>
-              </a14:hiddenLine>
-            </a:ext>
-          </a:extLst>
-        </p:spPr>
-      </p:pic>
-      <p:sp>
-        <p:nvSpPr>
-          <p:cNvPr id="172" name="Rectangle 171"/>
-          <p:cNvSpPr/>
-          <p:nvPr/>
-        </p:nvSpPr>
-        <p:spPr>
-          <a:xfrm>
-            <a:off x="5561012" y="3175000"/>
-            <a:ext cx="888077" cy="330200"/>
-          </a:xfrm>
-          <a:prstGeom prst="rect">
-            <a:avLst/>
-          </a:prstGeom>
-          <a:solidFill>
-            <a:schemeClr val="bg1"/>
-          </a:solidFill>
-          <a:ln>
-            <a:solidFill>
-              <a:schemeClr val="bg1"/>
-            </a:solidFill>
-          </a:ln>
-          <a:effectLst/>
-        </p:spPr>
-        <p:style>
-          <a:lnRef idx="1">
-            <a:schemeClr val="accent1"/>
-          </a:lnRef>
-          <a:fillRef idx="3">
-            <a:schemeClr val="accent1"/>
-          </a:fillRef>
-          <a:effectRef idx="2">
-            <a:schemeClr val="accent1"/>
-          </a:effectRef>
-          <a:fontRef idx="minor">
-            <a:schemeClr val="lt1"/>
-          </a:fontRef>
-        </p:style>
-        <p:txBody>
-          <a:bodyPr rtlCol="0" anchor="ctr"/>
-          <a:lstStyle/>
-          <a:p>
-            <a:pPr algn="ctr"/>
-            <a:endParaRPr lang="en-US" dirty="0" smtClean="0"/>
-          </a:p>
-        </p:txBody>
-      </p:sp>
-      <p:sp>
-        <p:nvSpPr>
-          <p:cNvPr id="171" name="TextBox 170"/>
-          <p:cNvSpPr txBox="1"/>
-          <p:nvPr/>
-        </p:nvSpPr>
-        <p:spPr>
-          <a:xfrm>
-            <a:off x="5561012" y="3175000"/>
-            <a:ext cx="914400" cy="304800"/>
-          </a:xfrm>
-          <a:prstGeom prst="rect">
-            <a:avLst/>
-          </a:prstGeom>
-          <a:noFill/>
-        </p:spPr>
-        <p:txBody>
-          <a:bodyPr wrap="square" lIns="0" tIns="0" rIns="0" bIns="0" rtlCol="0">
-            <a:noAutofit/>
-          </a:bodyPr>
-          <a:lstStyle/>
-          <a:p>
-            <a:pPr algn="ctr">
-              <a:lnSpc>
-                <a:spcPct val="90000"/>
-              </a:lnSpc>
-            </a:pPr>
-            <a:r>
-              <a:rPr lang="en-US" sz="1200" dirty="0" smtClean="0">
-                <a:latin typeface="Avenir Next"/>
-              </a:rPr>
-              <a:t>Spring Boot </a:t>
-            </a:r>
-            <a:br>
-              <a:rPr lang="en-US" sz="1200" dirty="0" smtClean="0">
-                <a:latin typeface="Avenir Next"/>
-              </a:rPr>
-            </a:br>
-            <a:r>
-              <a:rPr lang="en-US" sz="1200" dirty="0" smtClean="0">
-                <a:latin typeface="Avenir Next"/>
-              </a:rPr>
-              <a:t>Web App</a:t>
-            </a:r>
-          </a:p>
-        </p:txBody>
-      </p:sp>
-      <p:sp>
-        <p:nvSpPr>
-          <p:cNvPr id="182" name="TextBox 181"/>
-          <p:cNvSpPr txBox="1"/>
-          <p:nvPr/>
-        </p:nvSpPr>
-        <p:spPr>
-          <a:xfrm>
-            <a:off x="7085012" y="2209800"/>
-            <a:ext cx="381000" cy="609600"/>
-          </a:xfrm>
-          <a:prstGeom prst="rect">
-            <a:avLst/>
-          </a:prstGeom>
-          <a:noFill/>
-          <a:effectLst>
-            <a:glow rad="101600">
-              <a:schemeClr val="tx1">
-                <a:alpha val="75000"/>
-              </a:schemeClr>
-            </a:glow>
-          </a:effectLst>
-          <a:scene3d>
-            <a:camera prst="orthographicFront"/>
-            <a:lightRig rig="threePt" dir="t"/>
-          </a:scene3d>
-          <a:sp3d>
-            <a:bevelT/>
-          </a:sp3d>
-        </p:spPr>
-        <p:txBody>
-          <a:bodyPr wrap="square" lIns="0" tIns="0" rIns="0" bIns="0" rtlCol="0">
-            <a:noAutofit/>
-          </a:bodyPr>
-          <a:lstStyle/>
-          <a:p>
-            <a:pPr>
-              <a:lnSpc>
-                <a:spcPct val="90000"/>
-              </a:lnSpc>
-            </a:pPr>
-            <a:r>
-              <a:rPr lang="en-US" sz="1400" dirty="0" smtClean="0">
-                <a:latin typeface="Silom"/>
-                <a:cs typeface="Silom"/>
-              </a:rPr>
-              <a:t>1</a:t>
-            </a:r>
-          </a:p>
-        </p:txBody>
-      </p:sp>
-      <p:sp>
-        <p:nvSpPr>
-          <p:cNvPr id="184" name="TextBox 183"/>
-          <p:cNvSpPr txBox="1"/>
-          <p:nvPr/>
-        </p:nvSpPr>
-        <p:spPr>
-          <a:xfrm>
-            <a:off x="3427412" y="1447800"/>
-            <a:ext cx="304800" cy="304800"/>
-          </a:xfrm>
-          <a:prstGeom prst="rect">
-            <a:avLst/>
-          </a:prstGeom>
-          <a:noFill/>
-          <a:effectLst>
-            <a:glow rad="101600">
-              <a:schemeClr val="tx1">
-                <a:alpha val="75000"/>
-              </a:schemeClr>
-            </a:glow>
-          </a:effectLst>
-          <a:scene3d>
-            <a:camera prst="orthographicFront"/>
-            <a:lightRig rig="threePt" dir="t"/>
-          </a:scene3d>
-          <a:sp3d>
-            <a:bevelT/>
-          </a:sp3d>
-        </p:spPr>
-        <p:txBody>
-          <a:bodyPr wrap="square" lIns="0" tIns="0" rIns="0" bIns="0" rtlCol="0">
-            <a:noAutofit/>
-          </a:bodyPr>
-          <a:lstStyle/>
-          <a:p>
-            <a:pPr>
-              <a:lnSpc>
-                <a:spcPct val="90000"/>
-              </a:lnSpc>
-            </a:pPr>
-            <a:r>
-              <a:rPr lang="en-US" sz="1400" dirty="0" smtClean="0">
-                <a:latin typeface="Silom"/>
-                <a:cs typeface="Silom"/>
-              </a:rPr>
-              <a:t>2</a:t>
-            </a:r>
-          </a:p>
-        </p:txBody>
-      </p:sp>
-      <p:sp>
-        <p:nvSpPr>
-          <p:cNvPr id="185" name="TextBox 184"/>
-          <p:cNvSpPr txBox="1"/>
-          <p:nvPr/>
-        </p:nvSpPr>
-        <p:spPr>
-          <a:xfrm>
-            <a:off x="3427412" y="1981200"/>
-            <a:ext cx="304800" cy="304800"/>
-          </a:xfrm>
-          <a:prstGeom prst="rect">
-            <a:avLst/>
-          </a:prstGeom>
-          <a:noFill/>
-          <a:effectLst>
-            <a:glow rad="101600">
-              <a:schemeClr val="tx1">
-                <a:alpha val="75000"/>
-              </a:schemeClr>
-            </a:glow>
-          </a:effectLst>
-          <a:scene3d>
-            <a:camera prst="orthographicFront"/>
-            <a:lightRig rig="threePt" dir="t"/>
-          </a:scene3d>
-          <a:sp3d>
-            <a:bevelT/>
-          </a:sp3d>
-        </p:spPr>
-        <p:txBody>
-          <a:bodyPr wrap="square" lIns="0" tIns="0" rIns="0" bIns="0" rtlCol="0">
-            <a:noAutofit/>
-          </a:bodyPr>
-          <a:lstStyle/>
-          <a:p>
-            <a:pPr>
-              <a:lnSpc>
-                <a:spcPct val="90000"/>
-              </a:lnSpc>
-            </a:pPr>
-            <a:r>
-              <a:rPr lang="en-US" sz="1400" dirty="0">
-                <a:latin typeface="Silom"/>
-                <a:cs typeface="Silom"/>
-              </a:rPr>
-              <a:t>3</a:t>
-            </a:r>
-            <a:endParaRPr lang="en-US" sz="1400" dirty="0" smtClean="0">
-              <a:latin typeface="Silom"/>
-              <a:cs typeface="Silom"/>
-            </a:endParaRPr>
-          </a:p>
-        </p:txBody>
-      </p:sp>
-      <p:cxnSp>
-        <p:nvCxnSpPr>
-          <p:cNvPr id="186" name="Straight Arrow Connector 185"/>
-          <p:cNvCxnSpPr/>
-          <p:nvPr/>
-        </p:nvCxnSpPr>
-        <p:spPr>
-          <a:xfrm flipV="1">
-            <a:off x="2817812" y="1600200"/>
-            <a:ext cx="1447800" cy="1295400"/>
-          </a:xfrm>
-          <a:prstGeom prst="straightConnector1">
-            <a:avLst/>
-          </a:prstGeom>
-          <a:noFill/>
-          <a:ln w="3175" cap="flat" cmpd="sng" algn="ctr">
-            <a:solidFill>
-              <a:srgbClr val="111111">
-                <a:lumMod val="50000"/>
-                <a:lumOff val="50000"/>
-              </a:srgbClr>
-            </a:solidFill>
-            <a:prstDash val="dash"/>
-            <a:tailEnd type="arrow"/>
-          </a:ln>
-          <a:effectLst/>
-        </p:spPr>
-      </p:cxnSp>
-      <p:sp>
-        <p:nvSpPr>
-          <p:cNvPr id="189" name="TextBox 188"/>
-          <p:cNvSpPr txBox="1"/>
-          <p:nvPr/>
-        </p:nvSpPr>
-        <p:spPr>
-          <a:xfrm>
-            <a:off x="3427412" y="2667000"/>
-            <a:ext cx="304800" cy="304800"/>
-          </a:xfrm>
-          <a:prstGeom prst="rect">
-            <a:avLst/>
-          </a:prstGeom>
-          <a:noFill/>
-          <a:effectLst>
-            <a:glow rad="101600">
-              <a:schemeClr val="tx1">
-                <a:alpha val="75000"/>
-              </a:schemeClr>
-            </a:glow>
-          </a:effectLst>
-          <a:scene3d>
-            <a:camera prst="orthographicFront"/>
-            <a:lightRig rig="threePt" dir="t"/>
-          </a:scene3d>
-          <a:sp3d>
-            <a:bevelT/>
-          </a:sp3d>
-        </p:spPr>
-        <p:txBody>
-          <a:bodyPr wrap="square" lIns="0" tIns="0" rIns="0" bIns="0" rtlCol="0">
-            <a:noAutofit/>
-          </a:bodyPr>
-          <a:lstStyle/>
-          <a:p>
-            <a:pPr>
-              <a:lnSpc>
-                <a:spcPct val="90000"/>
-              </a:lnSpc>
-            </a:pPr>
-            <a:r>
-              <a:rPr lang="en-US" sz="1400" dirty="0">
-                <a:latin typeface="Silom"/>
-                <a:cs typeface="Silom"/>
-              </a:rPr>
-              <a:t>4</a:t>
-            </a:r>
-            <a:endParaRPr lang="en-US" sz="1400" dirty="0" smtClean="0">
-              <a:latin typeface="Silom"/>
-              <a:cs typeface="Silom"/>
-            </a:endParaRPr>
-          </a:p>
-        </p:txBody>
-      </p:sp>
-      <p:sp>
-        <p:nvSpPr>
-          <p:cNvPr id="191" name="TextBox 190"/>
-          <p:cNvSpPr txBox="1"/>
-          <p:nvPr/>
-        </p:nvSpPr>
-        <p:spPr>
-          <a:xfrm>
-            <a:off x="3427412" y="3200400"/>
-            <a:ext cx="609600" cy="381000"/>
-          </a:xfrm>
-          <a:prstGeom prst="rect">
-            <a:avLst/>
-          </a:prstGeom>
-          <a:noFill/>
-          <a:effectLst>
-            <a:glow rad="101600">
-              <a:schemeClr val="tx1">
-                <a:alpha val="75000"/>
-              </a:schemeClr>
-            </a:glow>
-          </a:effectLst>
-          <a:scene3d>
-            <a:camera prst="orthographicFront"/>
-            <a:lightRig rig="threePt" dir="t"/>
-          </a:scene3d>
-          <a:sp3d>
-            <a:bevelT/>
-          </a:sp3d>
-        </p:spPr>
-        <p:txBody>
-          <a:bodyPr wrap="square" lIns="0" tIns="0" rIns="0" bIns="0" rtlCol="0">
-            <a:noAutofit/>
-          </a:bodyPr>
-          <a:lstStyle/>
-          <a:p>
-            <a:pPr>
-              <a:lnSpc>
-                <a:spcPct val="90000"/>
-              </a:lnSpc>
-            </a:pPr>
-            <a:r>
-              <a:rPr lang="en-US" sz="1400" dirty="0">
-                <a:latin typeface="Silom"/>
-                <a:cs typeface="Silom"/>
-              </a:rPr>
-              <a:t>5</a:t>
-            </a:r>
-            <a:endParaRPr lang="en-US" sz="1400" dirty="0" smtClean="0">
-              <a:latin typeface="Silom"/>
-              <a:cs typeface="Silom"/>
-            </a:endParaRPr>
-          </a:p>
-        </p:txBody>
-      </p:sp>
-      <p:sp>
-        <p:nvSpPr>
-          <p:cNvPr id="193" name="TextBox 192"/>
-          <p:cNvSpPr txBox="1"/>
-          <p:nvPr/>
-        </p:nvSpPr>
-        <p:spPr>
-          <a:xfrm>
-            <a:off x="3427412" y="3657600"/>
-            <a:ext cx="304800" cy="152400"/>
-          </a:xfrm>
-          <a:prstGeom prst="rect">
-            <a:avLst/>
-          </a:prstGeom>
-          <a:noFill/>
-          <a:effectLst>
-            <a:glow rad="101600">
-              <a:schemeClr val="tx1">
-                <a:alpha val="75000"/>
-              </a:schemeClr>
-            </a:glow>
-          </a:effectLst>
-          <a:scene3d>
-            <a:camera prst="orthographicFront"/>
-            <a:lightRig rig="threePt" dir="t"/>
-          </a:scene3d>
-          <a:sp3d>
-            <a:bevelT/>
-          </a:sp3d>
-        </p:spPr>
-        <p:txBody>
-          <a:bodyPr wrap="square" lIns="0" tIns="0" rIns="0" bIns="0" rtlCol="0">
-            <a:noAutofit/>
-          </a:bodyPr>
-          <a:lstStyle/>
-          <a:p>
-            <a:pPr>
-              <a:lnSpc>
-                <a:spcPct val="90000"/>
-              </a:lnSpc>
-            </a:pPr>
-            <a:r>
-              <a:rPr lang="en-US" sz="1400" dirty="0">
-                <a:latin typeface="Silom"/>
-                <a:cs typeface="Silom"/>
-              </a:rPr>
-              <a:t>6</a:t>
-            </a:r>
-            <a:endParaRPr lang="en-US" sz="1400" dirty="0" smtClean="0">
-              <a:latin typeface="Silom"/>
-              <a:cs typeface="Silom"/>
-            </a:endParaRPr>
-          </a:p>
-        </p:txBody>
-      </p:sp>
-      <p:sp>
-        <p:nvSpPr>
-          <p:cNvPr id="196" name="TextBox 195"/>
-          <p:cNvSpPr txBox="1"/>
-          <p:nvPr/>
-        </p:nvSpPr>
-        <p:spPr>
-          <a:xfrm>
-            <a:off x="7085012" y="3200400"/>
-            <a:ext cx="381000" cy="228600"/>
-          </a:xfrm>
-          <a:prstGeom prst="rect">
-            <a:avLst/>
-          </a:prstGeom>
-          <a:noFill/>
-          <a:effectLst>
-            <a:glow rad="101600">
-              <a:schemeClr val="tx1">
-                <a:alpha val="75000"/>
-              </a:schemeClr>
-            </a:glow>
-          </a:effectLst>
-          <a:scene3d>
-            <a:camera prst="orthographicFront"/>
-            <a:lightRig rig="threePt" dir="t"/>
-          </a:scene3d>
-          <a:sp3d>
-            <a:bevelT/>
-          </a:sp3d>
-        </p:spPr>
-        <p:txBody>
-          <a:bodyPr wrap="square" lIns="0" tIns="0" rIns="0" bIns="0" rtlCol="0">
-            <a:noAutofit/>
-          </a:bodyPr>
-          <a:lstStyle/>
-          <a:p>
-            <a:pPr>
-              <a:lnSpc>
-                <a:spcPct val="90000"/>
-              </a:lnSpc>
-            </a:pPr>
-            <a:r>
-              <a:rPr lang="en-US" sz="1400" dirty="0" smtClean="0">
-                <a:latin typeface="Silom"/>
-                <a:cs typeface="Silom"/>
-              </a:rPr>
-              <a:t>7</a:t>
-            </a:r>
-          </a:p>
-        </p:txBody>
-      </p:sp>
-      <p:cxnSp>
-        <p:nvCxnSpPr>
-          <p:cNvPr id="133" name="Straight Arrow Connector 132"/>
-          <p:cNvCxnSpPr/>
-          <p:nvPr/>
-        </p:nvCxnSpPr>
-        <p:spPr>
-          <a:xfrm>
-            <a:off x="3046412" y="3124200"/>
-            <a:ext cx="838200" cy="0"/>
-          </a:xfrm>
-          <a:prstGeom prst="straightConnector1">
-            <a:avLst/>
-          </a:prstGeom>
-          <a:noFill/>
-          <a:ln w="3175" cap="flat" cmpd="sng" algn="ctr">
-            <a:solidFill>
-              <a:srgbClr val="111111">
-                <a:lumMod val="50000"/>
-                <a:lumOff val="50000"/>
-              </a:srgbClr>
-            </a:solidFill>
-            <a:prstDash val="dash"/>
-            <a:tailEnd type="arrow"/>
-          </a:ln>
-          <a:effectLst/>
-        </p:spPr>
-      </p:cxnSp>
-      <p:cxnSp>
-        <p:nvCxnSpPr>
-          <p:cNvPr id="105" name="Straight Arrow Connector 104"/>
-          <p:cNvCxnSpPr/>
-          <p:nvPr/>
-        </p:nvCxnSpPr>
-        <p:spPr>
-          <a:xfrm>
-            <a:off x="4722812" y="3200400"/>
-            <a:ext cx="609600" cy="0"/>
-          </a:xfrm>
-          <a:prstGeom prst="straightConnector1">
-            <a:avLst/>
-          </a:prstGeom>
-          <a:noFill/>
-          <a:ln w="3175" cap="flat" cmpd="sng" algn="ctr">
-            <a:solidFill>
-              <a:srgbClr val="111111">
-                <a:lumMod val="50000"/>
-                <a:lumOff val="50000"/>
-              </a:srgbClr>
-            </a:solidFill>
-            <a:prstDash val="dash"/>
-            <a:tailEnd type="arrow"/>
-          </a:ln>
-          <a:effectLst/>
-        </p:spPr>
-      </p:cxnSp>
-    </p:spTree>
-    <p:extLst>
-      <p:ext uri="{BB962C8B-B14F-4D97-AF65-F5344CB8AC3E}">
-        <p14:creationId xmlns:p14="http://schemas.microsoft.com/office/powerpoint/2010/main" val="2617511327"/>
       </p:ext>
     </p:extLst>
   </p:cSld>
